--- a/Unidad 8- Spring MVC III-Thymeleaf-Ampliacion.pptx
+++ b/Unidad 8- Spring MVC III-Thymeleaf-Ampliacion.pptx
@@ -5,7 +5,7 @@
     <p:sldMasterId id="2147483660" r:id="rId1"/>
   </p:sldMasterIdLst>
   <p:notesMasterIdLst>
-    <p:notesMasterId r:id="rId19"/>
+    <p:notesMasterId r:id="rId27"/>
   </p:notesMasterIdLst>
   <p:sldIdLst>
     <p:sldId id="256" r:id="rId2"/>
@@ -25,6 +25,14 @@
     <p:sldId id="309" r:id="rId16"/>
     <p:sldId id="310" r:id="rId17"/>
     <p:sldId id="311" r:id="rId18"/>
+    <p:sldId id="313" r:id="rId19"/>
+    <p:sldId id="312" r:id="rId20"/>
+    <p:sldId id="314" r:id="rId21"/>
+    <p:sldId id="315" r:id="rId22"/>
+    <p:sldId id="316" r:id="rId23"/>
+    <p:sldId id="317" r:id="rId24"/>
+    <p:sldId id="318" r:id="rId25"/>
+    <p:sldId id="319" r:id="rId26"/>
   </p:sldIdLst>
   <p:sldSz cx="12192000" cy="6858000"/>
   <p:notesSz cx="6858000" cy="9144000"/>
@@ -213,7 +221,7 @@
           <a:p>
             <a:fld id="{C5E4E8B3-BC3D-4B17-AD72-6EEF0757A344}" type="datetimeFigureOut">
               <a:rPr lang="es-ES" smtClean="0"/>
-              <a:t>29/12/2023</a:t>
+              <a:t>16/01/2024</a:t>
             </a:fld>
             <a:endParaRPr lang="es-ES"/>
           </a:p>
@@ -1248,6 +1256,294 @@
 </p:notes>
 </file>
 
+<file path=ppt/notesSlides/notesSlide17.xml><?xml version="1.0" encoding="utf-8"?>
+<p:notes xmlns:a="http://schemas.openxmlformats.org/drawingml/2006/main" xmlns:r="http://schemas.openxmlformats.org/officeDocument/2006/relationships" xmlns:p="http://schemas.openxmlformats.org/presentationml/2006/main">
+  <p:cSld>
+    <p:spTree>
+      <p:nvGrpSpPr>
+        <p:cNvPr id="1" name=""/>
+        <p:cNvGrpSpPr/>
+        <p:nvPr/>
+      </p:nvGrpSpPr>
+      <p:grpSpPr>
+        <a:xfrm>
+          <a:off x="0" y="0"/>
+          <a:ext cx="0" cy="0"/>
+          <a:chOff x="0" y="0"/>
+          <a:chExt cx="0" cy="0"/>
+        </a:xfrm>
+      </p:grpSpPr>
+      <p:sp>
+        <p:nvSpPr>
+          <p:cNvPr id="2" name="Marcador de imagen de diapositiva 1"/>
+          <p:cNvSpPr>
+            <a:spLocks noGrp="1" noRot="1" noChangeAspect="1"/>
+          </p:cNvSpPr>
+          <p:nvPr>
+            <p:ph type="sldImg"/>
+          </p:nvPr>
+        </p:nvSpPr>
+        <p:spPr/>
+      </p:sp>
+      <p:sp>
+        <p:nvSpPr>
+          <p:cNvPr id="3" name="Marcador de notas 2"/>
+          <p:cNvSpPr>
+            <a:spLocks noGrp="1"/>
+          </p:cNvSpPr>
+          <p:nvPr>
+            <p:ph type="body" idx="1"/>
+          </p:nvPr>
+        </p:nvSpPr>
+        <p:spPr/>
+        <p:txBody>
+          <a:bodyPr/>
+          <a:lstStyle/>
+          <a:p>
+            <a:r>
+              <a:rPr lang="es-ES" dirty="0"/>
+              <a:t>Si buscamos cualquier definición de inteligencia artificial veremos que la inteligencia es:</a:t>
+            </a:r>
+          </a:p>
+          <a:p>
+            <a:r>
+              <a:rPr lang="es-ES" dirty="0"/>
+              <a:t>Es la capacidad o facultad de entender, razonar, saber, aprender y de resolver problemas. </a:t>
+            </a:r>
+          </a:p>
+          <a:p>
+            <a:endParaRPr lang="es-ES" dirty="0"/>
+          </a:p>
+        </p:txBody>
+      </p:sp>
+      <p:sp>
+        <p:nvSpPr>
+          <p:cNvPr id="4" name="Marcador de número de diapositiva 3"/>
+          <p:cNvSpPr>
+            <a:spLocks noGrp="1"/>
+          </p:cNvSpPr>
+          <p:nvPr>
+            <p:ph type="sldNum" sz="quarter" idx="5"/>
+          </p:nvPr>
+        </p:nvSpPr>
+        <p:spPr/>
+        <p:txBody>
+          <a:bodyPr/>
+          <a:lstStyle/>
+          <a:p>
+            <a:fld id="{D5712D9C-889D-4610-A762-E75BDBE57ED2}" type="slidenum">
+              <a:rPr lang="es-ES" smtClean="0"/>
+              <a:t>18</a:t>
+            </a:fld>
+            <a:endParaRPr lang="es-ES"/>
+          </a:p>
+        </p:txBody>
+      </p:sp>
+    </p:spTree>
+    <p:extLst>
+      <p:ext uri="{BB962C8B-B14F-4D97-AF65-F5344CB8AC3E}">
+        <p14:creationId xmlns:p14="http://schemas.microsoft.com/office/powerpoint/2010/main" val="1356182684"/>
+      </p:ext>
+    </p:extLst>
+  </p:cSld>
+  <p:clrMapOvr>
+    <a:masterClrMapping/>
+  </p:clrMapOvr>
+</p:notes>
+</file>
+
+<file path=ppt/notesSlides/notesSlide18.xml><?xml version="1.0" encoding="utf-8"?>
+<p:notes xmlns:a="http://schemas.openxmlformats.org/drawingml/2006/main" xmlns:r="http://schemas.openxmlformats.org/officeDocument/2006/relationships" xmlns:p="http://schemas.openxmlformats.org/presentationml/2006/main">
+  <p:cSld>
+    <p:spTree>
+      <p:nvGrpSpPr>
+        <p:cNvPr id="1" name=""/>
+        <p:cNvGrpSpPr/>
+        <p:nvPr/>
+      </p:nvGrpSpPr>
+      <p:grpSpPr>
+        <a:xfrm>
+          <a:off x="0" y="0"/>
+          <a:ext cx="0" cy="0"/>
+          <a:chOff x="0" y="0"/>
+          <a:chExt cx="0" cy="0"/>
+        </a:xfrm>
+      </p:grpSpPr>
+      <p:sp>
+        <p:nvSpPr>
+          <p:cNvPr id="2" name="Marcador de imagen de diapositiva 1"/>
+          <p:cNvSpPr>
+            <a:spLocks noGrp="1" noRot="1" noChangeAspect="1"/>
+          </p:cNvSpPr>
+          <p:nvPr>
+            <p:ph type="sldImg"/>
+          </p:nvPr>
+        </p:nvSpPr>
+        <p:spPr/>
+      </p:sp>
+      <p:sp>
+        <p:nvSpPr>
+          <p:cNvPr id="3" name="Marcador de notas 2"/>
+          <p:cNvSpPr>
+            <a:spLocks noGrp="1"/>
+          </p:cNvSpPr>
+          <p:nvPr>
+            <p:ph type="body" idx="1"/>
+          </p:nvPr>
+        </p:nvSpPr>
+        <p:spPr/>
+        <p:txBody>
+          <a:bodyPr/>
+          <a:lstStyle/>
+          <a:p>
+            <a:r>
+              <a:rPr lang="es-ES" dirty="0"/>
+              <a:t>Si buscamos cualquier definición de inteligencia artificial veremos que la inteligencia es:</a:t>
+            </a:r>
+          </a:p>
+          <a:p>
+            <a:r>
+              <a:rPr lang="es-ES" dirty="0"/>
+              <a:t>Es la capacidad o facultad de entender, razonar, saber, aprender y de resolver problemas. </a:t>
+            </a:r>
+          </a:p>
+          <a:p>
+            <a:endParaRPr lang="es-ES" dirty="0"/>
+          </a:p>
+        </p:txBody>
+      </p:sp>
+      <p:sp>
+        <p:nvSpPr>
+          <p:cNvPr id="4" name="Marcador de número de diapositiva 3"/>
+          <p:cNvSpPr>
+            <a:spLocks noGrp="1"/>
+          </p:cNvSpPr>
+          <p:nvPr>
+            <p:ph type="sldNum" sz="quarter" idx="5"/>
+          </p:nvPr>
+        </p:nvSpPr>
+        <p:spPr/>
+        <p:txBody>
+          <a:bodyPr/>
+          <a:lstStyle/>
+          <a:p>
+            <a:fld id="{D5712D9C-889D-4610-A762-E75BDBE57ED2}" type="slidenum">
+              <a:rPr lang="es-ES" smtClean="0"/>
+              <a:t>19</a:t>
+            </a:fld>
+            <a:endParaRPr lang="es-ES"/>
+          </a:p>
+        </p:txBody>
+      </p:sp>
+    </p:spTree>
+    <p:extLst>
+      <p:ext uri="{BB962C8B-B14F-4D97-AF65-F5344CB8AC3E}">
+        <p14:creationId xmlns:p14="http://schemas.microsoft.com/office/powerpoint/2010/main" val="2199471640"/>
+      </p:ext>
+    </p:extLst>
+  </p:cSld>
+  <p:clrMapOvr>
+    <a:masterClrMapping/>
+  </p:clrMapOvr>
+</p:notes>
+</file>
+
+<file path=ppt/notesSlides/notesSlide19.xml><?xml version="1.0" encoding="utf-8"?>
+<p:notes xmlns:a="http://schemas.openxmlformats.org/drawingml/2006/main" xmlns:r="http://schemas.openxmlformats.org/officeDocument/2006/relationships" xmlns:p="http://schemas.openxmlformats.org/presentationml/2006/main">
+  <p:cSld>
+    <p:spTree>
+      <p:nvGrpSpPr>
+        <p:cNvPr id="1" name=""/>
+        <p:cNvGrpSpPr/>
+        <p:nvPr/>
+      </p:nvGrpSpPr>
+      <p:grpSpPr>
+        <a:xfrm>
+          <a:off x="0" y="0"/>
+          <a:ext cx="0" cy="0"/>
+          <a:chOff x="0" y="0"/>
+          <a:chExt cx="0" cy="0"/>
+        </a:xfrm>
+      </p:grpSpPr>
+      <p:sp>
+        <p:nvSpPr>
+          <p:cNvPr id="2" name="Marcador de imagen de diapositiva 1"/>
+          <p:cNvSpPr>
+            <a:spLocks noGrp="1" noRot="1" noChangeAspect="1"/>
+          </p:cNvSpPr>
+          <p:nvPr>
+            <p:ph type="sldImg"/>
+          </p:nvPr>
+        </p:nvSpPr>
+        <p:spPr/>
+      </p:sp>
+      <p:sp>
+        <p:nvSpPr>
+          <p:cNvPr id="3" name="Marcador de notas 2"/>
+          <p:cNvSpPr>
+            <a:spLocks noGrp="1"/>
+          </p:cNvSpPr>
+          <p:nvPr>
+            <p:ph type="body" idx="1"/>
+          </p:nvPr>
+        </p:nvSpPr>
+        <p:spPr/>
+        <p:txBody>
+          <a:bodyPr/>
+          <a:lstStyle/>
+          <a:p>
+            <a:r>
+              <a:rPr lang="es-ES" dirty="0"/>
+              <a:t>Si buscamos cualquier definición de inteligencia artificial veremos que la inteligencia es:</a:t>
+            </a:r>
+          </a:p>
+          <a:p>
+            <a:r>
+              <a:rPr lang="es-ES" dirty="0"/>
+              <a:t>Es la capacidad o facultad de entender, razonar, saber, aprender y de resolver problemas. </a:t>
+            </a:r>
+          </a:p>
+          <a:p>
+            <a:endParaRPr lang="es-ES" dirty="0"/>
+          </a:p>
+        </p:txBody>
+      </p:sp>
+      <p:sp>
+        <p:nvSpPr>
+          <p:cNvPr id="4" name="Marcador de número de diapositiva 3"/>
+          <p:cNvSpPr>
+            <a:spLocks noGrp="1"/>
+          </p:cNvSpPr>
+          <p:nvPr>
+            <p:ph type="sldNum" sz="quarter" idx="5"/>
+          </p:nvPr>
+        </p:nvSpPr>
+        <p:spPr/>
+        <p:txBody>
+          <a:bodyPr/>
+          <a:lstStyle/>
+          <a:p>
+            <a:fld id="{D5712D9C-889D-4610-A762-E75BDBE57ED2}" type="slidenum">
+              <a:rPr lang="es-ES" smtClean="0"/>
+              <a:t>20</a:t>
+            </a:fld>
+            <a:endParaRPr lang="es-ES"/>
+          </a:p>
+        </p:txBody>
+      </p:sp>
+    </p:spTree>
+    <p:extLst>
+      <p:ext uri="{BB962C8B-B14F-4D97-AF65-F5344CB8AC3E}">
+        <p14:creationId xmlns:p14="http://schemas.microsoft.com/office/powerpoint/2010/main" val="3761402700"/>
+      </p:ext>
+    </p:extLst>
+  </p:cSld>
+  <p:clrMapOvr>
+    <a:masterClrMapping/>
+  </p:clrMapOvr>
+</p:notes>
+</file>
+
 <file path=ppt/notesSlides/notesSlide2.xml><?xml version="1.0" encoding="utf-8"?>
 <p:notes xmlns:a="http://schemas.openxmlformats.org/drawingml/2006/main" xmlns:r="http://schemas.openxmlformats.org/officeDocument/2006/relationships" xmlns:p="http://schemas.openxmlformats.org/presentationml/2006/main">
   <p:cSld>
@@ -1335,6 +1631,486 @@
     <p:extLst>
       <p:ext uri="{BB962C8B-B14F-4D97-AF65-F5344CB8AC3E}">
         <p14:creationId xmlns:p14="http://schemas.microsoft.com/office/powerpoint/2010/main" val="1489923381"/>
+      </p:ext>
+    </p:extLst>
+  </p:cSld>
+  <p:clrMapOvr>
+    <a:masterClrMapping/>
+  </p:clrMapOvr>
+</p:notes>
+</file>
+
+<file path=ppt/notesSlides/notesSlide20.xml><?xml version="1.0" encoding="utf-8"?>
+<p:notes xmlns:a="http://schemas.openxmlformats.org/drawingml/2006/main" xmlns:r="http://schemas.openxmlformats.org/officeDocument/2006/relationships" xmlns:p="http://schemas.openxmlformats.org/presentationml/2006/main">
+  <p:cSld>
+    <p:spTree>
+      <p:nvGrpSpPr>
+        <p:cNvPr id="1" name=""/>
+        <p:cNvGrpSpPr/>
+        <p:nvPr/>
+      </p:nvGrpSpPr>
+      <p:grpSpPr>
+        <a:xfrm>
+          <a:off x="0" y="0"/>
+          <a:ext cx="0" cy="0"/>
+          <a:chOff x="0" y="0"/>
+          <a:chExt cx="0" cy="0"/>
+        </a:xfrm>
+      </p:grpSpPr>
+      <p:sp>
+        <p:nvSpPr>
+          <p:cNvPr id="2" name="Marcador de imagen de diapositiva 1"/>
+          <p:cNvSpPr>
+            <a:spLocks noGrp="1" noRot="1" noChangeAspect="1"/>
+          </p:cNvSpPr>
+          <p:nvPr>
+            <p:ph type="sldImg"/>
+          </p:nvPr>
+        </p:nvSpPr>
+        <p:spPr/>
+      </p:sp>
+      <p:sp>
+        <p:nvSpPr>
+          <p:cNvPr id="3" name="Marcador de notas 2"/>
+          <p:cNvSpPr>
+            <a:spLocks noGrp="1"/>
+          </p:cNvSpPr>
+          <p:nvPr>
+            <p:ph type="body" idx="1"/>
+          </p:nvPr>
+        </p:nvSpPr>
+        <p:spPr/>
+        <p:txBody>
+          <a:bodyPr/>
+          <a:lstStyle/>
+          <a:p>
+            <a:r>
+              <a:rPr lang="es-ES" dirty="0"/>
+              <a:t>Si buscamos cualquier definición de inteligencia artificial veremos que la inteligencia es:</a:t>
+            </a:r>
+          </a:p>
+          <a:p>
+            <a:r>
+              <a:rPr lang="es-ES" dirty="0"/>
+              <a:t>Es la capacidad o facultad de entender, razonar, saber, aprender y de resolver problemas. </a:t>
+            </a:r>
+          </a:p>
+          <a:p>
+            <a:endParaRPr lang="es-ES" dirty="0"/>
+          </a:p>
+        </p:txBody>
+      </p:sp>
+      <p:sp>
+        <p:nvSpPr>
+          <p:cNvPr id="4" name="Marcador de número de diapositiva 3"/>
+          <p:cNvSpPr>
+            <a:spLocks noGrp="1"/>
+          </p:cNvSpPr>
+          <p:nvPr>
+            <p:ph type="sldNum" sz="quarter" idx="5"/>
+          </p:nvPr>
+        </p:nvSpPr>
+        <p:spPr/>
+        <p:txBody>
+          <a:bodyPr/>
+          <a:lstStyle/>
+          <a:p>
+            <a:fld id="{D5712D9C-889D-4610-A762-E75BDBE57ED2}" type="slidenum">
+              <a:rPr lang="es-ES" smtClean="0"/>
+              <a:t>21</a:t>
+            </a:fld>
+            <a:endParaRPr lang="es-ES"/>
+          </a:p>
+        </p:txBody>
+      </p:sp>
+    </p:spTree>
+    <p:extLst>
+      <p:ext uri="{BB962C8B-B14F-4D97-AF65-F5344CB8AC3E}">
+        <p14:creationId xmlns:p14="http://schemas.microsoft.com/office/powerpoint/2010/main" val="2126871571"/>
+      </p:ext>
+    </p:extLst>
+  </p:cSld>
+  <p:clrMapOvr>
+    <a:masterClrMapping/>
+  </p:clrMapOvr>
+</p:notes>
+</file>
+
+<file path=ppt/notesSlides/notesSlide21.xml><?xml version="1.0" encoding="utf-8"?>
+<p:notes xmlns:a="http://schemas.openxmlformats.org/drawingml/2006/main" xmlns:r="http://schemas.openxmlformats.org/officeDocument/2006/relationships" xmlns:p="http://schemas.openxmlformats.org/presentationml/2006/main">
+  <p:cSld>
+    <p:spTree>
+      <p:nvGrpSpPr>
+        <p:cNvPr id="1" name=""/>
+        <p:cNvGrpSpPr/>
+        <p:nvPr/>
+      </p:nvGrpSpPr>
+      <p:grpSpPr>
+        <a:xfrm>
+          <a:off x="0" y="0"/>
+          <a:ext cx="0" cy="0"/>
+          <a:chOff x="0" y="0"/>
+          <a:chExt cx="0" cy="0"/>
+        </a:xfrm>
+      </p:grpSpPr>
+      <p:sp>
+        <p:nvSpPr>
+          <p:cNvPr id="2" name="Marcador de imagen de diapositiva 1"/>
+          <p:cNvSpPr>
+            <a:spLocks noGrp="1" noRot="1" noChangeAspect="1"/>
+          </p:cNvSpPr>
+          <p:nvPr>
+            <p:ph type="sldImg"/>
+          </p:nvPr>
+        </p:nvSpPr>
+        <p:spPr/>
+      </p:sp>
+      <p:sp>
+        <p:nvSpPr>
+          <p:cNvPr id="3" name="Marcador de notas 2"/>
+          <p:cNvSpPr>
+            <a:spLocks noGrp="1"/>
+          </p:cNvSpPr>
+          <p:nvPr>
+            <p:ph type="body" idx="1"/>
+          </p:nvPr>
+        </p:nvSpPr>
+        <p:spPr/>
+        <p:txBody>
+          <a:bodyPr/>
+          <a:lstStyle/>
+          <a:p>
+            <a:r>
+              <a:rPr lang="es-ES" dirty="0"/>
+              <a:t>Si buscamos cualquier definición de inteligencia artificial veremos que la inteligencia es:</a:t>
+            </a:r>
+          </a:p>
+          <a:p>
+            <a:r>
+              <a:rPr lang="es-ES" dirty="0"/>
+              <a:t>Es la capacidad o facultad de entender, razonar, saber, aprender y de resolver problemas. </a:t>
+            </a:r>
+          </a:p>
+          <a:p>
+            <a:endParaRPr lang="es-ES" dirty="0"/>
+          </a:p>
+        </p:txBody>
+      </p:sp>
+      <p:sp>
+        <p:nvSpPr>
+          <p:cNvPr id="4" name="Marcador de número de diapositiva 3"/>
+          <p:cNvSpPr>
+            <a:spLocks noGrp="1"/>
+          </p:cNvSpPr>
+          <p:nvPr>
+            <p:ph type="sldNum" sz="quarter" idx="5"/>
+          </p:nvPr>
+        </p:nvSpPr>
+        <p:spPr/>
+        <p:txBody>
+          <a:bodyPr/>
+          <a:lstStyle/>
+          <a:p>
+            <a:fld id="{D5712D9C-889D-4610-A762-E75BDBE57ED2}" type="slidenum">
+              <a:rPr lang="es-ES" smtClean="0"/>
+              <a:t>22</a:t>
+            </a:fld>
+            <a:endParaRPr lang="es-ES"/>
+          </a:p>
+        </p:txBody>
+      </p:sp>
+    </p:spTree>
+    <p:extLst>
+      <p:ext uri="{BB962C8B-B14F-4D97-AF65-F5344CB8AC3E}">
+        <p14:creationId xmlns:p14="http://schemas.microsoft.com/office/powerpoint/2010/main" val="1883086809"/>
+      </p:ext>
+    </p:extLst>
+  </p:cSld>
+  <p:clrMapOvr>
+    <a:masterClrMapping/>
+  </p:clrMapOvr>
+</p:notes>
+</file>
+
+<file path=ppt/notesSlides/notesSlide22.xml><?xml version="1.0" encoding="utf-8"?>
+<p:notes xmlns:a="http://schemas.openxmlformats.org/drawingml/2006/main" xmlns:r="http://schemas.openxmlformats.org/officeDocument/2006/relationships" xmlns:p="http://schemas.openxmlformats.org/presentationml/2006/main">
+  <p:cSld>
+    <p:spTree>
+      <p:nvGrpSpPr>
+        <p:cNvPr id="1" name=""/>
+        <p:cNvGrpSpPr/>
+        <p:nvPr/>
+      </p:nvGrpSpPr>
+      <p:grpSpPr>
+        <a:xfrm>
+          <a:off x="0" y="0"/>
+          <a:ext cx="0" cy="0"/>
+          <a:chOff x="0" y="0"/>
+          <a:chExt cx="0" cy="0"/>
+        </a:xfrm>
+      </p:grpSpPr>
+      <p:sp>
+        <p:nvSpPr>
+          <p:cNvPr id="2" name="Marcador de imagen de diapositiva 1"/>
+          <p:cNvSpPr>
+            <a:spLocks noGrp="1" noRot="1" noChangeAspect="1"/>
+          </p:cNvSpPr>
+          <p:nvPr>
+            <p:ph type="sldImg"/>
+          </p:nvPr>
+        </p:nvSpPr>
+        <p:spPr/>
+      </p:sp>
+      <p:sp>
+        <p:nvSpPr>
+          <p:cNvPr id="3" name="Marcador de notas 2"/>
+          <p:cNvSpPr>
+            <a:spLocks noGrp="1"/>
+          </p:cNvSpPr>
+          <p:nvPr>
+            <p:ph type="body" idx="1"/>
+          </p:nvPr>
+        </p:nvSpPr>
+        <p:spPr/>
+        <p:txBody>
+          <a:bodyPr/>
+          <a:lstStyle/>
+          <a:p>
+            <a:r>
+              <a:rPr lang="es-ES" dirty="0"/>
+              <a:t>Si buscamos cualquier definición de inteligencia artificial veremos que la inteligencia es:</a:t>
+            </a:r>
+          </a:p>
+          <a:p>
+            <a:r>
+              <a:rPr lang="es-ES" dirty="0"/>
+              <a:t>Es la capacidad o facultad de entender, razonar, saber, aprender y de resolver problemas. </a:t>
+            </a:r>
+          </a:p>
+          <a:p>
+            <a:endParaRPr lang="es-ES" dirty="0"/>
+          </a:p>
+        </p:txBody>
+      </p:sp>
+      <p:sp>
+        <p:nvSpPr>
+          <p:cNvPr id="4" name="Marcador de número de diapositiva 3"/>
+          <p:cNvSpPr>
+            <a:spLocks noGrp="1"/>
+          </p:cNvSpPr>
+          <p:nvPr>
+            <p:ph type="sldNum" sz="quarter" idx="5"/>
+          </p:nvPr>
+        </p:nvSpPr>
+        <p:spPr/>
+        <p:txBody>
+          <a:bodyPr/>
+          <a:lstStyle/>
+          <a:p>
+            <a:fld id="{D5712D9C-889D-4610-A762-E75BDBE57ED2}" type="slidenum">
+              <a:rPr lang="es-ES" smtClean="0"/>
+              <a:t>23</a:t>
+            </a:fld>
+            <a:endParaRPr lang="es-ES"/>
+          </a:p>
+        </p:txBody>
+      </p:sp>
+    </p:spTree>
+    <p:extLst>
+      <p:ext uri="{BB962C8B-B14F-4D97-AF65-F5344CB8AC3E}">
+        <p14:creationId xmlns:p14="http://schemas.microsoft.com/office/powerpoint/2010/main" val="2097958072"/>
+      </p:ext>
+    </p:extLst>
+  </p:cSld>
+  <p:clrMapOvr>
+    <a:masterClrMapping/>
+  </p:clrMapOvr>
+</p:notes>
+</file>
+
+<file path=ppt/notesSlides/notesSlide23.xml><?xml version="1.0" encoding="utf-8"?>
+<p:notes xmlns:a="http://schemas.openxmlformats.org/drawingml/2006/main" xmlns:r="http://schemas.openxmlformats.org/officeDocument/2006/relationships" xmlns:p="http://schemas.openxmlformats.org/presentationml/2006/main">
+  <p:cSld>
+    <p:spTree>
+      <p:nvGrpSpPr>
+        <p:cNvPr id="1" name=""/>
+        <p:cNvGrpSpPr/>
+        <p:nvPr/>
+      </p:nvGrpSpPr>
+      <p:grpSpPr>
+        <a:xfrm>
+          <a:off x="0" y="0"/>
+          <a:ext cx="0" cy="0"/>
+          <a:chOff x="0" y="0"/>
+          <a:chExt cx="0" cy="0"/>
+        </a:xfrm>
+      </p:grpSpPr>
+      <p:sp>
+        <p:nvSpPr>
+          <p:cNvPr id="2" name="Marcador de imagen de diapositiva 1"/>
+          <p:cNvSpPr>
+            <a:spLocks noGrp="1" noRot="1" noChangeAspect="1"/>
+          </p:cNvSpPr>
+          <p:nvPr>
+            <p:ph type="sldImg"/>
+          </p:nvPr>
+        </p:nvSpPr>
+        <p:spPr/>
+      </p:sp>
+      <p:sp>
+        <p:nvSpPr>
+          <p:cNvPr id="3" name="Marcador de notas 2"/>
+          <p:cNvSpPr>
+            <a:spLocks noGrp="1"/>
+          </p:cNvSpPr>
+          <p:nvPr>
+            <p:ph type="body" idx="1"/>
+          </p:nvPr>
+        </p:nvSpPr>
+        <p:spPr/>
+        <p:txBody>
+          <a:bodyPr/>
+          <a:lstStyle/>
+          <a:p>
+            <a:r>
+              <a:rPr lang="es-ES" dirty="0"/>
+              <a:t>Si buscamos cualquier definición de inteligencia artificial veremos que la inteligencia es:</a:t>
+            </a:r>
+          </a:p>
+          <a:p>
+            <a:r>
+              <a:rPr lang="es-ES" dirty="0"/>
+              <a:t>Es la capacidad o facultad de entender, razonar, saber, aprender y de resolver problemas. </a:t>
+            </a:r>
+          </a:p>
+          <a:p>
+            <a:endParaRPr lang="es-ES" dirty="0"/>
+          </a:p>
+        </p:txBody>
+      </p:sp>
+      <p:sp>
+        <p:nvSpPr>
+          <p:cNvPr id="4" name="Marcador de número de diapositiva 3"/>
+          <p:cNvSpPr>
+            <a:spLocks noGrp="1"/>
+          </p:cNvSpPr>
+          <p:nvPr>
+            <p:ph type="sldNum" sz="quarter" idx="5"/>
+          </p:nvPr>
+        </p:nvSpPr>
+        <p:spPr/>
+        <p:txBody>
+          <a:bodyPr/>
+          <a:lstStyle/>
+          <a:p>
+            <a:fld id="{D5712D9C-889D-4610-A762-E75BDBE57ED2}" type="slidenum">
+              <a:rPr lang="es-ES" smtClean="0"/>
+              <a:t>24</a:t>
+            </a:fld>
+            <a:endParaRPr lang="es-ES"/>
+          </a:p>
+        </p:txBody>
+      </p:sp>
+    </p:spTree>
+    <p:extLst>
+      <p:ext uri="{BB962C8B-B14F-4D97-AF65-F5344CB8AC3E}">
+        <p14:creationId xmlns:p14="http://schemas.microsoft.com/office/powerpoint/2010/main" val="3086433601"/>
+      </p:ext>
+    </p:extLst>
+  </p:cSld>
+  <p:clrMapOvr>
+    <a:masterClrMapping/>
+  </p:clrMapOvr>
+</p:notes>
+</file>
+
+<file path=ppt/notesSlides/notesSlide24.xml><?xml version="1.0" encoding="utf-8"?>
+<p:notes xmlns:a="http://schemas.openxmlformats.org/drawingml/2006/main" xmlns:r="http://schemas.openxmlformats.org/officeDocument/2006/relationships" xmlns:p="http://schemas.openxmlformats.org/presentationml/2006/main">
+  <p:cSld>
+    <p:spTree>
+      <p:nvGrpSpPr>
+        <p:cNvPr id="1" name=""/>
+        <p:cNvGrpSpPr/>
+        <p:nvPr/>
+      </p:nvGrpSpPr>
+      <p:grpSpPr>
+        <a:xfrm>
+          <a:off x="0" y="0"/>
+          <a:ext cx="0" cy="0"/>
+          <a:chOff x="0" y="0"/>
+          <a:chExt cx="0" cy="0"/>
+        </a:xfrm>
+      </p:grpSpPr>
+      <p:sp>
+        <p:nvSpPr>
+          <p:cNvPr id="2" name="Marcador de imagen de diapositiva 1"/>
+          <p:cNvSpPr>
+            <a:spLocks noGrp="1" noRot="1" noChangeAspect="1"/>
+          </p:cNvSpPr>
+          <p:nvPr>
+            <p:ph type="sldImg"/>
+          </p:nvPr>
+        </p:nvSpPr>
+        <p:spPr/>
+      </p:sp>
+      <p:sp>
+        <p:nvSpPr>
+          <p:cNvPr id="3" name="Marcador de notas 2"/>
+          <p:cNvSpPr>
+            <a:spLocks noGrp="1"/>
+          </p:cNvSpPr>
+          <p:nvPr>
+            <p:ph type="body" idx="1"/>
+          </p:nvPr>
+        </p:nvSpPr>
+        <p:spPr/>
+        <p:txBody>
+          <a:bodyPr/>
+          <a:lstStyle/>
+          <a:p>
+            <a:r>
+              <a:rPr lang="es-ES" dirty="0"/>
+              <a:t>Si buscamos cualquier definición de inteligencia artificial veremos que la inteligencia es:</a:t>
+            </a:r>
+          </a:p>
+          <a:p>
+            <a:r>
+              <a:rPr lang="es-ES" dirty="0"/>
+              <a:t>Es la capacidad o facultad de entender, razonar, saber, aprender y de resolver problemas. </a:t>
+            </a:r>
+          </a:p>
+          <a:p>
+            <a:endParaRPr lang="es-ES" dirty="0"/>
+          </a:p>
+        </p:txBody>
+      </p:sp>
+      <p:sp>
+        <p:nvSpPr>
+          <p:cNvPr id="4" name="Marcador de número de diapositiva 3"/>
+          <p:cNvSpPr>
+            <a:spLocks noGrp="1"/>
+          </p:cNvSpPr>
+          <p:nvPr>
+            <p:ph type="sldNum" sz="quarter" idx="5"/>
+          </p:nvPr>
+        </p:nvSpPr>
+        <p:spPr/>
+        <p:txBody>
+          <a:bodyPr/>
+          <a:lstStyle/>
+          <a:p>
+            <a:fld id="{D5712D9C-889D-4610-A762-E75BDBE57ED2}" type="slidenum">
+              <a:rPr lang="es-ES" smtClean="0"/>
+              <a:t>25</a:t>
+            </a:fld>
+            <a:endParaRPr lang="es-ES"/>
+          </a:p>
+        </p:txBody>
+      </p:sp>
+    </p:spTree>
+    <p:extLst>
+      <p:ext uri="{BB962C8B-B14F-4D97-AF65-F5344CB8AC3E}">
+        <p14:creationId xmlns:p14="http://schemas.microsoft.com/office/powerpoint/2010/main" val="1898823608"/>
       </p:ext>
     </p:extLst>
   </p:cSld>
@@ -2229,7 +3005,7 @@
           <a:p>
             <a:fld id="{CD7214D7-428D-4601-A337-8B3EF9271EE1}" type="datetimeFigureOut">
               <a:rPr lang="es-ES" smtClean="0"/>
-              <a:t>29/12/2023</a:t>
+              <a:t>16/01/2024</a:t>
             </a:fld>
             <a:endParaRPr lang="es-ES"/>
           </a:p>
@@ -2520,7 +3296,7 @@
           <a:p>
             <a:fld id="{CD7214D7-428D-4601-A337-8B3EF9271EE1}" type="datetimeFigureOut">
               <a:rPr lang="es-ES" smtClean="0"/>
-              <a:t>29/12/2023</a:t>
+              <a:t>16/01/2024</a:t>
             </a:fld>
             <a:endParaRPr lang="es-ES"/>
           </a:p>
@@ -2779,7 +3555,7 @@
           <a:p>
             <a:fld id="{CD7214D7-428D-4601-A337-8B3EF9271EE1}" type="datetimeFigureOut">
               <a:rPr lang="es-ES" smtClean="0"/>
-              <a:t>29/12/2023</a:t>
+              <a:t>16/01/2024</a:t>
             </a:fld>
             <a:endParaRPr lang="es-ES"/>
           </a:p>
@@ -3248,7 +4024,7 @@
           <a:p>
             <a:fld id="{CD7214D7-428D-4601-A337-8B3EF9271EE1}" type="datetimeFigureOut">
               <a:rPr lang="es-ES" smtClean="0"/>
-              <a:t>29/12/2023</a:t>
+              <a:t>16/01/2024</a:t>
             </a:fld>
             <a:endParaRPr lang="es-ES"/>
           </a:p>
@@ -3428,7 +4204,7 @@
           <a:p>
             <a:fld id="{CD7214D7-428D-4601-A337-8B3EF9271EE1}" type="datetimeFigureOut">
               <a:rPr lang="es-ES" smtClean="0"/>
-              <a:t>29/12/2023</a:t>
+              <a:t>16/01/2024</a:t>
             </a:fld>
             <a:endParaRPr lang="es-ES"/>
           </a:p>
@@ -4004,7 +4780,7 @@
           <a:p>
             <a:fld id="{CD7214D7-428D-4601-A337-8B3EF9271EE1}" type="datetimeFigureOut">
               <a:rPr lang="es-ES" smtClean="0"/>
-              <a:t>29/12/2023</a:t>
+              <a:t>16/01/2024</a:t>
             </a:fld>
             <a:endParaRPr lang="es-ES"/>
           </a:p>
@@ -4336,7 +5112,7 @@
           <a:p>
             <a:fld id="{CD7214D7-428D-4601-A337-8B3EF9271EE1}" type="datetimeFigureOut">
               <a:rPr lang="es-ES" smtClean="0"/>
-              <a:t>29/12/2023</a:t>
+              <a:t>16/01/2024</a:t>
             </a:fld>
             <a:endParaRPr lang="es-ES"/>
           </a:p>
@@ -4511,7 +5287,7 @@
           <a:p>
             <a:fld id="{CD7214D7-428D-4601-A337-8B3EF9271EE1}" type="datetimeFigureOut">
               <a:rPr lang="es-ES" smtClean="0"/>
-              <a:t>29/12/2023</a:t>
+              <a:t>16/01/2024</a:t>
             </a:fld>
             <a:endParaRPr lang="es-ES"/>
           </a:p>
@@ -4691,7 +5467,7 @@
           <a:p>
             <a:fld id="{CD7214D7-428D-4601-A337-8B3EF9271EE1}" type="datetimeFigureOut">
               <a:rPr lang="es-ES" smtClean="0"/>
-              <a:t>29/12/2023</a:t>
+              <a:t>16/01/2024</a:t>
             </a:fld>
             <a:endParaRPr lang="es-ES"/>
           </a:p>
@@ -4861,7 +5637,7 @@
           <a:p>
             <a:fld id="{CD7214D7-428D-4601-A337-8B3EF9271EE1}" type="datetimeFigureOut">
               <a:rPr lang="es-ES" smtClean="0"/>
-              <a:t>29/12/2023</a:t>
+              <a:t>16/01/2024</a:t>
             </a:fld>
             <a:endParaRPr lang="es-ES"/>
           </a:p>
@@ -5118,7 +5894,7 @@
           <a:p>
             <a:fld id="{CD7214D7-428D-4601-A337-8B3EF9271EE1}" type="datetimeFigureOut">
               <a:rPr lang="es-ES" smtClean="0"/>
-              <a:t>29/12/2023</a:t>
+              <a:t>16/01/2024</a:t>
             </a:fld>
             <a:endParaRPr lang="es-ES"/>
           </a:p>
@@ -5410,7 +6186,7 @@
           <a:p>
             <a:fld id="{CD7214D7-428D-4601-A337-8B3EF9271EE1}" type="datetimeFigureOut">
               <a:rPr lang="es-ES" smtClean="0"/>
-              <a:t>29/12/2023</a:t>
+              <a:t>16/01/2024</a:t>
             </a:fld>
             <a:endParaRPr lang="es-ES"/>
           </a:p>
@@ -5840,7 +6616,7 @@
           <a:p>
             <a:fld id="{CD7214D7-428D-4601-A337-8B3EF9271EE1}" type="datetimeFigureOut">
               <a:rPr lang="es-ES" smtClean="0"/>
-              <a:t>29/12/2023</a:t>
+              <a:t>16/01/2024</a:t>
             </a:fld>
             <a:endParaRPr lang="es-ES"/>
           </a:p>
@@ -5958,7 +6734,7 @@
           <a:p>
             <a:fld id="{CD7214D7-428D-4601-A337-8B3EF9271EE1}" type="datetimeFigureOut">
               <a:rPr lang="es-ES" smtClean="0"/>
-              <a:t>29/12/2023</a:t>
+              <a:t>16/01/2024</a:t>
             </a:fld>
             <a:endParaRPr lang="es-ES"/>
           </a:p>
@@ -6053,7 +6829,7 @@
           <a:p>
             <a:fld id="{CD7214D7-428D-4601-A337-8B3EF9271EE1}" type="datetimeFigureOut">
               <a:rPr lang="es-ES" smtClean="0"/>
-              <a:t>29/12/2023</a:t>
+              <a:t>16/01/2024</a:t>
             </a:fld>
             <a:endParaRPr lang="es-ES"/>
           </a:p>
@@ -6336,7 +7112,7 @@
           <a:p>
             <a:fld id="{CD7214D7-428D-4601-A337-8B3EF9271EE1}" type="datetimeFigureOut">
               <a:rPr lang="es-ES" smtClean="0"/>
-              <a:t>29/12/2023</a:t>
+              <a:t>16/01/2024</a:t>
             </a:fld>
             <a:endParaRPr lang="es-ES"/>
           </a:p>
@@ -6627,7 +7403,7 @@
           <a:p>
             <a:fld id="{CD7214D7-428D-4601-A337-8B3EF9271EE1}" type="datetimeFigureOut">
               <a:rPr lang="es-ES" smtClean="0"/>
-              <a:t>29/12/2023</a:t>
+              <a:t>16/01/2024</a:t>
             </a:fld>
             <a:endParaRPr lang="es-ES"/>
           </a:p>
@@ -6858,7 +7634,7 @@
           <a:p>
             <a:fld id="{CD7214D7-428D-4601-A337-8B3EF9271EE1}" type="datetimeFigureOut">
               <a:rPr lang="es-ES" smtClean="0"/>
-              <a:t>29/12/2023</a:t>
+              <a:t>16/01/2024</a:t>
             </a:fld>
             <a:endParaRPr lang="es-ES"/>
           </a:p>
@@ -15274,6 +16050,1602 @@
 </p:sld>
 </file>
 
+<file path=ppt/slides/slide18.xml><?xml version="1.0" encoding="utf-8"?>
+<p:sld xmlns:a="http://schemas.openxmlformats.org/drawingml/2006/main" xmlns:r="http://schemas.openxmlformats.org/officeDocument/2006/relationships" xmlns:p="http://schemas.openxmlformats.org/presentationml/2006/main">
+  <p:cSld>
+    <p:spTree>
+      <p:nvGrpSpPr>
+        <p:cNvPr id="1" name=""/>
+        <p:cNvGrpSpPr/>
+        <p:nvPr/>
+      </p:nvGrpSpPr>
+      <p:grpSpPr>
+        <a:xfrm>
+          <a:off x="0" y="0"/>
+          <a:ext cx="0" cy="0"/>
+          <a:chOff x="0" y="0"/>
+          <a:chExt cx="0" cy="0"/>
+        </a:xfrm>
+      </p:grpSpPr>
+      <p:pic>
+        <p:nvPicPr>
+          <p:cNvPr id="1032" name="Picture 8" descr="Nuestro Equipo">
+            <a:extLst>
+              <a:ext uri="{FF2B5EF4-FFF2-40B4-BE49-F238E27FC236}">
+                <a16:creationId xmlns:a16="http://schemas.microsoft.com/office/drawing/2014/main" id="{9948F5C4-A11B-BB63-E587-6CEB747BDDEB}"/>
+              </a:ext>
+            </a:extLst>
+          </p:cNvPr>
+          <p:cNvPicPr>
+            <a:picLocks noChangeAspect="1" noChangeArrowheads="1"/>
+          </p:cNvPicPr>
+          <p:nvPr/>
+        </p:nvPicPr>
+        <p:blipFill>
+          <a:blip r:embed="rId3">
+            <a:extLst>
+              <a:ext uri="{28A0092B-C50C-407E-A947-70E740481C1C}">
+                <a14:useLocalDpi xmlns:a14="http://schemas.microsoft.com/office/drawing/2010/main" val="0"/>
+              </a:ext>
+            </a:extLst>
+          </a:blip>
+          <a:srcRect/>
+          <a:stretch>
+            <a:fillRect/>
+          </a:stretch>
+        </p:blipFill>
+        <p:spPr bwMode="auto">
+          <a:xfrm>
+            <a:off x="11003858" y="6068461"/>
+            <a:ext cx="675692" cy="675692"/>
+          </a:xfrm>
+          <a:prstGeom prst="rect">
+            <a:avLst/>
+          </a:prstGeom>
+          <a:noFill/>
+          <a:extLst>
+            <a:ext uri="{909E8E84-426E-40DD-AFC4-6F175D3DCCD1}">
+              <a14:hiddenFill xmlns:a14="http://schemas.microsoft.com/office/drawing/2010/main">
+                <a:solidFill>
+                  <a:srgbClr val="FFFFFF"/>
+                </a:solidFill>
+              </a14:hiddenFill>
+            </a:ext>
+          </a:extLst>
+        </p:spPr>
+      </p:pic>
+      <p:sp>
+        <p:nvSpPr>
+          <p:cNvPr id="3" name="CuadroTexto 2">
+            <a:extLst>
+              <a:ext uri="{FF2B5EF4-FFF2-40B4-BE49-F238E27FC236}">
+                <a16:creationId xmlns:a16="http://schemas.microsoft.com/office/drawing/2014/main" id="{D1FA320B-398B-F9F1-38EA-BAF5DD083F19}"/>
+              </a:ext>
+            </a:extLst>
+          </p:cNvPr>
+          <p:cNvSpPr txBox="1"/>
+          <p:nvPr/>
+        </p:nvSpPr>
+        <p:spPr>
+          <a:xfrm>
+            <a:off x="1253654" y="873506"/>
+            <a:ext cx="9079954" cy="2031325"/>
+          </a:xfrm>
+          <a:prstGeom prst="rect">
+            <a:avLst/>
+          </a:prstGeom>
+          <a:noFill/>
+        </p:spPr>
+        <p:txBody>
+          <a:bodyPr wrap="square" rtlCol="0">
+            <a:spAutoFit/>
+          </a:bodyPr>
+          <a:lstStyle/>
+          <a:p>
+            <a:r>
+              <a:rPr lang="es-ES" dirty="0"/>
+              <a:t>SPRING FRAMEWORK</a:t>
+            </a:r>
+          </a:p>
+          <a:p>
+            <a:pPr lvl="1"/>
+            <a:endParaRPr lang="es-ES" sz="1200" dirty="0">
+              <a:solidFill>
+                <a:srgbClr val="FF0000"/>
+              </a:solidFill>
+              <a:latin typeface="Titillium Web" panose="00000500000000000000" pitchFamily="2" charset="0"/>
+            </a:endParaRPr>
+          </a:p>
+          <a:p>
+            <a:pPr lvl="1"/>
+            <a:endParaRPr lang="es-ES" sz="1200" dirty="0">
+              <a:solidFill>
+                <a:schemeClr val="accent4">
+                  <a:lumMod val="60000"/>
+                  <a:lumOff val="40000"/>
+                </a:schemeClr>
+              </a:solidFill>
+              <a:latin typeface="Titillium Web" panose="00000500000000000000" pitchFamily="2" charset="0"/>
+            </a:endParaRPr>
+          </a:p>
+          <a:p>
+            <a:pPr lvl="1"/>
+            <a:r>
+              <a:rPr lang="es-ES" sz="1200" dirty="0">
+                <a:solidFill>
+                  <a:schemeClr val="accent4">
+                    <a:lumMod val="60000"/>
+                    <a:lumOff val="40000"/>
+                  </a:schemeClr>
+                </a:solidFill>
+                <a:latin typeface="Titillium Web" panose="00000500000000000000" pitchFamily="2" charset="0"/>
+              </a:rPr>
+              <a:t>CONSTRUYENDO CON THYMELEAF y PLANTILLAS CSS</a:t>
+            </a:r>
+          </a:p>
+          <a:p>
+            <a:pPr lvl="1"/>
+            <a:endParaRPr lang="es-ES" sz="1200" dirty="0">
+              <a:solidFill>
+                <a:schemeClr val="accent4">
+                  <a:lumMod val="60000"/>
+                  <a:lumOff val="40000"/>
+                </a:schemeClr>
+              </a:solidFill>
+              <a:latin typeface="Titillium Web" panose="00000500000000000000" pitchFamily="2" charset="0"/>
+            </a:endParaRPr>
+          </a:p>
+          <a:p>
+            <a:pPr lvl="1"/>
+            <a:endParaRPr lang="es-ES" sz="1200" dirty="0">
+              <a:solidFill>
+                <a:schemeClr val="accent4">
+                  <a:lumMod val="60000"/>
+                  <a:lumOff val="40000"/>
+                </a:schemeClr>
+              </a:solidFill>
+            </a:endParaRPr>
+          </a:p>
+          <a:p>
+            <a:pPr lvl="1"/>
+            <a:br>
+              <a:rPr lang="es-ES" sz="1200" dirty="0">
+                <a:solidFill>
+                  <a:schemeClr val="accent4">
+                    <a:lumMod val="60000"/>
+                    <a:lumOff val="40000"/>
+                  </a:schemeClr>
+                </a:solidFill>
+              </a:rPr>
+            </a:br>
+            <a:endParaRPr lang="es-ES" sz="1200" dirty="0">
+              <a:solidFill>
+                <a:schemeClr val="accent4">
+                  <a:lumMod val="60000"/>
+                  <a:lumOff val="40000"/>
+                </a:schemeClr>
+              </a:solidFill>
+            </a:endParaRPr>
+          </a:p>
+          <a:p>
+            <a:pPr lvl="1"/>
+            <a:endParaRPr lang="es-ES" sz="1200" dirty="0">
+              <a:solidFill>
+                <a:schemeClr val="accent1">
+                  <a:lumMod val="40000"/>
+                  <a:lumOff val="60000"/>
+                </a:schemeClr>
+              </a:solidFill>
+              <a:latin typeface="Titillium Web" panose="00000500000000000000" pitchFamily="2" charset="0"/>
+            </a:endParaRPr>
+          </a:p>
+          <a:p>
+            <a:pPr lvl="1"/>
+            <a:endParaRPr lang="es-ES" sz="1200" b="0" i="0" dirty="0">
+              <a:solidFill>
+                <a:schemeClr val="accent4">
+                  <a:lumMod val="60000"/>
+                  <a:lumOff val="40000"/>
+                </a:schemeClr>
+              </a:solidFill>
+              <a:effectLst/>
+              <a:latin typeface="Titillium Web" panose="00000500000000000000" pitchFamily="2" charset="0"/>
+            </a:endParaRPr>
+          </a:p>
+        </p:txBody>
+      </p:sp>
+      <p:pic>
+        <p:nvPicPr>
+          <p:cNvPr id="5" name="Picture 2" descr="Spring | Home">
+            <a:extLst>
+              <a:ext uri="{FF2B5EF4-FFF2-40B4-BE49-F238E27FC236}">
+                <a16:creationId xmlns:a16="http://schemas.microsoft.com/office/drawing/2014/main" id="{6CBE6F06-F98A-B85B-B6AA-917CBDD1C2C3}"/>
+              </a:ext>
+            </a:extLst>
+          </p:cNvPr>
+          <p:cNvPicPr>
+            <a:picLocks noChangeAspect="1" noChangeArrowheads="1"/>
+          </p:cNvPicPr>
+          <p:nvPr/>
+        </p:nvPicPr>
+        <p:blipFill>
+          <a:blip r:embed="rId4">
+            <a:extLst>
+              <a:ext uri="{28A0092B-C50C-407E-A947-70E740481C1C}">
+                <a14:useLocalDpi xmlns:a14="http://schemas.microsoft.com/office/drawing/2010/main" val="0"/>
+              </a:ext>
+            </a:extLst>
+          </a:blip>
+          <a:srcRect/>
+          <a:stretch>
+            <a:fillRect/>
+          </a:stretch>
+        </p:blipFill>
+        <p:spPr bwMode="auto">
+          <a:xfrm>
+            <a:off x="10666011" y="5262959"/>
+            <a:ext cx="1351386" cy="675693"/>
+          </a:xfrm>
+          <a:prstGeom prst="rect">
+            <a:avLst/>
+          </a:prstGeom>
+          <a:noFill/>
+          <a:extLst>
+            <a:ext uri="{909E8E84-426E-40DD-AFC4-6F175D3DCCD1}">
+              <a14:hiddenFill xmlns:a14="http://schemas.microsoft.com/office/drawing/2010/main">
+                <a:solidFill>
+                  <a:srgbClr val="FFFFFF"/>
+                </a:solidFill>
+              </a14:hiddenFill>
+            </a:ext>
+          </a:extLst>
+        </p:spPr>
+      </p:pic>
+      <p:sp>
+        <p:nvSpPr>
+          <p:cNvPr id="2" name="CuadroTexto 1">
+            <a:extLst>
+              <a:ext uri="{FF2B5EF4-FFF2-40B4-BE49-F238E27FC236}">
+                <a16:creationId xmlns:a16="http://schemas.microsoft.com/office/drawing/2014/main" id="{477BDFD5-86BF-359C-0E77-061F61200E12}"/>
+              </a:ext>
+            </a:extLst>
+          </p:cNvPr>
+          <p:cNvSpPr txBox="1"/>
+          <p:nvPr/>
+        </p:nvSpPr>
+        <p:spPr>
+          <a:xfrm>
+            <a:off x="512450" y="1807686"/>
+            <a:ext cx="9079954" cy="5816977"/>
+          </a:xfrm>
+          <a:prstGeom prst="rect">
+            <a:avLst/>
+          </a:prstGeom>
+          <a:noFill/>
+        </p:spPr>
+        <p:txBody>
+          <a:bodyPr wrap="square" rtlCol="0">
+            <a:spAutoFit/>
+          </a:bodyPr>
+          <a:lstStyle/>
+          <a:p>
+            <a:pPr marL="628650" lvl="1" indent="-171450">
+              <a:buFont typeface="Arial" panose="020B0604020202020204" pitchFamily="34" charset="0"/>
+              <a:buChar char="•"/>
+            </a:pPr>
+            <a:endParaRPr lang="es-ES" sz="1200" dirty="0">
+              <a:latin typeface="Titillium Web" panose="00000500000000000000" pitchFamily="2" charset="0"/>
+              <a:sym typeface="Wingdings" panose="05000000000000000000" pitchFamily="2" charset="2"/>
+            </a:endParaRPr>
+          </a:p>
+          <a:p>
+            <a:pPr marL="628650" lvl="1" indent="-171450">
+              <a:buFont typeface="Arial" panose="020B0604020202020204" pitchFamily="34" charset="0"/>
+              <a:buChar char="•"/>
+            </a:pPr>
+            <a:r>
+              <a:rPr lang="es-ES" sz="1200" dirty="0">
+                <a:solidFill>
+                  <a:schemeClr val="accent3">
+                    <a:lumMod val="60000"/>
+                    <a:lumOff val="40000"/>
+                  </a:schemeClr>
+                </a:solidFill>
+                <a:latin typeface="Titillium Web" panose="00000500000000000000" pitchFamily="2" charset="0"/>
+                <a:sym typeface="Wingdings" panose="05000000000000000000" pitchFamily="2" charset="2"/>
+              </a:rPr>
+              <a:t>Cambiarlo en las dos vistas realizadas anteriormente.  </a:t>
+            </a:r>
+            <a:r>
+              <a:rPr lang="es-ES" sz="1200" dirty="0" err="1">
+                <a:solidFill>
+                  <a:schemeClr val="accent3">
+                    <a:lumMod val="60000"/>
+                    <a:lumOff val="40000"/>
+                  </a:schemeClr>
+                </a:solidFill>
+                <a:latin typeface="Titillium Web" panose="00000500000000000000" pitchFamily="2" charset="0"/>
+                <a:sym typeface="Wingdings" panose="05000000000000000000" pitchFamily="2" charset="2"/>
+              </a:rPr>
+              <a:t>Login</a:t>
+            </a:r>
+            <a:r>
+              <a:rPr lang="es-ES" sz="1200" dirty="0">
+                <a:solidFill>
+                  <a:schemeClr val="accent3">
+                    <a:lumMod val="60000"/>
+                    <a:lumOff val="40000"/>
+                  </a:schemeClr>
+                </a:solidFill>
+                <a:latin typeface="Titillium Web" panose="00000500000000000000" pitchFamily="2" charset="0"/>
+                <a:sym typeface="Wingdings" panose="05000000000000000000" pitchFamily="2" charset="2"/>
+              </a:rPr>
+              <a:t> y menú.html</a:t>
+            </a:r>
+          </a:p>
+          <a:p>
+            <a:pPr marL="628650" lvl="1" indent="-171450">
+              <a:buFont typeface="Arial" panose="020B0604020202020204" pitchFamily="34" charset="0"/>
+              <a:buChar char="•"/>
+            </a:pPr>
+            <a:endParaRPr lang="es-ES" sz="1200" dirty="0">
+              <a:solidFill>
+                <a:schemeClr val="accent3">
+                  <a:lumMod val="60000"/>
+                  <a:lumOff val="40000"/>
+                </a:schemeClr>
+              </a:solidFill>
+              <a:latin typeface="Titillium Web" panose="00000500000000000000" pitchFamily="2" charset="0"/>
+              <a:sym typeface="Wingdings" panose="05000000000000000000" pitchFamily="2" charset="2"/>
+            </a:endParaRPr>
+          </a:p>
+          <a:p>
+            <a:pPr lvl="1"/>
+            <a:endParaRPr lang="es-ES" sz="1200" dirty="0">
+              <a:solidFill>
+                <a:schemeClr val="accent3">
+                  <a:lumMod val="60000"/>
+                  <a:lumOff val="40000"/>
+                </a:schemeClr>
+              </a:solidFill>
+              <a:latin typeface="Titillium Web" panose="00000500000000000000" pitchFamily="2" charset="0"/>
+              <a:sym typeface="Wingdings" panose="05000000000000000000" pitchFamily="2" charset="2"/>
+            </a:endParaRPr>
+          </a:p>
+          <a:p>
+            <a:pPr lvl="1"/>
+            <a:r>
+              <a:rPr lang="es-ES" sz="1200" dirty="0">
+                <a:solidFill>
+                  <a:schemeClr val="accent3">
+                    <a:lumMod val="60000"/>
+                    <a:lumOff val="40000"/>
+                  </a:schemeClr>
+                </a:solidFill>
+                <a:latin typeface="Titillium Web" panose="00000500000000000000" pitchFamily="2" charset="0"/>
+                <a:sym typeface="Wingdings" panose="05000000000000000000" pitchFamily="2" charset="2"/>
+              </a:rPr>
+              <a:t>Representar formatos especiales:</a:t>
+            </a:r>
+          </a:p>
+          <a:p>
+            <a:pPr lvl="1"/>
+            <a:endParaRPr lang="es-ES" sz="1200" dirty="0">
+              <a:solidFill>
+                <a:schemeClr val="accent3">
+                  <a:lumMod val="60000"/>
+                  <a:lumOff val="40000"/>
+                </a:schemeClr>
+              </a:solidFill>
+              <a:latin typeface="Titillium Web" panose="00000500000000000000" pitchFamily="2" charset="0"/>
+              <a:sym typeface="Wingdings" panose="05000000000000000000" pitchFamily="2" charset="2"/>
+            </a:endParaRPr>
+          </a:p>
+          <a:p>
+            <a:pPr lvl="1"/>
+            <a:r>
+              <a:rPr lang="es-ES" sz="1200" dirty="0">
+                <a:solidFill>
+                  <a:schemeClr val="accent3">
+                    <a:lumMod val="60000"/>
+                    <a:lumOff val="40000"/>
+                  </a:schemeClr>
+                </a:solidFill>
+                <a:latin typeface="Titillium Web" panose="00000500000000000000" pitchFamily="2" charset="0"/>
+                <a:sym typeface="Wingdings" panose="05000000000000000000" pitchFamily="2" charset="2"/>
+              </a:rPr>
+              <a:t>Formato Fecha:</a:t>
+            </a:r>
+          </a:p>
+          <a:p>
+            <a:pPr lvl="1"/>
+            <a:endParaRPr lang="es-ES" sz="1200" dirty="0">
+              <a:solidFill>
+                <a:schemeClr val="accent3">
+                  <a:lumMod val="60000"/>
+                  <a:lumOff val="40000"/>
+                </a:schemeClr>
+              </a:solidFill>
+              <a:latin typeface="Titillium Web" panose="00000500000000000000" pitchFamily="2" charset="0"/>
+              <a:sym typeface="Wingdings" panose="05000000000000000000" pitchFamily="2" charset="2"/>
+            </a:endParaRPr>
+          </a:p>
+          <a:p>
+            <a:pPr lvl="1"/>
+            <a:r>
+              <a:rPr lang="es-ES" sz="1200" dirty="0">
+                <a:solidFill>
+                  <a:schemeClr val="accent3">
+                    <a:lumMod val="60000"/>
+                    <a:lumOff val="40000"/>
+                  </a:schemeClr>
+                </a:solidFill>
+                <a:latin typeface="Titillium Web" panose="00000500000000000000" pitchFamily="2" charset="0"/>
+                <a:sym typeface="Wingdings" panose="05000000000000000000" pitchFamily="2" charset="2"/>
+              </a:rPr>
+              <a:t>Date </a:t>
+            </a:r>
+            <a:r>
+              <a:rPr lang="es-ES" sz="1200" dirty="0" err="1">
+                <a:solidFill>
+                  <a:schemeClr val="accent3">
+                    <a:lumMod val="60000"/>
+                    <a:lumOff val="40000"/>
+                  </a:schemeClr>
+                </a:solidFill>
+                <a:latin typeface="Titillium Web" panose="00000500000000000000" pitchFamily="2" charset="0"/>
+                <a:sym typeface="Wingdings" panose="05000000000000000000" pitchFamily="2" charset="2"/>
+              </a:rPr>
+              <a:t>Format</a:t>
+            </a:r>
+            <a:r>
+              <a:rPr lang="es-ES" sz="1200" dirty="0">
+                <a:solidFill>
+                  <a:schemeClr val="accent3">
+                    <a:lumMod val="60000"/>
+                    <a:lumOff val="40000"/>
+                  </a:schemeClr>
+                </a:solidFill>
+                <a:latin typeface="Titillium Web" panose="00000500000000000000" pitchFamily="2" charset="0"/>
+                <a:sym typeface="Wingdings" panose="05000000000000000000" pitchFamily="2" charset="2"/>
+              </a:rPr>
+              <a:t>:</a:t>
+            </a:r>
+          </a:p>
+          <a:p>
+            <a:pPr lvl="1"/>
+            <a:endParaRPr lang="es-ES" sz="1200" dirty="0">
+              <a:solidFill>
+                <a:schemeClr val="accent3">
+                  <a:lumMod val="60000"/>
+                  <a:lumOff val="40000"/>
+                </a:schemeClr>
+              </a:solidFill>
+              <a:latin typeface="Titillium Web" panose="00000500000000000000" pitchFamily="2" charset="0"/>
+              <a:sym typeface="Wingdings" panose="05000000000000000000" pitchFamily="2" charset="2"/>
+            </a:endParaRPr>
+          </a:p>
+          <a:p>
+            <a:pPr lvl="1"/>
+            <a:r>
+              <a:rPr lang="es-ES" sz="1200" dirty="0">
+                <a:solidFill>
+                  <a:schemeClr val="accent3">
+                    <a:lumMod val="60000"/>
+                    <a:lumOff val="40000"/>
+                  </a:schemeClr>
+                </a:solidFill>
+                <a:latin typeface="Titillium Web" panose="00000500000000000000" pitchFamily="2" charset="0"/>
+                <a:sym typeface="Wingdings" panose="05000000000000000000" pitchFamily="2" charset="2"/>
+              </a:rPr>
+              <a:t>Si revisamos la documentación de </a:t>
+            </a:r>
+            <a:r>
+              <a:rPr lang="es-ES" sz="1200" dirty="0" err="1">
+                <a:solidFill>
+                  <a:schemeClr val="accent3">
+                    <a:lumMod val="60000"/>
+                    <a:lumOff val="40000"/>
+                  </a:schemeClr>
+                </a:solidFill>
+                <a:latin typeface="Titillium Web" panose="00000500000000000000" pitchFamily="2" charset="0"/>
+                <a:sym typeface="Wingdings" panose="05000000000000000000" pitchFamily="2" charset="2"/>
+              </a:rPr>
+              <a:t>thymeleaf</a:t>
+            </a:r>
+            <a:r>
+              <a:rPr lang="es-ES" sz="1200" dirty="0">
+                <a:solidFill>
+                  <a:schemeClr val="accent3">
+                    <a:lumMod val="60000"/>
+                    <a:lumOff val="40000"/>
+                  </a:schemeClr>
+                </a:solidFill>
+                <a:latin typeface="Titillium Web" panose="00000500000000000000" pitchFamily="2" charset="0"/>
+                <a:sym typeface="Wingdings" panose="05000000000000000000" pitchFamily="2" charset="2"/>
+              </a:rPr>
+              <a:t> Aquí os dejo el enlace del formato de fechas:</a:t>
+            </a:r>
+          </a:p>
+          <a:p>
+            <a:pPr lvl="1"/>
+            <a:r>
+              <a:rPr lang="es-ES" sz="1200" dirty="0">
+                <a:solidFill>
+                  <a:schemeClr val="accent3">
+                    <a:lumMod val="60000"/>
+                    <a:lumOff val="40000"/>
+                  </a:schemeClr>
+                </a:solidFill>
+                <a:latin typeface="Titillium Web" panose="00000500000000000000" pitchFamily="2" charset="0"/>
+                <a:sym typeface="Wingdings" panose="05000000000000000000" pitchFamily="2" charset="2"/>
+              </a:rPr>
+              <a:t>	</a:t>
+            </a:r>
+          </a:p>
+          <a:p>
+            <a:pPr lvl="1"/>
+            <a:r>
+              <a:rPr lang="es-ES" sz="1200" dirty="0">
+                <a:solidFill>
+                  <a:schemeClr val="accent3">
+                    <a:lumMod val="60000"/>
+                    <a:lumOff val="40000"/>
+                  </a:schemeClr>
+                </a:solidFill>
+                <a:latin typeface="Titillium Web" panose="00000500000000000000" pitchFamily="2" charset="0"/>
+                <a:sym typeface="Wingdings" panose="05000000000000000000" pitchFamily="2" charset="2"/>
+                <a:hlinkClick r:id="rId5"/>
+              </a:rPr>
+              <a:t>https://www.thymeleaf.org/doc/tutorials/3.1/usingthymeleaf.html#dates</a:t>
+            </a:r>
+            <a:endParaRPr lang="es-ES" sz="1200" dirty="0">
+              <a:solidFill>
+                <a:schemeClr val="accent3">
+                  <a:lumMod val="60000"/>
+                  <a:lumOff val="40000"/>
+                </a:schemeClr>
+              </a:solidFill>
+              <a:latin typeface="Titillium Web" panose="00000500000000000000" pitchFamily="2" charset="0"/>
+              <a:sym typeface="Wingdings" panose="05000000000000000000" pitchFamily="2" charset="2"/>
+            </a:endParaRPr>
+          </a:p>
+          <a:p>
+            <a:pPr lvl="2"/>
+            <a:endParaRPr lang="es-ES" sz="1200" dirty="0">
+              <a:solidFill>
+                <a:schemeClr val="accent3">
+                  <a:lumMod val="60000"/>
+                  <a:lumOff val="40000"/>
+                </a:schemeClr>
+              </a:solidFill>
+              <a:latin typeface="Titillium Web" panose="00000500000000000000" pitchFamily="2" charset="0"/>
+              <a:sym typeface="Wingdings" panose="05000000000000000000" pitchFamily="2" charset="2"/>
+            </a:endParaRPr>
+          </a:p>
+          <a:p>
+            <a:pPr lvl="2"/>
+            <a:r>
+              <a:rPr lang="es-ES" sz="1200" dirty="0">
+                <a:solidFill>
+                  <a:schemeClr val="accent3">
+                    <a:lumMod val="60000"/>
+                    <a:lumOff val="40000"/>
+                  </a:schemeClr>
+                </a:solidFill>
+                <a:latin typeface="Titillium Web" panose="00000500000000000000" pitchFamily="2" charset="0"/>
+                <a:sym typeface="Wingdings" panose="05000000000000000000" pitchFamily="2" charset="2"/>
+              </a:rPr>
+              <a:t>En el caso de que quiera representar una fecha en la vista, podemos representar la fecha según nos venga de nuestro controlador o podemos darle formato a esa fecha para dejarlo en el formato que nosotros queramos mediante la sentencia. </a:t>
+            </a:r>
+          </a:p>
+          <a:p>
+            <a:pPr lvl="2"/>
+            <a:endParaRPr lang="es-ES" sz="1200" dirty="0">
+              <a:solidFill>
+                <a:schemeClr val="accent3">
+                  <a:lumMod val="60000"/>
+                  <a:lumOff val="40000"/>
+                </a:schemeClr>
+              </a:solidFill>
+              <a:latin typeface="Titillium Web" panose="00000500000000000000" pitchFamily="2" charset="0"/>
+              <a:sym typeface="Wingdings" panose="05000000000000000000" pitchFamily="2" charset="2"/>
+            </a:endParaRPr>
+          </a:p>
+          <a:p>
+            <a:pPr lvl="2"/>
+            <a:r>
+              <a:rPr lang="es-ES" sz="1200" dirty="0">
+                <a:latin typeface="Titillium Web" panose="00000500000000000000" pitchFamily="2" charset="0"/>
+                <a:sym typeface="Wingdings" panose="05000000000000000000" pitchFamily="2" charset="2"/>
+              </a:rPr>
+              <a:t>${#dates.format(date,’dd/MMM/yyyy HH:MM’)}</a:t>
+            </a:r>
+            <a:r>
+              <a:rPr lang="nb-NO" sz="1200" dirty="0">
+                <a:latin typeface="Titillium Web" panose="00000500000000000000" pitchFamily="2" charset="0"/>
+                <a:sym typeface="Wingdings" panose="05000000000000000000" pitchFamily="2" charset="2"/>
+              </a:rPr>
+              <a:t> </a:t>
+            </a:r>
+            <a:endParaRPr lang="es-ES" sz="1200" dirty="0">
+              <a:latin typeface="Titillium Web" panose="00000500000000000000" pitchFamily="2" charset="0"/>
+              <a:sym typeface="Wingdings" panose="05000000000000000000" pitchFamily="2" charset="2"/>
+            </a:endParaRPr>
+          </a:p>
+          <a:p>
+            <a:pPr lvl="1"/>
+            <a:endParaRPr lang="es-ES" sz="1200" dirty="0">
+              <a:solidFill>
+                <a:schemeClr val="accent3">
+                  <a:lumMod val="60000"/>
+                  <a:lumOff val="40000"/>
+                </a:schemeClr>
+              </a:solidFill>
+              <a:latin typeface="Titillium Web" panose="00000500000000000000" pitchFamily="2" charset="0"/>
+              <a:sym typeface="Wingdings" panose="05000000000000000000" pitchFamily="2" charset="2"/>
+            </a:endParaRPr>
+          </a:p>
+          <a:p>
+            <a:pPr lvl="1"/>
+            <a:endParaRPr lang="nb-NO" sz="1200" dirty="0">
+              <a:solidFill>
+                <a:schemeClr val="accent3">
+                  <a:lumMod val="60000"/>
+                  <a:lumOff val="40000"/>
+                </a:schemeClr>
+              </a:solidFill>
+              <a:latin typeface="Titillium Web" panose="00000500000000000000" pitchFamily="2" charset="0"/>
+              <a:sym typeface="Wingdings" panose="05000000000000000000" pitchFamily="2" charset="2"/>
+            </a:endParaRPr>
+          </a:p>
+          <a:p>
+            <a:pPr lvl="1"/>
+            <a:endParaRPr lang="nb-NO" sz="1200" dirty="0">
+              <a:solidFill>
+                <a:schemeClr val="accent3">
+                  <a:lumMod val="60000"/>
+                  <a:lumOff val="40000"/>
+                </a:schemeClr>
+              </a:solidFill>
+              <a:latin typeface="Titillium Web" panose="00000500000000000000" pitchFamily="2" charset="0"/>
+              <a:sym typeface="Wingdings" panose="05000000000000000000" pitchFamily="2" charset="2"/>
+            </a:endParaRPr>
+          </a:p>
+          <a:p>
+            <a:pPr lvl="1"/>
+            <a:endParaRPr lang="nb-NO" sz="1200" dirty="0">
+              <a:solidFill>
+                <a:schemeClr val="accent3">
+                  <a:lumMod val="60000"/>
+                  <a:lumOff val="40000"/>
+                </a:schemeClr>
+              </a:solidFill>
+              <a:latin typeface="Titillium Web" panose="00000500000000000000" pitchFamily="2" charset="0"/>
+              <a:sym typeface="Wingdings" panose="05000000000000000000" pitchFamily="2" charset="2"/>
+            </a:endParaRPr>
+          </a:p>
+          <a:p>
+            <a:pPr lvl="1"/>
+            <a:r>
+              <a:rPr lang="nb-NO" sz="1200" dirty="0">
+                <a:solidFill>
+                  <a:schemeClr val="accent3">
+                    <a:lumMod val="60000"/>
+                    <a:lumOff val="40000"/>
+                  </a:schemeClr>
+                </a:solidFill>
+                <a:latin typeface="Titillium Web" panose="00000500000000000000" pitchFamily="2" charset="0"/>
+                <a:sym typeface="Wingdings" panose="05000000000000000000" pitchFamily="2" charset="2"/>
+              </a:rPr>
+              <a:t>	</a:t>
+            </a:r>
+          </a:p>
+          <a:p>
+            <a:pPr lvl="1"/>
+            <a:endParaRPr lang="nb-NO" sz="1200" dirty="0">
+              <a:solidFill>
+                <a:schemeClr val="accent3">
+                  <a:lumMod val="60000"/>
+                  <a:lumOff val="40000"/>
+                </a:schemeClr>
+              </a:solidFill>
+              <a:latin typeface="Titillium Web" panose="00000500000000000000" pitchFamily="2" charset="0"/>
+              <a:sym typeface="Wingdings" panose="05000000000000000000" pitchFamily="2" charset="2"/>
+            </a:endParaRPr>
+          </a:p>
+          <a:p>
+            <a:pPr lvl="1"/>
+            <a:r>
+              <a:rPr lang="nb-NO" sz="1200" dirty="0">
+                <a:solidFill>
+                  <a:schemeClr val="accent3">
+                    <a:lumMod val="60000"/>
+                    <a:lumOff val="40000"/>
+                  </a:schemeClr>
+                </a:solidFill>
+                <a:latin typeface="Titillium Web" panose="00000500000000000000" pitchFamily="2" charset="0"/>
+                <a:sym typeface="Wingdings" panose="05000000000000000000" pitchFamily="2" charset="2"/>
+              </a:rPr>
+              <a:t>	</a:t>
+            </a:r>
+          </a:p>
+          <a:p>
+            <a:pPr lvl="1"/>
+            <a:r>
+              <a:rPr lang="nb-NO" sz="1200" dirty="0">
+                <a:solidFill>
+                  <a:schemeClr val="accent3">
+                    <a:lumMod val="60000"/>
+                    <a:lumOff val="40000"/>
+                  </a:schemeClr>
+                </a:solidFill>
+                <a:latin typeface="Titillium Web" panose="00000500000000000000" pitchFamily="2" charset="0"/>
+                <a:sym typeface="Wingdings" panose="05000000000000000000" pitchFamily="2" charset="2"/>
+              </a:rPr>
+              <a:t>	</a:t>
+            </a:r>
+            <a:endParaRPr lang="es-ES" sz="1200" dirty="0">
+              <a:solidFill>
+                <a:schemeClr val="accent3">
+                  <a:lumMod val="60000"/>
+                  <a:lumOff val="40000"/>
+                </a:schemeClr>
+              </a:solidFill>
+              <a:latin typeface="Titillium Web" panose="00000500000000000000" pitchFamily="2" charset="0"/>
+              <a:sym typeface="Wingdings" panose="05000000000000000000" pitchFamily="2" charset="2"/>
+            </a:endParaRPr>
+          </a:p>
+          <a:p>
+            <a:pPr lvl="1"/>
+            <a:endParaRPr lang="es-ES" sz="1200" dirty="0">
+              <a:solidFill>
+                <a:schemeClr val="accent3">
+                  <a:lumMod val="60000"/>
+                  <a:lumOff val="40000"/>
+                </a:schemeClr>
+              </a:solidFill>
+              <a:latin typeface="Titillium Web" panose="00000500000000000000" pitchFamily="2" charset="0"/>
+              <a:sym typeface="Wingdings" panose="05000000000000000000" pitchFamily="2" charset="2"/>
+            </a:endParaRPr>
+          </a:p>
+          <a:p>
+            <a:pPr lvl="1"/>
+            <a:endParaRPr lang="es-ES" sz="1200" dirty="0">
+              <a:solidFill>
+                <a:schemeClr val="accent3">
+                  <a:lumMod val="60000"/>
+                  <a:lumOff val="40000"/>
+                </a:schemeClr>
+              </a:solidFill>
+              <a:latin typeface="Titillium Web" panose="00000500000000000000" pitchFamily="2" charset="0"/>
+              <a:sym typeface="Wingdings" panose="05000000000000000000" pitchFamily="2" charset="2"/>
+            </a:endParaRPr>
+          </a:p>
+          <a:p>
+            <a:pPr lvl="1"/>
+            <a:endParaRPr lang="es-ES" sz="1200" dirty="0">
+              <a:solidFill>
+                <a:schemeClr val="accent4">
+                  <a:lumMod val="60000"/>
+                  <a:lumOff val="40000"/>
+                </a:schemeClr>
+              </a:solidFill>
+              <a:latin typeface="Titillium Web" panose="00000500000000000000" pitchFamily="2" charset="0"/>
+            </a:endParaRPr>
+          </a:p>
+          <a:p>
+            <a:pPr lvl="1"/>
+            <a:endParaRPr lang="es-ES" sz="1200" b="0" i="0" dirty="0">
+              <a:solidFill>
+                <a:schemeClr val="accent4">
+                  <a:lumMod val="60000"/>
+                  <a:lumOff val="40000"/>
+                </a:schemeClr>
+              </a:solidFill>
+              <a:effectLst/>
+              <a:latin typeface="Titillium Web" panose="00000500000000000000" pitchFamily="2" charset="0"/>
+            </a:endParaRPr>
+          </a:p>
+          <a:p>
+            <a:pPr lvl="1"/>
+            <a:endParaRPr lang="es-ES" sz="1200" b="0" i="0" dirty="0">
+              <a:solidFill>
+                <a:schemeClr val="accent4">
+                  <a:lumMod val="60000"/>
+                  <a:lumOff val="40000"/>
+                </a:schemeClr>
+              </a:solidFill>
+              <a:effectLst/>
+              <a:latin typeface="Titillium Web" panose="00000500000000000000" pitchFamily="2" charset="0"/>
+            </a:endParaRPr>
+          </a:p>
+        </p:txBody>
+      </p:sp>
+      <p:sp>
+        <p:nvSpPr>
+          <p:cNvPr id="9" name="CuadroTexto 8">
+            <a:extLst>
+              <a:ext uri="{FF2B5EF4-FFF2-40B4-BE49-F238E27FC236}">
+                <a16:creationId xmlns:a16="http://schemas.microsoft.com/office/drawing/2014/main" id="{D644B738-0737-54FD-D865-CE1CBC1311FE}"/>
+              </a:ext>
+            </a:extLst>
+          </p:cNvPr>
+          <p:cNvSpPr txBox="1"/>
+          <p:nvPr/>
+        </p:nvSpPr>
+        <p:spPr>
+          <a:xfrm>
+            <a:off x="8205186" y="254604"/>
+            <a:ext cx="6094520" cy="369332"/>
+          </a:xfrm>
+          <a:prstGeom prst="rect">
+            <a:avLst/>
+          </a:prstGeom>
+          <a:noFill/>
+        </p:spPr>
+        <p:txBody>
+          <a:bodyPr wrap="square">
+            <a:spAutoFit/>
+          </a:bodyPr>
+          <a:lstStyle/>
+          <a:p>
+            <a:pPr lvl="1"/>
+            <a:r>
+              <a:rPr lang="es-ES" sz="1800" dirty="0">
+                <a:latin typeface="Titillium Web" panose="00000500000000000000" pitchFamily="2" charset="0"/>
+                <a:sym typeface="Wingdings" panose="05000000000000000000" pitchFamily="2" charset="2"/>
+              </a:rPr>
+              <a:t>Aplicación 3: </a:t>
+            </a:r>
+            <a:r>
+              <a:rPr lang="es-ES" sz="1800" dirty="0" err="1">
+                <a:latin typeface="Titillium Web" panose="00000500000000000000" pitchFamily="2" charset="0"/>
+                <a:sym typeface="Wingdings" panose="05000000000000000000" pitchFamily="2" charset="2"/>
+              </a:rPr>
+              <a:t>DemoMVCII</a:t>
+            </a:r>
+            <a:endParaRPr lang="es-ES" sz="1800" dirty="0">
+              <a:latin typeface="Titillium Web" panose="00000500000000000000" pitchFamily="2" charset="0"/>
+              <a:sym typeface="Wingdings" panose="05000000000000000000" pitchFamily="2" charset="2"/>
+            </a:endParaRPr>
+          </a:p>
+        </p:txBody>
+      </p:sp>
+      <p:pic>
+        <p:nvPicPr>
+          <p:cNvPr id="7" name="Imagen 6">
+            <a:extLst>
+              <a:ext uri="{FF2B5EF4-FFF2-40B4-BE49-F238E27FC236}">
+                <a16:creationId xmlns:a16="http://schemas.microsoft.com/office/drawing/2014/main" id="{F5940250-D56F-57A2-7C23-B00C9182C5EC}"/>
+              </a:ext>
+            </a:extLst>
+          </p:cNvPr>
+          <p:cNvPicPr>
+            <a:picLocks noChangeAspect="1"/>
+          </p:cNvPicPr>
+          <p:nvPr/>
+        </p:nvPicPr>
+        <p:blipFill>
+          <a:blip r:embed="rId6"/>
+          <a:stretch>
+            <a:fillRect/>
+          </a:stretch>
+        </p:blipFill>
+        <p:spPr>
+          <a:xfrm>
+            <a:off x="5512022" y="2369893"/>
+            <a:ext cx="5984340" cy="1069875"/>
+          </a:xfrm>
+          <a:prstGeom prst="rect">
+            <a:avLst/>
+          </a:prstGeom>
+        </p:spPr>
+      </p:pic>
+    </p:spTree>
+    <p:extLst>
+      <p:ext uri="{BB962C8B-B14F-4D97-AF65-F5344CB8AC3E}">
+        <p14:creationId xmlns:p14="http://schemas.microsoft.com/office/powerpoint/2010/main" val="4022879344"/>
+      </p:ext>
+    </p:extLst>
+  </p:cSld>
+  <p:clrMapOvr>
+    <a:masterClrMapping/>
+  </p:clrMapOvr>
+</p:sld>
+</file>
+
+<file path=ppt/slides/slide19.xml><?xml version="1.0" encoding="utf-8"?>
+<p:sld xmlns:a="http://schemas.openxmlformats.org/drawingml/2006/main" xmlns:r="http://schemas.openxmlformats.org/officeDocument/2006/relationships" xmlns:p="http://schemas.openxmlformats.org/presentationml/2006/main">
+  <p:cSld>
+    <p:spTree>
+      <p:nvGrpSpPr>
+        <p:cNvPr id="1" name=""/>
+        <p:cNvGrpSpPr/>
+        <p:nvPr/>
+      </p:nvGrpSpPr>
+      <p:grpSpPr>
+        <a:xfrm>
+          <a:off x="0" y="0"/>
+          <a:ext cx="0" cy="0"/>
+          <a:chOff x="0" y="0"/>
+          <a:chExt cx="0" cy="0"/>
+        </a:xfrm>
+      </p:grpSpPr>
+      <p:pic>
+        <p:nvPicPr>
+          <p:cNvPr id="1032" name="Picture 8" descr="Nuestro Equipo">
+            <a:extLst>
+              <a:ext uri="{FF2B5EF4-FFF2-40B4-BE49-F238E27FC236}">
+                <a16:creationId xmlns:a16="http://schemas.microsoft.com/office/drawing/2014/main" id="{9948F5C4-A11B-BB63-E587-6CEB747BDDEB}"/>
+              </a:ext>
+            </a:extLst>
+          </p:cNvPr>
+          <p:cNvPicPr>
+            <a:picLocks noChangeAspect="1" noChangeArrowheads="1"/>
+          </p:cNvPicPr>
+          <p:nvPr/>
+        </p:nvPicPr>
+        <p:blipFill>
+          <a:blip r:embed="rId3">
+            <a:extLst>
+              <a:ext uri="{28A0092B-C50C-407E-A947-70E740481C1C}">
+                <a14:useLocalDpi xmlns:a14="http://schemas.microsoft.com/office/drawing/2010/main" val="0"/>
+              </a:ext>
+            </a:extLst>
+          </a:blip>
+          <a:srcRect/>
+          <a:stretch>
+            <a:fillRect/>
+          </a:stretch>
+        </p:blipFill>
+        <p:spPr bwMode="auto">
+          <a:xfrm>
+            <a:off x="11003858" y="6068461"/>
+            <a:ext cx="675692" cy="675692"/>
+          </a:xfrm>
+          <a:prstGeom prst="rect">
+            <a:avLst/>
+          </a:prstGeom>
+          <a:noFill/>
+          <a:extLst>
+            <a:ext uri="{909E8E84-426E-40DD-AFC4-6F175D3DCCD1}">
+              <a14:hiddenFill xmlns:a14="http://schemas.microsoft.com/office/drawing/2010/main">
+                <a:solidFill>
+                  <a:srgbClr val="FFFFFF"/>
+                </a:solidFill>
+              </a14:hiddenFill>
+            </a:ext>
+          </a:extLst>
+        </p:spPr>
+      </p:pic>
+      <p:sp>
+        <p:nvSpPr>
+          <p:cNvPr id="3" name="CuadroTexto 2">
+            <a:extLst>
+              <a:ext uri="{FF2B5EF4-FFF2-40B4-BE49-F238E27FC236}">
+                <a16:creationId xmlns:a16="http://schemas.microsoft.com/office/drawing/2014/main" id="{D1FA320B-398B-F9F1-38EA-BAF5DD083F19}"/>
+              </a:ext>
+            </a:extLst>
+          </p:cNvPr>
+          <p:cNvSpPr txBox="1"/>
+          <p:nvPr/>
+        </p:nvSpPr>
+        <p:spPr>
+          <a:xfrm>
+            <a:off x="1253654" y="873506"/>
+            <a:ext cx="9079954" cy="2031325"/>
+          </a:xfrm>
+          <a:prstGeom prst="rect">
+            <a:avLst/>
+          </a:prstGeom>
+          <a:noFill/>
+        </p:spPr>
+        <p:txBody>
+          <a:bodyPr wrap="square" rtlCol="0">
+            <a:spAutoFit/>
+          </a:bodyPr>
+          <a:lstStyle/>
+          <a:p>
+            <a:r>
+              <a:rPr lang="es-ES" dirty="0"/>
+              <a:t>SPRING FRAMEWORK</a:t>
+            </a:r>
+          </a:p>
+          <a:p>
+            <a:pPr lvl="1"/>
+            <a:endParaRPr lang="es-ES" sz="1200" dirty="0">
+              <a:solidFill>
+                <a:srgbClr val="FF0000"/>
+              </a:solidFill>
+              <a:latin typeface="Titillium Web" panose="00000500000000000000" pitchFamily="2" charset="0"/>
+            </a:endParaRPr>
+          </a:p>
+          <a:p>
+            <a:pPr lvl="1"/>
+            <a:endParaRPr lang="es-ES" sz="1200" dirty="0">
+              <a:solidFill>
+                <a:schemeClr val="accent4">
+                  <a:lumMod val="60000"/>
+                  <a:lumOff val="40000"/>
+                </a:schemeClr>
+              </a:solidFill>
+              <a:latin typeface="Titillium Web" panose="00000500000000000000" pitchFamily="2" charset="0"/>
+            </a:endParaRPr>
+          </a:p>
+          <a:p>
+            <a:pPr lvl="1"/>
+            <a:r>
+              <a:rPr lang="es-ES" sz="1200" dirty="0">
+                <a:solidFill>
+                  <a:schemeClr val="accent4">
+                    <a:lumMod val="60000"/>
+                    <a:lumOff val="40000"/>
+                  </a:schemeClr>
+                </a:solidFill>
+                <a:latin typeface="Titillium Web" panose="00000500000000000000" pitchFamily="2" charset="0"/>
+              </a:rPr>
+              <a:t>CONSTRUYENDO CON THYMELEAF y PLANTILLAS CSS</a:t>
+            </a:r>
+          </a:p>
+          <a:p>
+            <a:pPr lvl="1"/>
+            <a:endParaRPr lang="es-ES" sz="1200" dirty="0">
+              <a:solidFill>
+                <a:schemeClr val="accent4">
+                  <a:lumMod val="60000"/>
+                  <a:lumOff val="40000"/>
+                </a:schemeClr>
+              </a:solidFill>
+              <a:latin typeface="Titillium Web" panose="00000500000000000000" pitchFamily="2" charset="0"/>
+            </a:endParaRPr>
+          </a:p>
+          <a:p>
+            <a:pPr lvl="1"/>
+            <a:endParaRPr lang="es-ES" sz="1200" dirty="0">
+              <a:solidFill>
+                <a:schemeClr val="accent4">
+                  <a:lumMod val="60000"/>
+                  <a:lumOff val="40000"/>
+                </a:schemeClr>
+              </a:solidFill>
+            </a:endParaRPr>
+          </a:p>
+          <a:p>
+            <a:pPr lvl="1"/>
+            <a:br>
+              <a:rPr lang="es-ES" sz="1200" dirty="0">
+                <a:solidFill>
+                  <a:schemeClr val="accent4">
+                    <a:lumMod val="60000"/>
+                    <a:lumOff val="40000"/>
+                  </a:schemeClr>
+                </a:solidFill>
+              </a:rPr>
+            </a:br>
+            <a:endParaRPr lang="es-ES" sz="1200" dirty="0">
+              <a:solidFill>
+                <a:schemeClr val="accent4">
+                  <a:lumMod val="60000"/>
+                  <a:lumOff val="40000"/>
+                </a:schemeClr>
+              </a:solidFill>
+            </a:endParaRPr>
+          </a:p>
+          <a:p>
+            <a:pPr lvl="1"/>
+            <a:endParaRPr lang="es-ES" sz="1200" dirty="0">
+              <a:solidFill>
+                <a:schemeClr val="accent1">
+                  <a:lumMod val="40000"/>
+                  <a:lumOff val="60000"/>
+                </a:schemeClr>
+              </a:solidFill>
+              <a:latin typeface="Titillium Web" panose="00000500000000000000" pitchFamily="2" charset="0"/>
+            </a:endParaRPr>
+          </a:p>
+          <a:p>
+            <a:pPr lvl="1"/>
+            <a:endParaRPr lang="es-ES" sz="1200" b="0" i="0" dirty="0">
+              <a:solidFill>
+                <a:schemeClr val="accent4">
+                  <a:lumMod val="60000"/>
+                  <a:lumOff val="40000"/>
+                </a:schemeClr>
+              </a:solidFill>
+              <a:effectLst/>
+              <a:latin typeface="Titillium Web" panose="00000500000000000000" pitchFamily="2" charset="0"/>
+            </a:endParaRPr>
+          </a:p>
+        </p:txBody>
+      </p:sp>
+      <p:pic>
+        <p:nvPicPr>
+          <p:cNvPr id="5" name="Picture 2" descr="Spring | Home">
+            <a:extLst>
+              <a:ext uri="{FF2B5EF4-FFF2-40B4-BE49-F238E27FC236}">
+                <a16:creationId xmlns:a16="http://schemas.microsoft.com/office/drawing/2014/main" id="{6CBE6F06-F98A-B85B-B6AA-917CBDD1C2C3}"/>
+              </a:ext>
+            </a:extLst>
+          </p:cNvPr>
+          <p:cNvPicPr>
+            <a:picLocks noChangeAspect="1" noChangeArrowheads="1"/>
+          </p:cNvPicPr>
+          <p:nvPr/>
+        </p:nvPicPr>
+        <p:blipFill>
+          <a:blip r:embed="rId4">
+            <a:extLst>
+              <a:ext uri="{28A0092B-C50C-407E-A947-70E740481C1C}">
+                <a14:useLocalDpi xmlns:a14="http://schemas.microsoft.com/office/drawing/2010/main" val="0"/>
+              </a:ext>
+            </a:extLst>
+          </a:blip>
+          <a:srcRect/>
+          <a:stretch>
+            <a:fillRect/>
+          </a:stretch>
+        </p:blipFill>
+        <p:spPr bwMode="auto">
+          <a:xfrm>
+            <a:off x="10666011" y="5262959"/>
+            <a:ext cx="1351386" cy="675693"/>
+          </a:xfrm>
+          <a:prstGeom prst="rect">
+            <a:avLst/>
+          </a:prstGeom>
+          <a:noFill/>
+          <a:extLst>
+            <a:ext uri="{909E8E84-426E-40DD-AFC4-6F175D3DCCD1}">
+              <a14:hiddenFill xmlns:a14="http://schemas.microsoft.com/office/drawing/2010/main">
+                <a:solidFill>
+                  <a:srgbClr val="FFFFFF"/>
+                </a:solidFill>
+              </a14:hiddenFill>
+            </a:ext>
+          </a:extLst>
+        </p:spPr>
+      </p:pic>
+      <p:sp>
+        <p:nvSpPr>
+          <p:cNvPr id="2" name="CuadroTexto 1">
+            <a:extLst>
+              <a:ext uri="{FF2B5EF4-FFF2-40B4-BE49-F238E27FC236}">
+                <a16:creationId xmlns:a16="http://schemas.microsoft.com/office/drawing/2014/main" id="{477BDFD5-86BF-359C-0E77-061F61200E12}"/>
+              </a:ext>
+            </a:extLst>
+          </p:cNvPr>
+          <p:cNvSpPr txBox="1"/>
+          <p:nvPr/>
+        </p:nvSpPr>
+        <p:spPr>
+          <a:xfrm>
+            <a:off x="492224" y="1783668"/>
+            <a:ext cx="9079954" cy="3970318"/>
+          </a:xfrm>
+          <a:prstGeom prst="rect">
+            <a:avLst/>
+          </a:prstGeom>
+          <a:noFill/>
+        </p:spPr>
+        <p:txBody>
+          <a:bodyPr wrap="square" rtlCol="0">
+            <a:spAutoFit/>
+          </a:bodyPr>
+          <a:lstStyle/>
+          <a:p>
+            <a:pPr marL="628650" lvl="1" indent="-171450">
+              <a:buFont typeface="Arial" panose="020B0604020202020204" pitchFamily="34" charset="0"/>
+              <a:buChar char="•"/>
+            </a:pPr>
+            <a:endParaRPr lang="es-ES" sz="1200" dirty="0">
+              <a:latin typeface="Titillium Web" panose="00000500000000000000" pitchFamily="2" charset="0"/>
+              <a:sym typeface="Wingdings" panose="05000000000000000000" pitchFamily="2" charset="2"/>
+            </a:endParaRPr>
+          </a:p>
+          <a:p>
+            <a:pPr lvl="1"/>
+            <a:endParaRPr lang="es-ES" sz="1200" dirty="0">
+              <a:solidFill>
+                <a:schemeClr val="accent3">
+                  <a:lumMod val="60000"/>
+                  <a:lumOff val="40000"/>
+                </a:schemeClr>
+              </a:solidFill>
+              <a:latin typeface="Titillium Web" panose="00000500000000000000" pitchFamily="2" charset="0"/>
+              <a:sym typeface="Wingdings" panose="05000000000000000000" pitchFamily="2" charset="2"/>
+            </a:endParaRPr>
+          </a:p>
+          <a:p>
+            <a:pPr lvl="1"/>
+            <a:r>
+              <a:rPr lang="es-ES" sz="1200" dirty="0">
+                <a:latin typeface="Titillium Web" panose="00000500000000000000" pitchFamily="2" charset="0"/>
+                <a:sym typeface="Wingdings" panose="05000000000000000000" pitchFamily="2" charset="2"/>
+              </a:rPr>
+              <a:t>Representar formatos especiales</a:t>
+            </a:r>
+          </a:p>
+          <a:p>
+            <a:pPr lvl="1"/>
+            <a:endParaRPr lang="es-ES" sz="1200" dirty="0">
+              <a:solidFill>
+                <a:schemeClr val="accent3">
+                  <a:lumMod val="60000"/>
+                  <a:lumOff val="40000"/>
+                </a:schemeClr>
+              </a:solidFill>
+              <a:latin typeface="Titillium Web" panose="00000500000000000000" pitchFamily="2" charset="0"/>
+              <a:sym typeface="Wingdings" panose="05000000000000000000" pitchFamily="2" charset="2"/>
+            </a:endParaRPr>
+          </a:p>
+          <a:p>
+            <a:pPr lvl="1"/>
+            <a:r>
+              <a:rPr lang="es-ES" sz="1200" dirty="0">
+                <a:solidFill>
+                  <a:schemeClr val="accent3">
+                    <a:lumMod val="60000"/>
+                    <a:lumOff val="40000"/>
+                  </a:schemeClr>
+                </a:solidFill>
+                <a:latin typeface="Titillium Web" panose="00000500000000000000" pitchFamily="2" charset="0"/>
+                <a:sym typeface="Wingdings" panose="05000000000000000000" pitchFamily="2" charset="2"/>
+              </a:rPr>
+              <a:t>Fechas</a:t>
+            </a:r>
+          </a:p>
+          <a:p>
+            <a:pPr lvl="1"/>
+            <a:endParaRPr lang="es-ES" sz="1200" dirty="0">
+              <a:solidFill>
+                <a:schemeClr val="accent3">
+                  <a:lumMod val="60000"/>
+                  <a:lumOff val="40000"/>
+                </a:schemeClr>
+              </a:solidFill>
+              <a:latin typeface="Titillium Web" panose="00000500000000000000" pitchFamily="2" charset="0"/>
+              <a:sym typeface="Wingdings" panose="05000000000000000000" pitchFamily="2" charset="2"/>
+            </a:endParaRPr>
+          </a:p>
+          <a:p>
+            <a:pPr lvl="1"/>
+            <a:endParaRPr lang="es-ES" sz="1200" dirty="0">
+              <a:solidFill>
+                <a:schemeClr val="accent3">
+                  <a:lumMod val="60000"/>
+                  <a:lumOff val="40000"/>
+                </a:schemeClr>
+              </a:solidFill>
+              <a:latin typeface="Titillium Web" panose="00000500000000000000" pitchFamily="2" charset="0"/>
+              <a:sym typeface="Wingdings" panose="05000000000000000000" pitchFamily="2" charset="2"/>
+            </a:endParaRPr>
+          </a:p>
+          <a:p>
+            <a:pPr lvl="1"/>
+            <a:endParaRPr lang="es-ES" sz="1200" dirty="0">
+              <a:solidFill>
+                <a:schemeClr val="accent3">
+                  <a:lumMod val="60000"/>
+                  <a:lumOff val="40000"/>
+                </a:schemeClr>
+              </a:solidFill>
+              <a:latin typeface="Titillium Web" panose="00000500000000000000" pitchFamily="2" charset="0"/>
+              <a:sym typeface="Wingdings" panose="05000000000000000000" pitchFamily="2" charset="2"/>
+            </a:endParaRPr>
+          </a:p>
+          <a:p>
+            <a:pPr lvl="1"/>
+            <a:endParaRPr lang="es-ES" sz="1200" dirty="0">
+              <a:solidFill>
+                <a:schemeClr val="accent3">
+                  <a:lumMod val="60000"/>
+                  <a:lumOff val="40000"/>
+                </a:schemeClr>
+              </a:solidFill>
+              <a:latin typeface="Titillium Web" panose="00000500000000000000" pitchFamily="2" charset="0"/>
+              <a:sym typeface="Wingdings" panose="05000000000000000000" pitchFamily="2" charset="2"/>
+            </a:endParaRPr>
+          </a:p>
+          <a:p>
+            <a:pPr lvl="1"/>
+            <a:endParaRPr lang="nb-NO" sz="1200" dirty="0">
+              <a:solidFill>
+                <a:schemeClr val="accent3">
+                  <a:lumMod val="60000"/>
+                  <a:lumOff val="40000"/>
+                </a:schemeClr>
+              </a:solidFill>
+              <a:latin typeface="Titillium Web" panose="00000500000000000000" pitchFamily="2" charset="0"/>
+              <a:sym typeface="Wingdings" panose="05000000000000000000" pitchFamily="2" charset="2"/>
+            </a:endParaRPr>
+          </a:p>
+          <a:p>
+            <a:pPr lvl="1"/>
+            <a:endParaRPr lang="nb-NO" sz="1200" dirty="0">
+              <a:solidFill>
+                <a:schemeClr val="accent3">
+                  <a:lumMod val="60000"/>
+                  <a:lumOff val="40000"/>
+                </a:schemeClr>
+              </a:solidFill>
+              <a:latin typeface="Titillium Web" panose="00000500000000000000" pitchFamily="2" charset="0"/>
+              <a:sym typeface="Wingdings" panose="05000000000000000000" pitchFamily="2" charset="2"/>
+            </a:endParaRPr>
+          </a:p>
+          <a:p>
+            <a:pPr lvl="1"/>
+            <a:endParaRPr lang="nb-NO" sz="1200" dirty="0">
+              <a:solidFill>
+                <a:schemeClr val="accent3">
+                  <a:lumMod val="60000"/>
+                  <a:lumOff val="40000"/>
+                </a:schemeClr>
+              </a:solidFill>
+              <a:latin typeface="Titillium Web" panose="00000500000000000000" pitchFamily="2" charset="0"/>
+              <a:sym typeface="Wingdings" panose="05000000000000000000" pitchFamily="2" charset="2"/>
+            </a:endParaRPr>
+          </a:p>
+          <a:p>
+            <a:pPr lvl="1"/>
+            <a:r>
+              <a:rPr lang="nb-NO" sz="1200" dirty="0">
+                <a:solidFill>
+                  <a:schemeClr val="accent3">
+                    <a:lumMod val="60000"/>
+                    <a:lumOff val="40000"/>
+                  </a:schemeClr>
+                </a:solidFill>
+                <a:latin typeface="Titillium Web" panose="00000500000000000000" pitchFamily="2" charset="0"/>
+                <a:sym typeface="Wingdings" panose="05000000000000000000" pitchFamily="2" charset="2"/>
+              </a:rPr>
+              <a:t>	</a:t>
+            </a:r>
+          </a:p>
+          <a:p>
+            <a:pPr lvl="1"/>
+            <a:endParaRPr lang="nb-NO" sz="1200" dirty="0">
+              <a:solidFill>
+                <a:schemeClr val="accent3">
+                  <a:lumMod val="60000"/>
+                  <a:lumOff val="40000"/>
+                </a:schemeClr>
+              </a:solidFill>
+              <a:latin typeface="Titillium Web" panose="00000500000000000000" pitchFamily="2" charset="0"/>
+              <a:sym typeface="Wingdings" panose="05000000000000000000" pitchFamily="2" charset="2"/>
+            </a:endParaRPr>
+          </a:p>
+          <a:p>
+            <a:pPr lvl="1"/>
+            <a:r>
+              <a:rPr lang="nb-NO" sz="1200" dirty="0">
+                <a:solidFill>
+                  <a:schemeClr val="accent3">
+                    <a:lumMod val="60000"/>
+                    <a:lumOff val="40000"/>
+                  </a:schemeClr>
+                </a:solidFill>
+                <a:latin typeface="Titillium Web" panose="00000500000000000000" pitchFamily="2" charset="0"/>
+                <a:sym typeface="Wingdings" panose="05000000000000000000" pitchFamily="2" charset="2"/>
+              </a:rPr>
+              <a:t>	</a:t>
+            </a:r>
+          </a:p>
+          <a:p>
+            <a:pPr lvl="1"/>
+            <a:r>
+              <a:rPr lang="nb-NO" sz="1200" dirty="0">
+                <a:solidFill>
+                  <a:schemeClr val="accent3">
+                    <a:lumMod val="60000"/>
+                    <a:lumOff val="40000"/>
+                  </a:schemeClr>
+                </a:solidFill>
+                <a:latin typeface="Titillium Web" panose="00000500000000000000" pitchFamily="2" charset="0"/>
+                <a:sym typeface="Wingdings" panose="05000000000000000000" pitchFamily="2" charset="2"/>
+              </a:rPr>
+              <a:t>	</a:t>
+            </a:r>
+            <a:endParaRPr lang="es-ES" sz="1200" dirty="0">
+              <a:solidFill>
+                <a:schemeClr val="accent3">
+                  <a:lumMod val="60000"/>
+                  <a:lumOff val="40000"/>
+                </a:schemeClr>
+              </a:solidFill>
+              <a:latin typeface="Titillium Web" panose="00000500000000000000" pitchFamily="2" charset="0"/>
+              <a:sym typeface="Wingdings" panose="05000000000000000000" pitchFamily="2" charset="2"/>
+            </a:endParaRPr>
+          </a:p>
+          <a:p>
+            <a:pPr lvl="1"/>
+            <a:endParaRPr lang="es-ES" sz="1200" dirty="0">
+              <a:solidFill>
+                <a:schemeClr val="accent3">
+                  <a:lumMod val="60000"/>
+                  <a:lumOff val="40000"/>
+                </a:schemeClr>
+              </a:solidFill>
+              <a:latin typeface="Titillium Web" panose="00000500000000000000" pitchFamily="2" charset="0"/>
+              <a:sym typeface="Wingdings" panose="05000000000000000000" pitchFamily="2" charset="2"/>
+            </a:endParaRPr>
+          </a:p>
+          <a:p>
+            <a:pPr lvl="1"/>
+            <a:endParaRPr lang="es-ES" sz="1200" dirty="0">
+              <a:solidFill>
+                <a:schemeClr val="accent3">
+                  <a:lumMod val="60000"/>
+                  <a:lumOff val="40000"/>
+                </a:schemeClr>
+              </a:solidFill>
+              <a:latin typeface="Titillium Web" panose="00000500000000000000" pitchFamily="2" charset="0"/>
+              <a:sym typeface="Wingdings" panose="05000000000000000000" pitchFamily="2" charset="2"/>
+            </a:endParaRPr>
+          </a:p>
+          <a:p>
+            <a:pPr lvl="1"/>
+            <a:endParaRPr lang="es-ES" sz="1200" dirty="0">
+              <a:solidFill>
+                <a:schemeClr val="accent4">
+                  <a:lumMod val="60000"/>
+                  <a:lumOff val="40000"/>
+                </a:schemeClr>
+              </a:solidFill>
+              <a:latin typeface="Titillium Web" panose="00000500000000000000" pitchFamily="2" charset="0"/>
+            </a:endParaRPr>
+          </a:p>
+          <a:p>
+            <a:pPr lvl="1"/>
+            <a:endParaRPr lang="es-ES" sz="1200" b="0" i="0" dirty="0">
+              <a:solidFill>
+                <a:schemeClr val="accent4">
+                  <a:lumMod val="60000"/>
+                  <a:lumOff val="40000"/>
+                </a:schemeClr>
+              </a:solidFill>
+              <a:effectLst/>
+              <a:latin typeface="Titillium Web" panose="00000500000000000000" pitchFamily="2" charset="0"/>
+            </a:endParaRPr>
+          </a:p>
+          <a:p>
+            <a:pPr lvl="1"/>
+            <a:endParaRPr lang="es-ES" sz="1200" b="0" i="0" dirty="0">
+              <a:solidFill>
+                <a:schemeClr val="accent4">
+                  <a:lumMod val="60000"/>
+                  <a:lumOff val="40000"/>
+                </a:schemeClr>
+              </a:solidFill>
+              <a:effectLst/>
+              <a:latin typeface="Titillium Web" panose="00000500000000000000" pitchFamily="2" charset="0"/>
+            </a:endParaRPr>
+          </a:p>
+        </p:txBody>
+      </p:sp>
+      <p:sp>
+        <p:nvSpPr>
+          <p:cNvPr id="9" name="CuadroTexto 8">
+            <a:extLst>
+              <a:ext uri="{FF2B5EF4-FFF2-40B4-BE49-F238E27FC236}">
+                <a16:creationId xmlns:a16="http://schemas.microsoft.com/office/drawing/2014/main" id="{D644B738-0737-54FD-D865-CE1CBC1311FE}"/>
+              </a:ext>
+            </a:extLst>
+          </p:cNvPr>
+          <p:cNvSpPr txBox="1"/>
+          <p:nvPr/>
+        </p:nvSpPr>
+        <p:spPr>
+          <a:xfrm>
+            <a:off x="8205186" y="254604"/>
+            <a:ext cx="6094520" cy="369332"/>
+          </a:xfrm>
+          <a:prstGeom prst="rect">
+            <a:avLst/>
+          </a:prstGeom>
+          <a:noFill/>
+        </p:spPr>
+        <p:txBody>
+          <a:bodyPr wrap="square">
+            <a:spAutoFit/>
+          </a:bodyPr>
+          <a:lstStyle/>
+          <a:p>
+            <a:pPr lvl="1"/>
+            <a:r>
+              <a:rPr lang="es-ES" sz="1800" dirty="0">
+                <a:latin typeface="Titillium Web" panose="00000500000000000000" pitchFamily="2" charset="0"/>
+                <a:sym typeface="Wingdings" panose="05000000000000000000" pitchFamily="2" charset="2"/>
+              </a:rPr>
+              <a:t>Aplicación 3: </a:t>
+            </a:r>
+            <a:r>
+              <a:rPr lang="es-ES" sz="1800" dirty="0" err="1">
+                <a:latin typeface="Titillium Web" panose="00000500000000000000" pitchFamily="2" charset="0"/>
+                <a:sym typeface="Wingdings" panose="05000000000000000000" pitchFamily="2" charset="2"/>
+              </a:rPr>
+              <a:t>DemoMVCII</a:t>
+            </a:r>
+            <a:endParaRPr lang="es-ES" sz="1800" dirty="0">
+              <a:latin typeface="Titillium Web" panose="00000500000000000000" pitchFamily="2" charset="0"/>
+              <a:sym typeface="Wingdings" panose="05000000000000000000" pitchFamily="2" charset="2"/>
+            </a:endParaRPr>
+          </a:p>
+        </p:txBody>
+      </p:sp>
+      <p:pic>
+        <p:nvPicPr>
+          <p:cNvPr id="11" name="Imagen 10">
+            <a:extLst>
+              <a:ext uri="{FF2B5EF4-FFF2-40B4-BE49-F238E27FC236}">
+                <a16:creationId xmlns:a16="http://schemas.microsoft.com/office/drawing/2014/main" id="{54C53433-7891-FB7D-EE8D-F2140C51F184}"/>
+              </a:ext>
+            </a:extLst>
+          </p:cNvPr>
+          <p:cNvPicPr>
+            <a:picLocks noChangeAspect="1"/>
+          </p:cNvPicPr>
+          <p:nvPr/>
+        </p:nvPicPr>
+        <p:blipFill>
+          <a:blip r:embed="rId5"/>
+          <a:stretch>
+            <a:fillRect/>
+          </a:stretch>
+        </p:blipFill>
+        <p:spPr>
+          <a:xfrm>
+            <a:off x="1093976" y="3105326"/>
+            <a:ext cx="3829584" cy="1695687"/>
+          </a:xfrm>
+          <a:prstGeom prst="rect">
+            <a:avLst/>
+          </a:prstGeom>
+        </p:spPr>
+      </p:pic>
+      <p:pic>
+        <p:nvPicPr>
+          <p:cNvPr id="14" name="Imagen 13">
+            <a:extLst>
+              <a:ext uri="{FF2B5EF4-FFF2-40B4-BE49-F238E27FC236}">
+                <a16:creationId xmlns:a16="http://schemas.microsoft.com/office/drawing/2014/main" id="{518B46FB-C19D-DD21-FD51-3FD18C9219B6}"/>
+              </a:ext>
+            </a:extLst>
+          </p:cNvPr>
+          <p:cNvPicPr>
+            <a:picLocks noChangeAspect="1"/>
+          </p:cNvPicPr>
+          <p:nvPr/>
+        </p:nvPicPr>
+        <p:blipFill>
+          <a:blip r:embed="rId6"/>
+          <a:stretch>
+            <a:fillRect/>
+          </a:stretch>
+        </p:blipFill>
+        <p:spPr>
+          <a:xfrm>
+            <a:off x="5525312" y="3105326"/>
+            <a:ext cx="3630981" cy="1695687"/>
+          </a:xfrm>
+          <a:prstGeom prst="rect">
+            <a:avLst/>
+          </a:prstGeom>
+        </p:spPr>
+      </p:pic>
+    </p:spTree>
+    <p:extLst>
+      <p:ext uri="{BB962C8B-B14F-4D97-AF65-F5344CB8AC3E}">
+        <p14:creationId xmlns:p14="http://schemas.microsoft.com/office/powerpoint/2010/main" val="2509952608"/>
+      </p:ext>
+    </p:extLst>
+  </p:cSld>
+  <p:clrMapOvr>
+    <a:masterClrMapping/>
+  </p:clrMapOvr>
+</p:sld>
+</file>
+
 <file path=ppt/slides/slide2.xml><?xml version="1.0" encoding="utf-8"?>
 <p:sld xmlns:a="http://schemas.openxmlformats.org/drawingml/2006/main" xmlns:r="http://schemas.openxmlformats.org/officeDocument/2006/relationships" xmlns:p="http://schemas.openxmlformats.org/presentationml/2006/main">
   <p:cSld>
@@ -16054,6 +18426,4305 @@
     <p:extLst>
       <p:ext uri="{BB962C8B-B14F-4D97-AF65-F5344CB8AC3E}">
         <p14:creationId xmlns:p14="http://schemas.microsoft.com/office/powerpoint/2010/main" val="2055224695"/>
+      </p:ext>
+    </p:extLst>
+  </p:cSld>
+  <p:clrMapOvr>
+    <a:masterClrMapping/>
+  </p:clrMapOvr>
+</p:sld>
+</file>
+
+<file path=ppt/slides/slide20.xml><?xml version="1.0" encoding="utf-8"?>
+<p:sld xmlns:a="http://schemas.openxmlformats.org/drawingml/2006/main" xmlns:r="http://schemas.openxmlformats.org/officeDocument/2006/relationships" xmlns:p="http://schemas.openxmlformats.org/presentationml/2006/main">
+  <p:cSld>
+    <p:spTree>
+      <p:nvGrpSpPr>
+        <p:cNvPr id="1" name=""/>
+        <p:cNvGrpSpPr/>
+        <p:nvPr/>
+      </p:nvGrpSpPr>
+      <p:grpSpPr>
+        <a:xfrm>
+          <a:off x="0" y="0"/>
+          <a:ext cx="0" cy="0"/>
+          <a:chOff x="0" y="0"/>
+          <a:chExt cx="0" cy="0"/>
+        </a:xfrm>
+      </p:grpSpPr>
+      <p:pic>
+        <p:nvPicPr>
+          <p:cNvPr id="1032" name="Picture 8" descr="Nuestro Equipo">
+            <a:extLst>
+              <a:ext uri="{FF2B5EF4-FFF2-40B4-BE49-F238E27FC236}">
+                <a16:creationId xmlns:a16="http://schemas.microsoft.com/office/drawing/2014/main" id="{9948F5C4-A11B-BB63-E587-6CEB747BDDEB}"/>
+              </a:ext>
+            </a:extLst>
+          </p:cNvPr>
+          <p:cNvPicPr>
+            <a:picLocks noChangeAspect="1" noChangeArrowheads="1"/>
+          </p:cNvPicPr>
+          <p:nvPr/>
+        </p:nvPicPr>
+        <p:blipFill>
+          <a:blip r:embed="rId3">
+            <a:extLst>
+              <a:ext uri="{28A0092B-C50C-407E-A947-70E740481C1C}">
+                <a14:useLocalDpi xmlns:a14="http://schemas.microsoft.com/office/drawing/2010/main" val="0"/>
+              </a:ext>
+            </a:extLst>
+          </a:blip>
+          <a:srcRect/>
+          <a:stretch>
+            <a:fillRect/>
+          </a:stretch>
+        </p:blipFill>
+        <p:spPr bwMode="auto">
+          <a:xfrm>
+            <a:off x="11003858" y="6068461"/>
+            <a:ext cx="675692" cy="675692"/>
+          </a:xfrm>
+          <a:prstGeom prst="rect">
+            <a:avLst/>
+          </a:prstGeom>
+          <a:noFill/>
+          <a:extLst>
+            <a:ext uri="{909E8E84-426E-40DD-AFC4-6F175D3DCCD1}">
+              <a14:hiddenFill xmlns:a14="http://schemas.microsoft.com/office/drawing/2010/main">
+                <a:solidFill>
+                  <a:srgbClr val="FFFFFF"/>
+                </a:solidFill>
+              </a14:hiddenFill>
+            </a:ext>
+          </a:extLst>
+        </p:spPr>
+      </p:pic>
+      <p:sp>
+        <p:nvSpPr>
+          <p:cNvPr id="3" name="CuadroTexto 2">
+            <a:extLst>
+              <a:ext uri="{FF2B5EF4-FFF2-40B4-BE49-F238E27FC236}">
+                <a16:creationId xmlns:a16="http://schemas.microsoft.com/office/drawing/2014/main" id="{D1FA320B-398B-F9F1-38EA-BAF5DD083F19}"/>
+              </a:ext>
+            </a:extLst>
+          </p:cNvPr>
+          <p:cNvSpPr txBox="1"/>
+          <p:nvPr/>
+        </p:nvSpPr>
+        <p:spPr>
+          <a:xfrm>
+            <a:off x="1253654" y="873506"/>
+            <a:ext cx="9079954" cy="2031325"/>
+          </a:xfrm>
+          <a:prstGeom prst="rect">
+            <a:avLst/>
+          </a:prstGeom>
+          <a:noFill/>
+        </p:spPr>
+        <p:txBody>
+          <a:bodyPr wrap="square" rtlCol="0">
+            <a:spAutoFit/>
+          </a:bodyPr>
+          <a:lstStyle/>
+          <a:p>
+            <a:r>
+              <a:rPr lang="es-ES" dirty="0"/>
+              <a:t>SPRING FRAMEWORK</a:t>
+            </a:r>
+          </a:p>
+          <a:p>
+            <a:pPr lvl="1"/>
+            <a:endParaRPr lang="es-ES" sz="1200" dirty="0">
+              <a:solidFill>
+                <a:srgbClr val="FF0000"/>
+              </a:solidFill>
+              <a:latin typeface="Titillium Web" panose="00000500000000000000" pitchFamily="2" charset="0"/>
+            </a:endParaRPr>
+          </a:p>
+          <a:p>
+            <a:pPr lvl="1"/>
+            <a:endParaRPr lang="es-ES" sz="1200" dirty="0">
+              <a:solidFill>
+                <a:schemeClr val="accent4">
+                  <a:lumMod val="60000"/>
+                  <a:lumOff val="40000"/>
+                </a:schemeClr>
+              </a:solidFill>
+              <a:latin typeface="Titillium Web" panose="00000500000000000000" pitchFamily="2" charset="0"/>
+            </a:endParaRPr>
+          </a:p>
+          <a:p>
+            <a:pPr lvl="1"/>
+            <a:r>
+              <a:rPr lang="es-ES" sz="1200" dirty="0">
+                <a:solidFill>
+                  <a:schemeClr val="accent4">
+                    <a:lumMod val="60000"/>
+                    <a:lumOff val="40000"/>
+                  </a:schemeClr>
+                </a:solidFill>
+                <a:latin typeface="Titillium Web" panose="00000500000000000000" pitchFamily="2" charset="0"/>
+              </a:rPr>
+              <a:t>CONSTRUYENDO CON THYMELEAF y PLANTILLAS CSS</a:t>
+            </a:r>
+          </a:p>
+          <a:p>
+            <a:pPr lvl="1"/>
+            <a:endParaRPr lang="es-ES" sz="1200" dirty="0">
+              <a:solidFill>
+                <a:schemeClr val="accent4">
+                  <a:lumMod val="60000"/>
+                  <a:lumOff val="40000"/>
+                </a:schemeClr>
+              </a:solidFill>
+              <a:latin typeface="Titillium Web" panose="00000500000000000000" pitchFamily="2" charset="0"/>
+            </a:endParaRPr>
+          </a:p>
+          <a:p>
+            <a:pPr lvl="1"/>
+            <a:endParaRPr lang="es-ES" sz="1200" dirty="0">
+              <a:solidFill>
+                <a:schemeClr val="accent4">
+                  <a:lumMod val="60000"/>
+                  <a:lumOff val="40000"/>
+                </a:schemeClr>
+              </a:solidFill>
+            </a:endParaRPr>
+          </a:p>
+          <a:p>
+            <a:pPr lvl="1"/>
+            <a:br>
+              <a:rPr lang="es-ES" sz="1200" dirty="0">
+                <a:solidFill>
+                  <a:schemeClr val="accent4">
+                    <a:lumMod val="60000"/>
+                    <a:lumOff val="40000"/>
+                  </a:schemeClr>
+                </a:solidFill>
+              </a:rPr>
+            </a:br>
+            <a:endParaRPr lang="es-ES" sz="1200" dirty="0">
+              <a:solidFill>
+                <a:schemeClr val="accent4">
+                  <a:lumMod val="60000"/>
+                  <a:lumOff val="40000"/>
+                </a:schemeClr>
+              </a:solidFill>
+            </a:endParaRPr>
+          </a:p>
+          <a:p>
+            <a:pPr lvl="1"/>
+            <a:endParaRPr lang="es-ES" sz="1200" dirty="0">
+              <a:solidFill>
+                <a:schemeClr val="accent1">
+                  <a:lumMod val="40000"/>
+                  <a:lumOff val="60000"/>
+                </a:schemeClr>
+              </a:solidFill>
+              <a:latin typeface="Titillium Web" panose="00000500000000000000" pitchFamily="2" charset="0"/>
+            </a:endParaRPr>
+          </a:p>
+          <a:p>
+            <a:pPr lvl="1"/>
+            <a:endParaRPr lang="es-ES" sz="1200" b="0" i="0" dirty="0">
+              <a:solidFill>
+                <a:schemeClr val="accent4">
+                  <a:lumMod val="60000"/>
+                  <a:lumOff val="40000"/>
+                </a:schemeClr>
+              </a:solidFill>
+              <a:effectLst/>
+              <a:latin typeface="Titillium Web" panose="00000500000000000000" pitchFamily="2" charset="0"/>
+            </a:endParaRPr>
+          </a:p>
+        </p:txBody>
+      </p:sp>
+      <p:pic>
+        <p:nvPicPr>
+          <p:cNvPr id="5" name="Picture 2" descr="Spring | Home">
+            <a:extLst>
+              <a:ext uri="{FF2B5EF4-FFF2-40B4-BE49-F238E27FC236}">
+                <a16:creationId xmlns:a16="http://schemas.microsoft.com/office/drawing/2014/main" id="{6CBE6F06-F98A-B85B-B6AA-917CBDD1C2C3}"/>
+              </a:ext>
+            </a:extLst>
+          </p:cNvPr>
+          <p:cNvPicPr>
+            <a:picLocks noChangeAspect="1" noChangeArrowheads="1"/>
+          </p:cNvPicPr>
+          <p:nvPr/>
+        </p:nvPicPr>
+        <p:blipFill>
+          <a:blip r:embed="rId4">
+            <a:extLst>
+              <a:ext uri="{28A0092B-C50C-407E-A947-70E740481C1C}">
+                <a14:useLocalDpi xmlns:a14="http://schemas.microsoft.com/office/drawing/2010/main" val="0"/>
+              </a:ext>
+            </a:extLst>
+          </a:blip>
+          <a:srcRect/>
+          <a:stretch>
+            <a:fillRect/>
+          </a:stretch>
+        </p:blipFill>
+        <p:spPr bwMode="auto">
+          <a:xfrm>
+            <a:off x="10666011" y="5262959"/>
+            <a:ext cx="1351386" cy="675693"/>
+          </a:xfrm>
+          <a:prstGeom prst="rect">
+            <a:avLst/>
+          </a:prstGeom>
+          <a:noFill/>
+          <a:extLst>
+            <a:ext uri="{909E8E84-426E-40DD-AFC4-6F175D3DCCD1}">
+              <a14:hiddenFill xmlns:a14="http://schemas.microsoft.com/office/drawing/2010/main">
+                <a:solidFill>
+                  <a:srgbClr val="FFFFFF"/>
+                </a:solidFill>
+              </a14:hiddenFill>
+            </a:ext>
+          </a:extLst>
+        </p:spPr>
+      </p:pic>
+      <p:sp>
+        <p:nvSpPr>
+          <p:cNvPr id="2" name="CuadroTexto 1">
+            <a:extLst>
+              <a:ext uri="{FF2B5EF4-FFF2-40B4-BE49-F238E27FC236}">
+                <a16:creationId xmlns:a16="http://schemas.microsoft.com/office/drawing/2014/main" id="{477BDFD5-86BF-359C-0E77-061F61200E12}"/>
+              </a:ext>
+            </a:extLst>
+          </p:cNvPr>
+          <p:cNvSpPr txBox="1"/>
+          <p:nvPr/>
+        </p:nvSpPr>
+        <p:spPr>
+          <a:xfrm>
+            <a:off x="492224" y="1783668"/>
+            <a:ext cx="9079954" cy="3970318"/>
+          </a:xfrm>
+          <a:prstGeom prst="rect">
+            <a:avLst/>
+          </a:prstGeom>
+          <a:noFill/>
+        </p:spPr>
+        <p:txBody>
+          <a:bodyPr wrap="square" rtlCol="0">
+            <a:spAutoFit/>
+          </a:bodyPr>
+          <a:lstStyle/>
+          <a:p>
+            <a:pPr marL="628650" lvl="1" indent="-171450">
+              <a:buFont typeface="Arial" panose="020B0604020202020204" pitchFamily="34" charset="0"/>
+              <a:buChar char="•"/>
+            </a:pPr>
+            <a:endParaRPr lang="es-ES" sz="1200" dirty="0">
+              <a:latin typeface="Titillium Web" panose="00000500000000000000" pitchFamily="2" charset="0"/>
+              <a:sym typeface="Wingdings" panose="05000000000000000000" pitchFamily="2" charset="2"/>
+            </a:endParaRPr>
+          </a:p>
+          <a:p>
+            <a:pPr lvl="1"/>
+            <a:endParaRPr lang="es-ES" sz="1200" dirty="0">
+              <a:solidFill>
+                <a:schemeClr val="accent3">
+                  <a:lumMod val="60000"/>
+                  <a:lumOff val="40000"/>
+                </a:schemeClr>
+              </a:solidFill>
+              <a:latin typeface="Titillium Web" panose="00000500000000000000" pitchFamily="2" charset="0"/>
+              <a:sym typeface="Wingdings" panose="05000000000000000000" pitchFamily="2" charset="2"/>
+            </a:endParaRPr>
+          </a:p>
+          <a:p>
+            <a:pPr lvl="1"/>
+            <a:r>
+              <a:rPr lang="es-ES" sz="1200" dirty="0">
+                <a:latin typeface="Titillium Web" panose="00000500000000000000" pitchFamily="2" charset="0"/>
+                <a:sym typeface="Wingdings" panose="05000000000000000000" pitchFamily="2" charset="2"/>
+              </a:rPr>
+              <a:t>Representar formatos especiales</a:t>
+            </a:r>
+          </a:p>
+          <a:p>
+            <a:pPr lvl="1"/>
+            <a:endParaRPr lang="es-ES" sz="1200" dirty="0">
+              <a:solidFill>
+                <a:schemeClr val="accent3">
+                  <a:lumMod val="60000"/>
+                  <a:lumOff val="40000"/>
+                </a:schemeClr>
+              </a:solidFill>
+              <a:latin typeface="Titillium Web" panose="00000500000000000000" pitchFamily="2" charset="0"/>
+              <a:sym typeface="Wingdings" panose="05000000000000000000" pitchFamily="2" charset="2"/>
+            </a:endParaRPr>
+          </a:p>
+          <a:p>
+            <a:pPr lvl="1"/>
+            <a:r>
+              <a:rPr lang="es-ES" sz="1200" dirty="0">
+                <a:solidFill>
+                  <a:schemeClr val="accent3">
+                    <a:lumMod val="60000"/>
+                    <a:lumOff val="40000"/>
+                  </a:schemeClr>
+                </a:solidFill>
+                <a:latin typeface="Titillium Web" panose="00000500000000000000" pitchFamily="2" charset="0"/>
+                <a:sym typeface="Wingdings" panose="05000000000000000000" pitchFamily="2" charset="2"/>
+              </a:rPr>
+              <a:t>Fechas</a:t>
+            </a:r>
+          </a:p>
+          <a:p>
+            <a:pPr lvl="1"/>
+            <a:endParaRPr lang="es-ES" sz="1200" dirty="0">
+              <a:solidFill>
+                <a:schemeClr val="accent3">
+                  <a:lumMod val="60000"/>
+                  <a:lumOff val="40000"/>
+                </a:schemeClr>
+              </a:solidFill>
+              <a:latin typeface="Titillium Web" panose="00000500000000000000" pitchFamily="2" charset="0"/>
+              <a:sym typeface="Wingdings" panose="05000000000000000000" pitchFamily="2" charset="2"/>
+            </a:endParaRPr>
+          </a:p>
+          <a:p>
+            <a:pPr lvl="1"/>
+            <a:endParaRPr lang="es-ES" sz="1200" dirty="0">
+              <a:solidFill>
+                <a:schemeClr val="accent3">
+                  <a:lumMod val="60000"/>
+                  <a:lumOff val="40000"/>
+                </a:schemeClr>
+              </a:solidFill>
+              <a:latin typeface="Titillium Web" panose="00000500000000000000" pitchFamily="2" charset="0"/>
+              <a:sym typeface="Wingdings" panose="05000000000000000000" pitchFamily="2" charset="2"/>
+            </a:endParaRPr>
+          </a:p>
+          <a:p>
+            <a:pPr lvl="1"/>
+            <a:endParaRPr lang="es-ES" sz="1200" dirty="0">
+              <a:solidFill>
+                <a:schemeClr val="accent3">
+                  <a:lumMod val="60000"/>
+                  <a:lumOff val="40000"/>
+                </a:schemeClr>
+              </a:solidFill>
+              <a:latin typeface="Titillium Web" panose="00000500000000000000" pitchFamily="2" charset="0"/>
+              <a:sym typeface="Wingdings" panose="05000000000000000000" pitchFamily="2" charset="2"/>
+            </a:endParaRPr>
+          </a:p>
+          <a:p>
+            <a:pPr lvl="1"/>
+            <a:endParaRPr lang="es-ES" sz="1200" dirty="0">
+              <a:solidFill>
+                <a:schemeClr val="accent3">
+                  <a:lumMod val="60000"/>
+                  <a:lumOff val="40000"/>
+                </a:schemeClr>
+              </a:solidFill>
+              <a:latin typeface="Titillium Web" panose="00000500000000000000" pitchFamily="2" charset="0"/>
+              <a:sym typeface="Wingdings" panose="05000000000000000000" pitchFamily="2" charset="2"/>
+            </a:endParaRPr>
+          </a:p>
+          <a:p>
+            <a:pPr lvl="1"/>
+            <a:endParaRPr lang="nb-NO" sz="1200" dirty="0">
+              <a:solidFill>
+                <a:schemeClr val="accent3">
+                  <a:lumMod val="60000"/>
+                  <a:lumOff val="40000"/>
+                </a:schemeClr>
+              </a:solidFill>
+              <a:latin typeface="Titillium Web" panose="00000500000000000000" pitchFamily="2" charset="0"/>
+              <a:sym typeface="Wingdings" panose="05000000000000000000" pitchFamily="2" charset="2"/>
+            </a:endParaRPr>
+          </a:p>
+          <a:p>
+            <a:pPr lvl="1"/>
+            <a:endParaRPr lang="nb-NO" sz="1200" dirty="0">
+              <a:solidFill>
+                <a:schemeClr val="accent3">
+                  <a:lumMod val="60000"/>
+                  <a:lumOff val="40000"/>
+                </a:schemeClr>
+              </a:solidFill>
+              <a:latin typeface="Titillium Web" panose="00000500000000000000" pitchFamily="2" charset="0"/>
+              <a:sym typeface="Wingdings" panose="05000000000000000000" pitchFamily="2" charset="2"/>
+            </a:endParaRPr>
+          </a:p>
+          <a:p>
+            <a:pPr lvl="1"/>
+            <a:endParaRPr lang="nb-NO" sz="1200" dirty="0">
+              <a:solidFill>
+                <a:schemeClr val="accent3">
+                  <a:lumMod val="60000"/>
+                  <a:lumOff val="40000"/>
+                </a:schemeClr>
+              </a:solidFill>
+              <a:latin typeface="Titillium Web" panose="00000500000000000000" pitchFamily="2" charset="0"/>
+              <a:sym typeface="Wingdings" panose="05000000000000000000" pitchFamily="2" charset="2"/>
+            </a:endParaRPr>
+          </a:p>
+          <a:p>
+            <a:pPr lvl="1"/>
+            <a:r>
+              <a:rPr lang="nb-NO" sz="1200" dirty="0">
+                <a:solidFill>
+                  <a:schemeClr val="accent3">
+                    <a:lumMod val="60000"/>
+                    <a:lumOff val="40000"/>
+                  </a:schemeClr>
+                </a:solidFill>
+                <a:latin typeface="Titillium Web" panose="00000500000000000000" pitchFamily="2" charset="0"/>
+                <a:sym typeface="Wingdings" panose="05000000000000000000" pitchFamily="2" charset="2"/>
+              </a:rPr>
+              <a:t>	</a:t>
+            </a:r>
+          </a:p>
+          <a:p>
+            <a:pPr lvl="1"/>
+            <a:endParaRPr lang="nb-NO" sz="1200" dirty="0">
+              <a:solidFill>
+                <a:schemeClr val="accent3">
+                  <a:lumMod val="60000"/>
+                  <a:lumOff val="40000"/>
+                </a:schemeClr>
+              </a:solidFill>
+              <a:latin typeface="Titillium Web" panose="00000500000000000000" pitchFamily="2" charset="0"/>
+              <a:sym typeface="Wingdings" panose="05000000000000000000" pitchFamily="2" charset="2"/>
+            </a:endParaRPr>
+          </a:p>
+          <a:p>
+            <a:pPr lvl="1"/>
+            <a:r>
+              <a:rPr lang="nb-NO" sz="1200" dirty="0">
+                <a:solidFill>
+                  <a:schemeClr val="accent3">
+                    <a:lumMod val="60000"/>
+                    <a:lumOff val="40000"/>
+                  </a:schemeClr>
+                </a:solidFill>
+                <a:latin typeface="Titillium Web" panose="00000500000000000000" pitchFamily="2" charset="0"/>
+                <a:sym typeface="Wingdings" panose="05000000000000000000" pitchFamily="2" charset="2"/>
+              </a:rPr>
+              <a:t>	</a:t>
+            </a:r>
+          </a:p>
+          <a:p>
+            <a:pPr lvl="1"/>
+            <a:r>
+              <a:rPr lang="nb-NO" sz="1200" dirty="0">
+                <a:solidFill>
+                  <a:schemeClr val="accent3">
+                    <a:lumMod val="60000"/>
+                    <a:lumOff val="40000"/>
+                  </a:schemeClr>
+                </a:solidFill>
+                <a:latin typeface="Titillium Web" panose="00000500000000000000" pitchFamily="2" charset="0"/>
+                <a:sym typeface="Wingdings" panose="05000000000000000000" pitchFamily="2" charset="2"/>
+              </a:rPr>
+              <a:t>	</a:t>
+            </a:r>
+            <a:endParaRPr lang="es-ES" sz="1200" dirty="0">
+              <a:solidFill>
+                <a:schemeClr val="accent3">
+                  <a:lumMod val="60000"/>
+                  <a:lumOff val="40000"/>
+                </a:schemeClr>
+              </a:solidFill>
+              <a:latin typeface="Titillium Web" panose="00000500000000000000" pitchFamily="2" charset="0"/>
+              <a:sym typeface="Wingdings" panose="05000000000000000000" pitchFamily="2" charset="2"/>
+            </a:endParaRPr>
+          </a:p>
+          <a:p>
+            <a:pPr lvl="1"/>
+            <a:endParaRPr lang="es-ES" sz="1200" dirty="0">
+              <a:solidFill>
+                <a:schemeClr val="accent3">
+                  <a:lumMod val="60000"/>
+                  <a:lumOff val="40000"/>
+                </a:schemeClr>
+              </a:solidFill>
+              <a:latin typeface="Titillium Web" panose="00000500000000000000" pitchFamily="2" charset="0"/>
+              <a:sym typeface="Wingdings" panose="05000000000000000000" pitchFamily="2" charset="2"/>
+            </a:endParaRPr>
+          </a:p>
+          <a:p>
+            <a:pPr lvl="1"/>
+            <a:endParaRPr lang="es-ES" sz="1200" dirty="0">
+              <a:solidFill>
+                <a:schemeClr val="accent3">
+                  <a:lumMod val="60000"/>
+                  <a:lumOff val="40000"/>
+                </a:schemeClr>
+              </a:solidFill>
+              <a:latin typeface="Titillium Web" panose="00000500000000000000" pitchFamily="2" charset="0"/>
+              <a:sym typeface="Wingdings" panose="05000000000000000000" pitchFamily="2" charset="2"/>
+            </a:endParaRPr>
+          </a:p>
+          <a:p>
+            <a:pPr lvl="1"/>
+            <a:endParaRPr lang="es-ES" sz="1200" dirty="0">
+              <a:solidFill>
+                <a:schemeClr val="accent4">
+                  <a:lumMod val="60000"/>
+                  <a:lumOff val="40000"/>
+                </a:schemeClr>
+              </a:solidFill>
+              <a:latin typeface="Titillium Web" panose="00000500000000000000" pitchFamily="2" charset="0"/>
+            </a:endParaRPr>
+          </a:p>
+          <a:p>
+            <a:pPr lvl="1"/>
+            <a:endParaRPr lang="es-ES" sz="1200" b="0" i="0" dirty="0">
+              <a:solidFill>
+                <a:schemeClr val="accent4">
+                  <a:lumMod val="60000"/>
+                  <a:lumOff val="40000"/>
+                </a:schemeClr>
+              </a:solidFill>
+              <a:effectLst/>
+              <a:latin typeface="Titillium Web" panose="00000500000000000000" pitchFamily="2" charset="0"/>
+            </a:endParaRPr>
+          </a:p>
+          <a:p>
+            <a:pPr lvl="1"/>
+            <a:endParaRPr lang="es-ES" sz="1200" b="0" i="0" dirty="0">
+              <a:solidFill>
+                <a:schemeClr val="accent4">
+                  <a:lumMod val="60000"/>
+                  <a:lumOff val="40000"/>
+                </a:schemeClr>
+              </a:solidFill>
+              <a:effectLst/>
+              <a:latin typeface="Titillium Web" panose="00000500000000000000" pitchFamily="2" charset="0"/>
+            </a:endParaRPr>
+          </a:p>
+        </p:txBody>
+      </p:sp>
+      <p:sp>
+        <p:nvSpPr>
+          <p:cNvPr id="9" name="CuadroTexto 8">
+            <a:extLst>
+              <a:ext uri="{FF2B5EF4-FFF2-40B4-BE49-F238E27FC236}">
+                <a16:creationId xmlns:a16="http://schemas.microsoft.com/office/drawing/2014/main" id="{D644B738-0737-54FD-D865-CE1CBC1311FE}"/>
+              </a:ext>
+            </a:extLst>
+          </p:cNvPr>
+          <p:cNvSpPr txBox="1"/>
+          <p:nvPr/>
+        </p:nvSpPr>
+        <p:spPr>
+          <a:xfrm>
+            <a:off x="8205186" y="254604"/>
+            <a:ext cx="6094520" cy="369332"/>
+          </a:xfrm>
+          <a:prstGeom prst="rect">
+            <a:avLst/>
+          </a:prstGeom>
+          <a:noFill/>
+        </p:spPr>
+        <p:txBody>
+          <a:bodyPr wrap="square">
+            <a:spAutoFit/>
+          </a:bodyPr>
+          <a:lstStyle/>
+          <a:p>
+            <a:pPr lvl="1"/>
+            <a:r>
+              <a:rPr lang="es-ES" sz="1800" dirty="0">
+                <a:latin typeface="Titillium Web" panose="00000500000000000000" pitchFamily="2" charset="0"/>
+                <a:sym typeface="Wingdings" panose="05000000000000000000" pitchFamily="2" charset="2"/>
+              </a:rPr>
+              <a:t>Aplicación 3: </a:t>
+            </a:r>
+            <a:r>
+              <a:rPr lang="es-ES" sz="1800" dirty="0" err="1">
+                <a:latin typeface="Titillium Web" panose="00000500000000000000" pitchFamily="2" charset="0"/>
+                <a:sym typeface="Wingdings" panose="05000000000000000000" pitchFamily="2" charset="2"/>
+              </a:rPr>
+              <a:t>DemoMVCII</a:t>
+            </a:r>
+            <a:endParaRPr lang="es-ES" sz="1800" dirty="0">
+              <a:latin typeface="Titillium Web" panose="00000500000000000000" pitchFamily="2" charset="0"/>
+              <a:sym typeface="Wingdings" panose="05000000000000000000" pitchFamily="2" charset="2"/>
+            </a:endParaRPr>
+          </a:p>
+        </p:txBody>
+      </p:sp>
+      <p:pic>
+        <p:nvPicPr>
+          <p:cNvPr id="8" name="Imagen 7">
+            <a:extLst>
+              <a:ext uri="{FF2B5EF4-FFF2-40B4-BE49-F238E27FC236}">
+                <a16:creationId xmlns:a16="http://schemas.microsoft.com/office/drawing/2014/main" id="{7ECA74A8-1964-0887-1FB1-90D774E8047E}"/>
+              </a:ext>
+            </a:extLst>
+          </p:cNvPr>
+          <p:cNvPicPr>
+            <a:picLocks noChangeAspect="1"/>
+          </p:cNvPicPr>
+          <p:nvPr/>
+        </p:nvPicPr>
+        <p:blipFill>
+          <a:blip r:embed="rId5"/>
+          <a:stretch>
+            <a:fillRect/>
+          </a:stretch>
+        </p:blipFill>
+        <p:spPr>
+          <a:xfrm>
+            <a:off x="1253654" y="2848247"/>
+            <a:ext cx="5661308" cy="3500145"/>
+          </a:xfrm>
+          <a:prstGeom prst="rect">
+            <a:avLst/>
+          </a:prstGeom>
+        </p:spPr>
+      </p:pic>
+    </p:spTree>
+    <p:extLst>
+      <p:ext uri="{BB962C8B-B14F-4D97-AF65-F5344CB8AC3E}">
+        <p14:creationId xmlns:p14="http://schemas.microsoft.com/office/powerpoint/2010/main" val="4287349008"/>
+      </p:ext>
+    </p:extLst>
+  </p:cSld>
+  <p:clrMapOvr>
+    <a:masterClrMapping/>
+  </p:clrMapOvr>
+</p:sld>
+</file>
+
+<file path=ppt/slides/slide21.xml><?xml version="1.0" encoding="utf-8"?>
+<p:sld xmlns:a="http://schemas.openxmlformats.org/drawingml/2006/main" xmlns:r="http://schemas.openxmlformats.org/officeDocument/2006/relationships" xmlns:p="http://schemas.openxmlformats.org/presentationml/2006/main">
+  <p:cSld>
+    <p:spTree>
+      <p:nvGrpSpPr>
+        <p:cNvPr id="1" name=""/>
+        <p:cNvGrpSpPr/>
+        <p:nvPr/>
+      </p:nvGrpSpPr>
+      <p:grpSpPr>
+        <a:xfrm>
+          <a:off x="0" y="0"/>
+          <a:ext cx="0" cy="0"/>
+          <a:chOff x="0" y="0"/>
+          <a:chExt cx="0" cy="0"/>
+        </a:xfrm>
+      </p:grpSpPr>
+      <p:pic>
+        <p:nvPicPr>
+          <p:cNvPr id="1032" name="Picture 8" descr="Nuestro Equipo">
+            <a:extLst>
+              <a:ext uri="{FF2B5EF4-FFF2-40B4-BE49-F238E27FC236}">
+                <a16:creationId xmlns:a16="http://schemas.microsoft.com/office/drawing/2014/main" id="{9948F5C4-A11B-BB63-E587-6CEB747BDDEB}"/>
+              </a:ext>
+            </a:extLst>
+          </p:cNvPr>
+          <p:cNvPicPr>
+            <a:picLocks noChangeAspect="1" noChangeArrowheads="1"/>
+          </p:cNvPicPr>
+          <p:nvPr/>
+        </p:nvPicPr>
+        <p:blipFill>
+          <a:blip r:embed="rId3">
+            <a:extLst>
+              <a:ext uri="{28A0092B-C50C-407E-A947-70E740481C1C}">
+                <a14:useLocalDpi xmlns:a14="http://schemas.microsoft.com/office/drawing/2010/main" val="0"/>
+              </a:ext>
+            </a:extLst>
+          </a:blip>
+          <a:srcRect/>
+          <a:stretch>
+            <a:fillRect/>
+          </a:stretch>
+        </p:blipFill>
+        <p:spPr bwMode="auto">
+          <a:xfrm>
+            <a:off x="11003858" y="6068461"/>
+            <a:ext cx="675692" cy="675692"/>
+          </a:xfrm>
+          <a:prstGeom prst="rect">
+            <a:avLst/>
+          </a:prstGeom>
+          <a:noFill/>
+          <a:extLst>
+            <a:ext uri="{909E8E84-426E-40DD-AFC4-6F175D3DCCD1}">
+              <a14:hiddenFill xmlns:a14="http://schemas.microsoft.com/office/drawing/2010/main">
+                <a:solidFill>
+                  <a:srgbClr val="FFFFFF"/>
+                </a:solidFill>
+              </a14:hiddenFill>
+            </a:ext>
+          </a:extLst>
+        </p:spPr>
+      </p:pic>
+      <p:sp>
+        <p:nvSpPr>
+          <p:cNvPr id="3" name="CuadroTexto 2">
+            <a:extLst>
+              <a:ext uri="{FF2B5EF4-FFF2-40B4-BE49-F238E27FC236}">
+                <a16:creationId xmlns:a16="http://schemas.microsoft.com/office/drawing/2014/main" id="{D1FA320B-398B-F9F1-38EA-BAF5DD083F19}"/>
+              </a:ext>
+            </a:extLst>
+          </p:cNvPr>
+          <p:cNvSpPr txBox="1"/>
+          <p:nvPr/>
+        </p:nvSpPr>
+        <p:spPr>
+          <a:xfrm>
+            <a:off x="1253654" y="873506"/>
+            <a:ext cx="9079954" cy="2031325"/>
+          </a:xfrm>
+          <a:prstGeom prst="rect">
+            <a:avLst/>
+          </a:prstGeom>
+          <a:noFill/>
+        </p:spPr>
+        <p:txBody>
+          <a:bodyPr wrap="square" rtlCol="0">
+            <a:spAutoFit/>
+          </a:bodyPr>
+          <a:lstStyle/>
+          <a:p>
+            <a:r>
+              <a:rPr lang="es-ES" dirty="0"/>
+              <a:t>SPRING FRAMEWORK</a:t>
+            </a:r>
+          </a:p>
+          <a:p>
+            <a:pPr lvl="1"/>
+            <a:endParaRPr lang="es-ES" sz="1200" dirty="0">
+              <a:solidFill>
+                <a:srgbClr val="FF0000"/>
+              </a:solidFill>
+              <a:latin typeface="Titillium Web" panose="00000500000000000000" pitchFamily="2" charset="0"/>
+            </a:endParaRPr>
+          </a:p>
+          <a:p>
+            <a:pPr lvl="1"/>
+            <a:endParaRPr lang="es-ES" sz="1200" dirty="0">
+              <a:solidFill>
+                <a:schemeClr val="accent4">
+                  <a:lumMod val="60000"/>
+                  <a:lumOff val="40000"/>
+                </a:schemeClr>
+              </a:solidFill>
+              <a:latin typeface="Titillium Web" panose="00000500000000000000" pitchFamily="2" charset="0"/>
+            </a:endParaRPr>
+          </a:p>
+          <a:p>
+            <a:pPr lvl="1"/>
+            <a:r>
+              <a:rPr lang="es-ES" sz="1200" dirty="0">
+                <a:solidFill>
+                  <a:schemeClr val="accent4">
+                    <a:lumMod val="60000"/>
+                    <a:lumOff val="40000"/>
+                  </a:schemeClr>
+                </a:solidFill>
+                <a:latin typeface="Titillium Web" panose="00000500000000000000" pitchFamily="2" charset="0"/>
+              </a:rPr>
+              <a:t>CONSTRUYENDO CON THYMELEAF y PLANTILLAS CSS</a:t>
+            </a:r>
+          </a:p>
+          <a:p>
+            <a:pPr lvl="1"/>
+            <a:endParaRPr lang="es-ES" sz="1200" dirty="0">
+              <a:solidFill>
+                <a:schemeClr val="accent4">
+                  <a:lumMod val="60000"/>
+                  <a:lumOff val="40000"/>
+                </a:schemeClr>
+              </a:solidFill>
+              <a:latin typeface="Titillium Web" panose="00000500000000000000" pitchFamily="2" charset="0"/>
+            </a:endParaRPr>
+          </a:p>
+          <a:p>
+            <a:pPr lvl="1"/>
+            <a:endParaRPr lang="es-ES" sz="1200" dirty="0">
+              <a:solidFill>
+                <a:schemeClr val="accent4">
+                  <a:lumMod val="60000"/>
+                  <a:lumOff val="40000"/>
+                </a:schemeClr>
+              </a:solidFill>
+            </a:endParaRPr>
+          </a:p>
+          <a:p>
+            <a:pPr lvl="1"/>
+            <a:br>
+              <a:rPr lang="es-ES" sz="1200" dirty="0">
+                <a:solidFill>
+                  <a:schemeClr val="accent4">
+                    <a:lumMod val="60000"/>
+                    <a:lumOff val="40000"/>
+                  </a:schemeClr>
+                </a:solidFill>
+              </a:rPr>
+            </a:br>
+            <a:endParaRPr lang="es-ES" sz="1200" dirty="0">
+              <a:solidFill>
+                <a:schemeClr val="accent4">
+                  <a:lumMod val="60000"/>
+                  <a:lumOff val="40000"/>
+                </a:schemeClr>
+              </a:solidFill>
+            </a:endParaRPr>
+          </a:p>
+          <a:p>
+            <a:pPr lvl="1"/>
+            <a:endParaRPr lang="es-ES" sz="1200" dirty="0">
+              <a:solidFill>
+                <a:schemeClr val="accent1">
+                  <a:lumMod val="40000"/>
+                  <a:lumOff val="60000"/>
+                </a:schemeClr>
+              </a:solidFill>
+              <a:latin typeface="Titillium Web" panose="00000500000000000000" pitchFamily="2" charset="0"/>
+            </a:endParaRPr>
+          </a:p>
+          <a:p>
+            <a:pPr lvl="1"/>
+            <a:endParaRPr lang="es-ES" sz="1200" b="0" i="0" dirty="0">
+              <a:solidFill>
+                <a:schemeClr val="accent4">
+                  <a:lumMod val="60000"/>
+                  <a:lumOff val="40000"/>
+                </a:schemeClr>
+              </a:solidFill>
+              <a:effectLst/>
+              <a:latin typeface="Titillium Web" panose="00000500000000000000" pitchFamily="2" charset="0"/>
+            </a:endParaRPr>
+          </a:p>
+        </p:txBody>
+      </p:sp>
+      <p:pic>
+        <p:nvPicPr>
+          <p:cNvPr id="5" name="Picture 2" descr="Spring | Home">
+            <a:extLst>
+              <a:ext uri="{FF2B5EF4-FFF2-40B4-BE49-F238E27FC236}">
+                <a16:creationId xmlns:a16="http://schemas.microsoft.com/office/drawing/2014/main" id="{6CBE6F06-F98A-B85B-B6AA-917CBDD1C2C3}"/>
+              </a:ext>
+            </a:extLst>
+          </p:cNvPr>
+          <p:cNvPicPr>
+            <a:picLocks noChangeAspect="1" noChangeArrowheads="1"/>
+          </p:cNvPicPr>
+          <p:nvPr/>
+        </p:nvPicPr>
+        <p:blipFill>
+          <a:blip r:embed="rId4">
+            <a:extLst>
+              <a:ext uri="{28A0092B-C50C-407E-A947-70E740481C1C}">
+                <a14:useLocalDpi xmlns:a14="http://schemas.microsoft.com/office/drawing/2010/main" val="0"/>
+              </a:ext>
+            </a:extLst>
+          </a:blip>
+          <a:srcRect/>
+          <a:stretch>
+            <a:fillRect/>
+          </a:stretch>
+        </p:blipFill>
+        <p:spPr bwMode="auto">
+          <a:xfrm>
+            <a:off x="10666011" y="5262959"/>
+            <a:ext cx="1351386" cy="675693"/>
+          </a:xfrm>
+          <a:prstGeom prst="rect">
+            <a:avLst/>
+          </a:prstGeom>
+          <a:noFill/>
+          <a:extLst>
+            <a:ext uri="{909E8E84-426E-40DD-AFC4-6F175D3DCCD1}">
+              <a14:hiddenFill xmlns:a14="http://schemas.microsoft.com/office/drawing/2010/main">
+                <a:solidFill>
+                  <a:srgbClr val="FFFFFF"/>
+                </a:solidFill>
+              </a14:hiddenFill>
+            </a:ext>
+          </a:extLst>
+        </p:spPr>
+      </p:pic>
+      <p:sp>
+        <p:nvSpPr>
+          <p:cNvPr id="2" name="CuadroTexto 1">
+            <a:extLst>
+              <a:ext uri="{FF2B5EF4-FFF2-40B4-BE49-F238E27FC236}">
+                <a16:creationId xmlns:a16="http://schemas.microsoft.com/office/drawing/2014/main" id="{477BDFD5-86BF-359C-0E77-061F61200E12}"/>
+              </a:ext>
+            </a:extLst>
+          </p:cNvPr>
+          <p:cNvSpPr txBox="1"/>
+          <p:nvPr/>
+        </p:nvSpPr>
+        <p:spPr>
+          <a:xfrm>
+            <a:off x="492224" y="1783668"/>
+            <a:ext cx="9079954" cy="3970318"/>
+          </a:xfrm>
+          <a:prstGeom prst="rect">
+            <a:avLst/>
+          </a:prstGeom>
+          <a:noFill/>
+        </p:spPr>
+        <p:txBody>
+          <a:bodyPr wrap="square" rtlCol="0">
+            <a:spAutoFit/>
+          </a:bodyPr>
+          <a:lstStyle/>
+          <a:p>
+            <a:pPr marL="628650" lvl="1" indent="-171450">
+              <a:buFont typeface="Arial" panose="020B0604020202020204" pitchFamily="34" charset="0"/>
+              <a:buChar char="•"/>
+            </a:pPr>
+            <a:endParaRPr lang="es-ES" sz="1200" dirty="0">
+              <a:latin typeface="Titillium Web" panose="00000500000000000000" pitchFamily="2" charset="0"/>
+              <a:sym typeface="Wingdings" panose="05000000000000000000" pitchFamily="2" charset="2"/>
+            </a:endParaRPr>
+          </a:p>
+          <a:p>
+            <a:pPr lvl="1"/>
+            <a:endParaRPr lang="es-ES" sz="1200" dirty="0">
+              <a:solidFill>
+                <a:schemeClr val="accent3">
+                  <a:lumMod val="60000"/>
+                  <a:lumOff val="40000"/>
+                </a:schemeClr>
+              </a:solidFill>
+              <a:latin typeface="Titillium Web" panose="00000500000000000000" pitchFamily="2" charset="0"/>
+              <a:sym typeface="Wingdings" panose="05000000000000000000" pitchFamily="2" charset="2"/>
+            </a:endParaRPr>
+          </a:p>
+          <a:p>
+            <a:pPr lvl="1"/>
+            <a:r>
+              <a:rPr lang="es-ES" sz="1200" dirty="0">
+                <a:latin typeface="Titillium Web" panose="00000500000000000000" pitchFamily="2" charset="0"/>
+                <a:sym typeface="Wingdings" panose="05000000000000000000" pitchFamily="2" charset="2"/>
+              </a:rPr>
+              <a:t>Representar formatos especiales</a:t>
+            </a:r>
+          </a:p>
+          <a:p>
+            <a:pPr lvl="1"/>
+            <a:endParaRPr lang="es-ES" sz="1200" dirty="0">
+              <a:solidFill>
+                <a:schemeClr val="accent3">
+                  <a:lumMod val="60000"/>
+                  <a:lumOff val="40000"/>
+                </a:schemeClr>
+              </a:solidFill>
+              <a:latin typeface="Titillium Web" panose="00000500000000000000" pitchFamily="2" charset="0"/>
+              <a:sym typeface="Wingdings" panose="05000000000000000000" pitchFamily="2" charset="2"/>
+            </a:endParaRPr>
+          </a:p>
+          <a:p>
+            <a:pPr lvl="1"/>
+            <a:r>
+              <a:rPr lang="es-ES" sz="1200" dirty="0">
+                <a:solidFill>
+                  <a:schemeClr val="accent3">
+                    <a:lumMod val="60000"/>
+                    <a:lumOff val="40000"/>
+                  </a:schemeClr>
+                </a:solidFill>
+                <a:latin typeface="Titillium Web" panose="00000500000000000000" pitchFamily="2" charset="0"/>
+                <a:sym typeface="Wingdings" panose="05000000000000000000" pitchFamily="2" charset="2"/>
+              </a:rPr>
+              <a:t>Fechas</a:t>
+            </a:r>
+          </a:p>
+          <a:p>
+            <a:pPr lvl="1"/>
+            <a:endParaRPr lang="es-ES" sz="1200" dirty="0">
+              <a:solidFill>
+                <a:schemeClr val="accent3">
+                  <a:lumMod val="60000"/>
+                  <a:lumOff val="40000"/>
+                </a:schemeClr>
+              </a:solidFill>
+              <a:latin typeface="Titillium Web" panose="00000500000000000000" pitchFamily="2" charset="0"/>
+              <a:sym typeface="Wingdings" panose="05000000000000000000" pitchFamily="2" charset="2"/>
+            </a:endParaRPr>
+          </a:p>
+          <a:p>
+            <a:pPr lvl="1"/>
+            <a:endParaRPr lang="es-ES" sz="1200" dirty="0">
+              <a:solidFill>
+                <a:schemeClr val="accent3">
+                  <a:lumMod val="60000"/>
+                  <a:lumOff val="40000"/>
+                </a:schemeClr>
+              </a:solidFill>
+              <a:latin typeface="Titillium Web" panose="00000500000000000000" pitchFamily="2" charset="0"/>
+              <a:sym typeface="Wingdings" panose="05000000000000000000" pitchFamily="2" charset="2"/>
+            </a:endParaRPr>
+          </a:p>
+          <a:p>
+            <a:pPr lvl="1"/>
+            <a:endParaRPr lang="es-ES" sz="1200" dirty="0">
+              <a:solidFill>
+                <a:schemeClr val="accent3">
+                  <a:lumMod val="60000"/>
+                  <a:lumOff val="40000"/>
+                </a:schemeClr>
+              </a:solidFill>
+              <a:latin typeface="Titillium Web" panose="00000500000000000000" pitchFamily="2" charset="0"/>
+              <a:sym typeface="Wingdings" panose="05000000000000000000" pitchFamily="2" charset="2"/>
+            </a:endParaRPr>
+          </a:p>
+          <a:p>
+            <a:pPr lvl="1"/>
+            <a:endParaRPr lang="es-ES" sz="1200" dirty="0">
+              <a:solidFill>
+                <a:schemeClr val="accent3">
+                  <a:lumMod val="60000"/>
+                  <a:lumOff val="40000"/>
+                </a:schemeClr>
+              </a:solidFill>
+              <a:latin typeface="Titillium Web" panose="00000500000000000000" pitchFamily="2" charset="0"/>
+              <a:sym typeface="Wingdings" panose="05000000000000000000" pitchFamily="2" charset="2"/>
+            </a:endParaRPr>
+          </a:p>
+          <a:p>
+            <a:pPr lvl="1"/>
+            <a:endParaRPr lang="nb-NO" sz="1200" dirty="0">
+              <a:solidFill>
+                <a:schemeClr val="accent3">
+                  <a:lumMod val="60000"/>
+                  <a:lumOff val="40000"/>
+                </a:schemeClr>
+              </a:solidFill>
+              <a:latin typeface="Titillium Web" panose="00000500000000000000" pitchFamily="2" charset="0"/>
+              <a:sym typeface="Wingdings" panose="05000000000000000000" pitchFamily="2" charset="2"/>
+            </a:endParaRPr>
+          </a:p>
+          <a:p>
+            <a:pPr lvl="1"/>
+            <a:endParaRPr lang="nb-NO" sz="1200" dirty="0">
+              <a:solidFill>
+                <a:schemeClr val="accent3">
+                  <a:lumMod val="60000"/>
+                  <a:lumOff val="40000"/>
+                </a:schemeClr>
+              </a:solidFill>
+              <a:latin typeface="Titillium Web" panose="00000500000000000000" pitchFamily="2" charset="0"/>
+              <a:sym typeface="Wingdings" panose="05000000000000000000" pitchFamily="2" charset="2"/>
+            </a:endParaRPr>
+          </a:p>
+          <a:p>
+            <a:pPr lvl="1"/>
+            <a:endParaRPr lang="nb-NO" sz="1200" dirty="0">
+              <a:solidFill>
+                <a:schemeClr val="accent3">
+                  <a:lumMod val="60000"/>
+                  <a:lumOff val="40000"/>
+                </a:schemeClr>
+              </a:solidFill>
+              <a:latin typeface="Titillium Web" panose="00000500000000000000" pitchFamily="2" charset="0"/>
+              <a:sym typeface="Wingdings" panose="05000000000000000000" pitchFamily="2" charset="2"/>
+            </a:endParaRPr>
+          </a:p>
+          <a:p>
+            <a:pPr lvl="1"/>
+            <a:r>
+              <a:rPr lang="nb-NO" sz="1200" dirty="0">
+                <a:solidFill>
+                  <a:schemeClr val="accent3">
+                    <a:lumMod val="60000"/>
+                    <a:lumOff val="40000"/>
+                  </a:schemeClr>
+                </a:solidFill>
+                <a:latin typeface="Titillium Web" panose="00000500000000000000" pitchFamily="2" charset="0"/>
+                <a:sym typeface="Wingdings" panose="05000000000000000000" pitchFamily="2" charset="2"/>
+              </a:rPr>
+              <a:t>	</a:t>
+            </a:r>
+          </a:p>
+          <a:p>
+            <a:pPr lvl="1"/>
+            <a:endParaRPr lang="nb-NO" sz="1200" dirty="0">
+              <a:solidFill>
+                <a:schemeClr val="accent3">
+                  <a:lumMod val="60000"/>
+                  <a:lumOff val="40000"/>
+                </a:schemeClr>
+              </a:solidFill>
+              <a:latin typeface="Titillium Web" panose="00000500000000000000" pitchFamily="2" charset="0"/>
+              <a:sym typeface="Wingdings" panose="05000000000000000000" pitchFamily="2" charset="2"/>
+            </a:endParaRPr>
+          </a:p>
+          <a:p>
+            <a:pPr lvl="1"/>
+            <a:r>
+              <a:rPr lang="nb-NO" sz="1200" dirty="0">
+                <a:solidFill>
+                  <a:schemeClr val="accent3">
+                    <a:lumMod val="60000"/>
+                    <a:lumOff val="40000"/>
+                  </a:schemeClr>
+                </a:solidFill>
+                <a:latin typeface="Titillium Web" panose="00000500000000000000" pitchFamily="2" charset="0"/>
+                <a:sym typeface="Wingdings" panose="05000000000000000000" pitchFamily="2" charset="2"/>
+              </a:rPr>
+              <a:t>	</a:t>
+            </a:r>
+          </a:p>
+          <a:p>
+            <a:pPr lvl="1"/>
+            <a:r>
+              <a:rPr lang="nb-NO" sz="1200" dirty="0">
+                <a:solidFill>
+                  <a:schemeClr val="accent3">
+                    <a:lumMod val="60000"/>
+                    <a:lumOff val="40000"/>
+                  </a:schemeClr>
+                </a:solidFill>
+                <a:latin typeface="Titillium Web" panose="00000500000000000000" pitchFamily="2" charset="0"/>
+                <a:sym typeface="Wingdings" panose="05000000000000000000" pitchFamily="2" charset="2"/>
+              </a:rPr>
+              <a:t>	</a:t>
+            </a:r>
+            <a:endParaRPr lang="es-ES" sz="1200" dirty="0">
+              <a:solidFill>
+                <a:schemeClr val="accent3">
+                  <a:lumMod val="60000"/>
+                  <a:lumOff val="40000"/>
+                </a:schemeClr>
+              </a:solidFill>
+              <a:latin typeface="Titillium Web" panose="00000500000000000000" pitchFamily="2" charset="0"/>
+              <a:sym typeface="Wingdings" panose="05000000000000000000" pitchFamily="2" charset="2"/>
+            </a:endParaRPr>
+          </a:p>
+          <a:p>
+            <a:pPr lvl="1"/>
+            <a:endParaRPr lang="es-ES" sz="1200" dirty="0">
+              <a:solidFill>
+                <a:schemeClr val="accent3">
+                  <a:lumMod val="60000"/>
+                  <a:lumOff val="40000"/>
+                </a:schemeClr>
+              </a:solidFill>
+              <a:latin typeface="Titillium Web" panose="00000500000000000000" pitchFamily="2" charset="0"/>
+              <a:sym typeface="Wingdings" panose="05000000000000000000" pitchFamily="2" charset="2"/>
+            </a:endParaRPr>
+          </a:p>
+          <a:p>
+            <a:pPr lvl="1"/>
+            <a:endParaRPr lang="es-ES" sz="1200" dirty="0">
+              <a:solidFill>
+                <a:schemeClr val="accent3">
+                  <a:lumMod val="60000"/>
+                  <a:lumOff val="40000"/>
+                </a:schemeClr>
+              </a:solidFill>
+              <a:latin typeface="Titillium Web" panose="00000500000000000000" pitchFamily="2" charset="0"/>
+              <a:sym typeface="Wingdings" panose="05000000000000000000" pitchFamily="2" charset="2"/>
+            </a:endParaRPr>
+          </a:p>
+          <a:p>
+            <a:pPr lvl="1"/>
+            <a:endParaRPr lang="es-ES" sz="1200" dirty="0">
+              <a:solidFill>
+                <a:schemeClr val="accent4">
+                  <a:lumMod val="60000"/>
+                  <a:lumOff val="40000"/>
+                </a:schemeClr>
+              </a:solidFill>
+              <a:latin typeface="Titillium Web" panose="00000500000000000000" pitchFamily="2" charset="0"/>
+            </a:endParaRPr>
+          </a:p>
+          <a:p>
+            <a:pPr lvl="1"/>
+            <a:endParaRPr lang="es-ES" sz="1200" b="0" i="0" dirty="0">
+              <a:solidFill>
+                <a:schemeClr val="accent4">
+                  <a:lumMod val="60000"/>
+                  <a:lumOff val="40000"/>
+                </a:schemeClr>
+              </a:solidFill>
+              <a:effectLst/>
+              <a:latin typeface="Titillium Web" panose="00000500000000000000" pitchFamily="2" charset="0"/>
+            </a:endParaRPr>
+          </a:p>
+          <a:p>
+            <a:pPr lvl="1"/>
+            <a:endParaRPr lang="es-ES" sz="1200" b="0" i="0" dirty="0">
+              <a:solidFill>
+                <a:schemeClr val="accent4">
+                  <a:lumMod val="60000"/>
+                  <a:lumOff val="40000"/>
+                </a:schemeClr>
+              </a:solidFill>
+              <a:effectLst/>
+              <a:latin typeface="Titillium Web" panose="00000500000000000000" pitchFamily="2" charset="0"/>
+            </a:endParaRPr>
+          </a:p>
+        </p:txBody>
+      </p:sp>
+      <p:sp>
+        <p:nvSpPr>
+          <p:cNvPr id="9" name="CuadroTexto 8">
+            <a:extLst>
+              <a:ext uri="{FF2B5EF4-FFF2-40B4-BE49-F238E27FC236}">
+                <a16:creationId xmlns:a16="http://schemas.microsoft.com/office/drawing/2014/main" id="{D644B738-0737-54FD-D865-CE1CBC1311FE}"/>
+              </a:ext>
+            </a:extLst>
+          </p:cNvPr>
+          <p:cNvSpPr txBox="1"/>
+          <p:nvPr/>
+        </p:nvSpPr>
+        <p:spPr>
+          <a:xfrm>
+            <a:off x="8205186" y="254604"/>
+            <a:ext cx="6094520" cy="369332"/>
+          </a:xfrm>
+          <a:prstGeom prst="rect">
+            <a:avLst/>
+          </a:prstGeom>
+          <a:noFill/>
+        </p:spPr>
+        <p:txBody>
+          <a:bodyPr wrap="square">
+            <a:spAutoFit/>
+          </a:bodyPr>
+          <a:lstStyle/>
+          <a:p>
+            <a:pPr lvl="1"/>
+            <a:r>
+              <a:rPr lang="es-ES" sz="1800" dirty="0">
+                <a:latin typeface="Titillium Web" panose="00000500000000000000" pitchFamily="2" charset="0"/>
+                <a:sym typeface="Wingdings" panose="05000000000000000000" pitchFamily="2" charset="2"/>
+              </a:rPr>
+              <a:t>Aplicación 3: </a:t>
+            </a:r>
+            <a:r>
+              <a:rPr lang="es-ES" sz="1800" dirty="0" err="1">
+                <a:latin typeface="Titillium Web" panose="00000500000000000000" pitchFamily="2" charset="0"/>
+                <a:sym typeface="Wingdings" panose="05000000000000000000" pitchFamily="2" charset="2"/>
+              </a:rPr>
+              <a:t>DemoMVCII</a:t>
+            </a:r>
+            <a:endParaRPr lang="es-ES" sz="1800" dirty="0">
+              <a:latin typeface="Titillium Web" panose="00000500000000000000" pitchFamily="2" charset="0"/>
+              <a:sym typeface="Wingdings" panose="05000000000000000000" pitchFamily="2" charset="2"/>
+            </a:endParaRPr>
+          </a:p>
+        </p:txBody>
+      </p:sp>
+      <p:pic>
+        <p:nvPicPr>
+          <p:cNvPr id="6" name="Imagen 5">
+            <a:extLst>
+              <a:ext uri="{FF2B5EF4-FFF2-40B4-BE49-F238E27FC236}">
+                <a16:creationId xmlns:a16="http://schemas.microsoft.com/office/drawing/2014/main" id="{9F372755-6FF6-7422-6C3A-5AA1EEC3C758}"/>
+              </a:ext>
+            </a:extLst>
+          </p:cNvPr>
+          <p:cNvPicPr>
+            <a:picLocks noChangeAspect="1"/>
+          </p:cNvPicPr>
+          <p:nvPr/>
+        </p:nvPicPr>
+        <p:blipFill>
+          <a:blip r:embed="rId5"/>
+          <a:stretch>
+            <a:fillRect/>
+          </a:stretch>
+        </p:blipFill>
+        <p:spPr>
+          <a:xfrm>
+            <a:off x="1009210" y="2790011"/>
+            <a:ext cx="7033014" cy="2963975"/>
+          </a:xfrm>
+          <a:prstGeom prst="rect">
+            <a:avLst/>
+          </a:prstGeom>
+        </p:spPr>
+      </p:pic>
+    </p:spTree>
+    <p:extLst>
+      <p:ext uri="{BB962C8B-B14F-4D97-AF65-F5344CB8AC3E}">
+        <p14:creationId xmlns:p14="http://schemas.microsoft.com/office/powerpoint/2010/main" val="3432956732"/>
+      </p:ext>
+    </p:extLst>
+  </p:cSld>
+  <p:clrMapOvr>
+    <a:masterClrMapping/>
+  </p:clrMapOvr>
+</p:sld>
+</file>
+
+<file path=ppt/slides/slide22.xml><?xml version="1.0" encoding="utf-8"?>
+<p:sld xmlns:a="http://schemas.openxmlformats.org/drawingml/2006/main" xmlns:r="http://schemas.openxmlformats.org/officeDocument/2006/relationships" xmlns:p="http://schemas.openxmlformats.org/presentationml/2006/main">
+  <p:cSld>
+    <p:spTree>
+      <p:nvGrpSpPr>
+        <p:cNvPr id="1" name=""/>
+        <p:cNvGrpSpPr/>
+        <p:nvPr/>
+      </p:nvGrpSpPr>
+      <p:grpSpPr>
+        <a:xfrm>
+          <a:off x="0" y="0"/>
+          <a:ext cx="0" cy="0"/>
+          <a:chOff x="0" y="0"/>
+          <a:chExt cx="0" cy="0"/>
+        </a:xfrm>
+      </p:grpSpPr>
+      <p:pic>
+        <p:nvPicPr>
+          <p:cNvPr id="1032" name="Picture 8" descr="Nuestro Equipo">
+            <a:extLst>
+              <a:ext uri="{FF2B5EF4-FFF2-40B4-BE49-F238E27FC236}">
+                <a16:creationId xmlns:a16="http://schemas.microsoft.com/office/drawing/2014/main" id="{9948F5C4-A11B-BB63-E587-6CEB747BDDEB}"/>
+              </a:ext>
+            </a:extLst>
+          </p:cNvPr>
+          <p:cNvPicPr>
+            <a:picLocks noChangeAspect="1" noChangeArrowheads="1"/>
+          </p:cNvPicPr>
+          <p:nvPr/>
+        </p:nvPicPr>
+        <p:blipFill>
+          <a:blip r:embed="rId3">
+            <a:extLst>
+              <a:ext uri="{28A0092B-C50C-407E-A947-70E740481C1C}">
+                <a14:useLocalDpi xmlns:a14="http://schemas.microsoft.com/office/drawing/2010/main" val="0"/>
+              </a:ext>
+            </a:extLst>
+          </a:blip>
+          <a:srcRect/>
+          <a:stretch>
+            <a:fillRect/>
+          </a:stretch>
+        </p:blipFill>
+        <p:spPr bwMode="auto">
+          <a:xfrm>
+            <a:off x="11003858" y="6068461"/>
+            <a:ext cx="675692" cy="675692"/>
+          </a:xfrm>
+          <a:prstGeom prst="rect">
+            <a:avLst/>
+          </a:prstGeom>
+          <a:noFill/>
+          <a:extLst>
+            <a:ext uri="{909E8E84-426E-40DD-AFC4-6F175D3DCCD1}">
+              <a14:hiddenFill xmlns:a14="http://schemas.microsoft.com/office/drawing/2010/main">
+                <a:solidFill>
+                  <a:srgbClr val="FFFFFF"/>
+                </a:solidFill>
+              </a14:hiddenFill>
+            </a:ext>
+          </a:extLst>
+        </p:spPr>
+      </p:pic>
+      <p:sp>
+        <p:nvSpPr>
+          <p:cNvPr id="3" name="CuadroTexto 2">
+            <a:extLst>
+              <a:ext uri="{FF2B5EF4-FFF2-40B4-BE49-F238E27FC236}">
+                <a16:creationId xmlns:a16="http://schemas.microsoft.com/office/drawing/2014/main" id="{D1FA320B-398B-F9F1-38EA-BAF5DD083F19}"/>
+              </a:ext>
+            </a:extLst>
+          </p:cNvPr>
+          <p:cNvSpPr txBox="1"/>
+          <p:nvPr/>
+        </p:nvSpPr>
+        <p:spPr>
+          <a:xfrm>
+            <a:off x="1253654" y="873506"/>
+            <a:ext cx="9079954" cy="2031325"/>
+          </a:xfrm>
+          <a:prstGeom prst="rect">
+            <a:avLst/>
+          </a:prstGeom>
+          <a:noFill/>
+        </p:spPr>
+        <p:txBody>
+          <a:bodyPr wrap="square" rtlCol="0">
+            <a:spAutoFit/>
+          </a:bodyPr>
+          <a:lstStyle/>
+          <a:p>
+            <a:r>
+              <a:rPr lang="es-ES" dirty="0"/>
+              <a:t>SPRING FRAMEWORK</a:t>
+            </a:r>
+          </a:p>
+          <a:p>
+            <a:pPr lvl="1"/>
+            <a:endParaRPr lang="es-ES" sz="1200" dirty="0">
+              <a:solidFill>
+                <a:srgbClr val="FF0000"/>
+              </a:solidFill>
+              <a:latin typeface="Titillium Web" panose="00000500000000000000" pitchFamily="2" charset="0"/>
+            </a:endParaRPr>
+          </a:p>
+          <a:p>
+            <a:pPr lvl="1"/>
+            <a:endParaRPr lang="es-ES" sz="1200" dirty="0">
+              <a:solidFill>
+                <a:schemeClr val="accent4">
+                  <a:lumMod val="60000"/>
+                  <a:lumOff val="40000"/>
+                </a:schemeClr>
+              </a:solidFill>
+              <a:latin typeface="Titillium Web" panose="00000500000000000000" pitchFamily="2" charset="0"/>
+            </a:endParaRPr>
+          </a:p>
+          <a:p>
+            <a:pPr lvl="1"/>
+            <a:r>
+              <a:rPr lang="es-ES" sz="1200" dirty="0">
+                <a:solidFill>
+                  <a:schemeClr val="accent4">
+                    <a:lumMod val="60000"/>
+                    <a:lumOff val="40000"/>
+                  </a:schemeClr>
+                </a:solidFill>
+                <a:latin typeface="Titillium Web" panose="00000500000000000000" pitchFamily="2" charset="0"/>
+              </a:rPr>
+              <a:t>CONSTRUYENDO CON THYMELEAF y PLANTILLAS CSS</a:t>
+            </a:r>
+          </a:p>
+          <a:p>
+            <a:pPr lvl="1"/>
+            <a:endParaRPr lang="es-ES" sz="1200" dirty="0">
+              <a:solidFill>
+                <a:schemeClr val="accent4">
+                  <a:lumMod val="60000"/>
+                  <a:lumOff val="40000"/>
+                </a:schemeClr>
+              </a:solidFill>
+              <a:latin typeface="Titillium Web" panose="00000500000000000000" pitchFamily="2" charset="0"/>
+            </a:endParaRPr>
+          </a:p>
+          <a:p>
+            <a:pPr lvl="1"/>
+            <a:endParaRPr lang="es-ES" sz="1200" dirty="0">
+              <a:solidFill>
+                <a:schemeClr val="accent4">
+                  <a:lumMod val="60000"/>
+                  <a:lumOff val="40000"/>
+                </a:schemeClr>
+              </a:solidFill>
+            </a:endParaRPr>
+          </a:p>
+          <a:p>
+            <a:pPr lvl="1"/>
+            <a:br>
+              <a:rPr lang="es-ES" sz="1200" dirty="0">
+                <a:solidFill>
+                  <a:schemeClr val="accent4">
+                    <a:lumMod val="60000"/>
+                    <a:lumOff val="40000"/>
+                  </a:schemeClr>
+                </a:solidFill>
+              </a:rPr>
+            </a:br>
+            <a:endParaRPr lang="es-ES" sz="1200" dirty="0">
+              <a:solidFill>
+                <a:schemeClr val="accent4">
+                  <a:lumMod val="60000"/>
+                  <a:lumOff val="40000"/>
+                </a:schemeClr>
+              </a:solidFill>
+            </a:endParaRPr>
+          </a:p>
+          <a:p>
+            <a:pPr lvl="1"/>
+            <a:endParaRPr lang="es-ES" sz="1200" dirty="0">
+              <a:solidFill>
+                <a:schemeClr val="accent1">
+                  <a:lumMod val="40000"/>
+                  <a:lumOff val="60000"/>
+                </a:schemeClr>
+              </a:solidFill>
+              <a:latin typeface="Titillium Web" panose="00000500000000000000" pitchFamily="2" charset="0"/>
+            </a:endParaRPr>
+          </a:p>
+          <a:p>
+            <a:pPr lvl="1"/>
+            <a:endParaRPr lang="es-ES" sz="1200" b="0" i="0" dirty="0">
+              <a:solidFill>
+                <a:schemeClr val="accent4">
+                  <a:lumMod val="60000"/>
+                  <a:lumOff val="40000"/>
+                </a:schemeClr>
+              </a:solidFill>
+              <a:effectLst/>
+              <a:latin typeface="Titillium Web" panose="00000500000000000000" pitchFamily="2" charset="0"/>
+            </a:endParaRPr>
+          </a:p>
+        </p:txBody>
+      </p:sp>
+      <p:pic>
+        <p:nvPicPr>
+          <p:cNvPr id="5" name="Picture 2" descr="Spring | Home">
+            <a:extLst>
+              <a:ext uri="{FF2B5EF4-FFF2-40B4-BE49-F238E27FC236}">
+                <a16:creationId xmlns:a16="http://schemas.microsoft.com/office/drawing/2014/main" id="{6CBE6F06-F98A-B85B-B6AA-917CBDD1C2C3}"/>
+              </a:ext>
+            </a:extLst>
+          </p:cNvPr>
+          <p:cNvPicPr>
+            <a:picLocks noChangeAspect="1" noChangeArrowheads="1"/>
+          </p:cNvPicPr>
+          <p:nvPr/>
+        </p:nvPicPr>
+        <p:blipFill>
+          <a:blip r:embed="rId4">
+            <a:extLst>
+              <a:ext uri="{28A0092B-C50C-407E-A947-70E740481C1C}">
+                <a14:useLocalDpi xmlns:a14="http://schemas.microsoft.com/office/drawing/2010/main" val="0"/>
+              </a:ext>
+            </a:extLst>
+          </a:blip>
+          <a:srcRect/>
+          <a:stretch>
+            <a:fillRect/>
+          </a:stretch>
+        </p:blipFill>
+        <p:spPr bwMode="auto">
+          <a:xfrm>
+            <a:off x="10666011" y="5262959"/>
+            <a:ext cx="1351386" cy="675693"/>
+          </a:xfrm>
+          <a:prstGeom prst="rect">
+            <a:avLst/>
+          </a:prstGeom>
+          <a:noFill/>
+          <a:extLst>
+            <a:ext uri="{909E8E84-426E-40DD-AFC4-6F175D3DCCD1}">
+              <a14:hiddenFill xmlns:a14="http://schemas.microsoft.com/office/drawing/2010/main">
+                <a:solidFill>
+                  <a:srgbClr val="FFFFFF"/>
+                </a:solidFill>
+              </a14:hiddenFill>
+            </a:ext>
+          </a:extLst>
+        </p:spPr>
+      </p:pic>
+      <p:sp>
+        <p:nvSpPr>
+          <p:cNvPr id="2" name="CuadroTexto 1">
+            <a:extLst>
+              <a:ext uri="{FF2B5EF4-FFF2-40B4-BE49-F238E27FC236}">
+                <a16:creationId xmlns:a16="http://schemas.microsoft.com/office/drawing/2014/main" id="{477BDFD5-86BF-359C-0E77-061F61200E12}"/>
+              </a:ext>
+            </a:extLst>
+          </p:cNvPr>
+          <p:cNvSpPr txBox="1"/>
+          <p:nvPr/>
+        </p:nvSpPr>
+        <p:spPr>
+          <a:xfrm>
+            <a:off x="492224" y="1783668"/>
+            <a:ext cx="9079954" cy="4524315"/>
+          </a:xfrm>
+          <a:prstGeom prst="rect">
+            <a:avLst/>
+          </a:prstGeom>
+          <a:noFill/>
+        </p:spPr>
+        <p:txBody>
+          <a:bodyPr wrap="square" rtlCol="0">
+            <a:spAutoFit/>
+          </a:bodyPr>
+          <a:lstStyle/>
+          <a:p>
+            <a:pPr marL="628650" lvl="1" indent="-171450">
+              <a:buFont typeface="Arial" panose="020B0604020202020204" pitchFamily="34" charset="0"/>
+              <a:buChar char="•"/>
+            </a:pPr>
+            <a:endParaRPr lang="es-ES" sz="1200" dirty="0">
+              <a:latin typeface="Titillium Web" panose="00000500000000000000" pitchFamily="2" charset="0"/>
+              <a:sym typeface="Wingdings" panose="05000000000000000000" pitchFamily="2" charset="2"/>
+            </a:endParaRPr>
+          </a:p>
+          <a:p>
+            <a:pPr lvl="1"/>
+            <a:endParaRPr lang="es-ES" sz="1200" dirty="0">
+              <a:solidFill>
+                <a:schemeClr val="accent3">
+                  <a:lumMod val="60000"/>
+                  <a:lumOff val="40000"/>
+                </a:schemeClr>
+              </a:solidFill>
+              <a:latin typeface="Titillium Web" panose="00000500000000000000" pitchFamily="2" charset="0"/>
+              <a:sym typeface="Wingdings" panose="05000000000000000000" pitchFamily="2" charset="2"/>
+            </a:endParaRPr>
+          </a:p>
+          <a:p>
+            <a:pPr lvl="1"/>
+            <a:r>
+              <a:rPr lang="es-ES" sz="1200" dirty="0">
+                <a:latin typeface="Titillium Web" panose="00000500000000000000" pitchFamily="2" charset="0"/>
+                <a:sym typeface="Wingdings" panose="05000000000000000000" pitchFamily="2" charset="2"/>
+              </a:rPr>
+              <a:t>Representar formatos especiales</a:t>
+            </a:r>
+          </a:p>
+          <a:p>
+            <a:pPr lvl="1"/>
+            <a:endParaRPr lang="es-ES" sz="1200" dirty="0">
+              <a:solidFill>
+                <a:schemeClr val="accent3">
+                  <a:lumMod val="60000"/>
+                  <a:lumOff val="40000"/>
+                </a:schemeClr>
+              </a:solidFill>
+              <a:latin typeface="Titillium Web" panose="00000500000000000000" pitchFamily="2" charset="0"/>
+              <a:sym typeface="Wingdings" panose="05000000000000000000" pitchFamily="2" charset="2"/>
+            </a:endParaRPr>
+          </a:p>
+          <a:p>
+            <a:pPr lvl="1"/>
+            <a:r>
+              <a:rPr lang="es-ES" sz="1200" dirty="0">
+                <a:solidFill>
+                  <a:schemeClr val="accent3">
+                    <a:lumMod val="60000"/>
+                    <a:lumOff val="40000"/>
+                  </a:schemeClr>
+                </a:solidFill>
+                <a:latin typeface="Titillium Web" panose="00000500000000000000" pitchFamily="2" charset="0"/>
+                <a:sym typeface="Wingdings" panose="05000000000000000000" pitchFamily="2" charset="2"/>
+              </a:rPr>
+              <a:t>Calendario</a:t>
+            </a:r>
+          </a:p>
+          <a:p>
+            <a:pPr lvl="1"/>
+            <a:r>
+              <a:rPr lang="es-ES" sz="1200" dirty="0">
+                <a:solidFill>
+                  <a:schemeClr val="accent3">
+                    <a:lumMod val="60000"/>
+                    <a:lumOff val="40000"/>
+                  </a:schemeClr>
+                </a:solidFill>
+                <a:latin typeface="Titillium Web" panose="00000500000000000000" pitchFamily="2" charset="0"/>
+                <a:sym typeface="Wingdings" panose="05000000000000000000" pitchFamily="2" charset="2"/>
+              </a:rPr>
+              <a:t>Similar a Date pero con la librería de </a:t>
+            </a:r>
+            <a:r>
+              <a:rPr lang="es-ES" sz="1200" dirty="0" err="1">
+                <a:solidFill>
+                  <a:schemeClr val="accent3">
+                    <a:lumMod val="60000"/>
+                    <a:lumOff val="40000"/>
+                  </a:schemeClr>
+                </a:solidFill>
+                <a:latin typeface="Titillium Web" panose="00000500000000000000" pitchFamily="2" charset="0"/>
+                <a:sym typeface="Wingdings" panose="05000000000000000000" pitchFamily="2" charset="2"/>
+              </a:rPr>
+              <a:t>java.útil.Calendar</a:t>
+            </a:r>
+            <a:endParaRPr lang="es-ES" sz="1200" dirty="0">
+              <a:solidFill>
+                <a:schemeClr val="accent3">
+                  <a:lumMod val="60000"/>
+                  <a:lumOff val="40000"/>
+                </a:schemeClr>
+              </a:solidFill>
+              <a:latin typeface="Titillium Web" panose="00000500000000000000" pitchFamily="2" charset="0"/>
+              <a:sym typeface="Wingdings" panose="05000000000000000000" pitchFamily="2" charset="2"/>
+            </a:endParaRPr>
+          </a:p>
+          <a:p>
+            <a:pPr lvl="1"/>
+            <a:endParaRPr lang="es-ES" sz="1200" dirty="0">
+              <a:solidFill>
+                <a:schemeClr val="accent3">
+                  <a:lumMod val="60000"/>
+                  <a:lumOff val="40000"/>
+                </a:schemeClr>
+              </a:solidFill>
+              <a:latin typeface="Titillium Web" panose="00000500000000000000" pitchFamily="2" charset="0"/>
+              <a:sym typeface="Wingdings" panose="05000000000000000000" pitchFamily="2" charset="2"/>
+            </a:endParaRPr>
+          </a:p>
+          <a:p>
+            <a:pPr lvl="1"/>
+            <a:endParaRPr lang="es-ES" sz="1200" dirty="0">
+              <a:solidFill>
+                <a:schemeClr val="accent3">
+                  <a:lumMod val="60000"/>
+                  <a:lumOff val="40000"/>
+                </a:schemeClr>
+              </a:solidFill>
+              <a:latin typeface="Titillium Web" panose="00000500000000000000" pitchFamily="2" charset="0"/>
+              <a:sym typeface="Wingdings" panose="05000000000000000000" pitchFamily="2" charset="2"/>
+            </a:endParaRPr>
+          </a:p>
+          <a:p>
+            <a:pPr lvl="1"/>
+            <a:endParaRPr lang="es-ES" sz="1200" dirty="0">
+              <a:solidFill>
+                <a:schemeClr val="accent3">
+                  <a:lumMod val="60000"/>
+                  <a:lumOff val="40000"/>
+                </a:schemeClr>
+              </a:solidFill>
+              <a:latin typeface="Titillium Web" panose="00000500000000000000" pitchFamily="2" charset="0"/>
+              <a:sym typeface="Wingdings" panose="05000000000000000000" pitchFamily="2" charset="2"/>
+            </a:endParaRPr>
+          </a:p>
+          <a:p>
+            <a:pPr lvl="1"/>
+            <a:endParaRPr lang="es-ES" sz="1200" dirty="0">
+              <a:solidFill>
+                <a:schemeClr val="accent3">
+                  <a:lumMod val="60000"/>
+                  <a:lumOff val="40000"/>
+                </a:schemeClr>
+              </a:solidFill>
+              <a:latin typeface="Titillium Web" panose="00000500000000000000" pitchFamily="2" charset="0"/>
+              <a:sym typeface="Wingdings" panose="05000000000000000000" pitchFamily="2" charset="2"/>
+            </a:endParaRPr>
+          </a:p>
+          <a:p>
+            <a:pPr lvl="1"/>
+            <a:endParaRPr lang="es-ES" sz="1200" dirty="0">
+              <a:solidFill>
+                <a:schemeClr val="accent3">
+                  <a:lumMod val="60000"/>
+                  <a:lumOff val="40000"/>
+                </a:schemeClr>
+              </a:solidFill>
+              <a:latin typeface="Titillium Web" panose="00000500000000000000" pitchFamily="2" charset="0"/>
+              <a:sym typeface="Wingdings" panose="05000000000000000000" pitchFamily="2" charset="2"/>
+            </a:endParaRPr>
+          </a:p>
+          <a:p>
+            <a:pPr lvl="1"/>
+            <a:endParaRPr lang="es-ES" sz="1200" dirty="0">
+              <a:solidFill>
+                <a:schemeClr val="accent3">
+                  <a:lumMod val="60000"/>
+                  <a:lumOff val="40000"/>
+                </a:schemeClr>
+              </a:solidFill>
+              <a:latin typeface="Titillium Web" panose="00000500000000000000" pitchFamily="2" charset="0"/>
+              <a:sym typeface="Wingdings" panose="05000000000000000000" pitchFamily="2" charset="2"/>
+            </a:endParaRPr>
+          </a:p>
+          <a:p>
+            <a:pPr lvl="1"/>
+            <a:endParaRPr lang="nb-NO" sz="1200" dirty="0">
+              <a:solidFill>
+                <a:schemeClr val="accent3">
+                  <a:lumMod val="60000"/>
+                  <a:lumOff val="40000"/>
+                </a:schemeClr>
+              </a:solidFill>
+              <a:latin typeface="Titillium Web" panose="00000500000000000000" pitchFamily="2" charset="0"/>
+              <a:sym typeface="Wingdings" panose="05000000000000000000" pitchFamily="2" charset="2"/>
+            </a:endParaRPr>
+          </a:p>
+          <a:p>
+            <a:pPr lvl="1"/>
+            <a:endParaRPr lang="nb-NO" sz="1200" dirty="0">
+              <a:solidFill>
+                <a:schemeClr val="accent3">
+                  <a:lumMod val="60000"/>
+                  <a:lumOff val="40000"/>
+                </a:schemeClr>
+              </a:solidFill>
+              <a:latin typeface="Titillium Web" panose="00000500000000000000" pitchFamily="2" charset="0"/>
+              <a:sym typeface="Wingdings" panose="05000000000000000000" pitchFamily="2" charset="2"/>
+            </a:endParaRPr>
+          </a:p>
+          <a:p>
+            <a:pPr lvl="1"/>
+            <a:endParaRPr lang="nb-NO" sz="1200" dirty="0">
+              <a:solidFill>
+                <a:schemeClr val="accent3">
+                  <a:lumMod val="60000"/>
+                  <a:lumOff val="40000"/>
+                </a:schemeClr>
+              </a:solidFill>
+              <a:latin typeface="Titillium Web" panose="00000500000000000000" pitchFamily="2" charset="0"/>
+              <a:sym typeface="Wingdings" panose="05000000000000000000" pitchFamily="2" charset="2"/>
+            </a:endParaRPr>
+          </a:p>
+          <a:p>
+            <a:pPr lvl="1"/>
+            <a:r>
+              <a:rPr lang="nb-NO" sz="1200" dirty="0">
+                <a:solidFill>
+                  <a:schemeClr val="accent3">
+                    <a:lumMod val="60000"/>
+                    <a:lumOff val="40000"/>
+                  </a:schemeClr>
+                </a:solidFill>
+                <a:latin typeface="Titillium Web" panose="00000500000000000000" pitchFamily="2" charset="0"/>
+                <a:sym typeface="Wingdings" panose="05000000000000000000" pitchFamily="2" charset="2"/>
+              </a:rPr>
+              <a:t>	</a:t>
+            </a:r>
+          </a:p>
+          <a:p>
+            <a:pPr lvl="1"/>
+            <a:endParaRPr lang="nb-NO" sz="1200" dirty="0">
+              <a:solidFill>
+                <a:schemeClr val="accent3">
+                  <a:lumMod val="60000"/>
+                  <a:lumOff val="40000"/>
+                </a:schemeClr>
+              </a:solidFill>
+              <a:latin typeface="Titillium Web" panose="00000500000000000000" pitchFamily="2" charset="0"/>
+              <a:sym typeface="Wingdings" panose="05000000000000000000" pitchFamily="2" charset="2"/>
+            </a:endParaRPr>
+          </a:p>
+          <a:p>
+            <a:pPr lvl="1"/>
+            <a:r>
+              <a:rPr lang="nb-NO" sz="1200" dirty="0">
+                <a:solidFill>
+                  <a:schemeClr val="accent3">
+                    <a:lumMod val="60000"/>
+                    <a:lumOff val="40000"/>
+                  </a:schemeClr>
+                </a:solidFill>
+                <a:latin typeface="Titillium Web" panose="00000500000000000000" pitchFamily="2" charset="0"/>
+                <a:sym typeface="Wingdings" panose="05000000000000000000" pitchFamily="2" charset="2"/>
+              </a:rPr>
+              <a:t>	</a:t>
+            </a:r>
+          </a:p>
+          <a:p>
+            <a:pPr lvl="1"/>
+            <a:r>
+              <a:rPr lang="nb-NO" sz="1200" dirty="0">
+                <a:solidFill>
+                  <a:schemeClr val="accent3">
+                    <a:lumMod val="60000"/>
+                    <a:lumOff val="40000"/>
+                  </a:schemeClr>
+                </a:solidFill>
+                <a:latin typeface="Titillium Web" panose="00000500000000000000" pitchFamily="2" charset="0"/>
+                <a:sym typeface="Wingdings" panose="05000000000000000000" pitchFamily="2" charset="2"/>
+              </a:rPr>
+              <a:t>	</a:t>
+            </a:r>
+            <a:endParaRPr lang="es-ES" sz="1200" dirty="0">
+              <a:solidFill>
+                <a:schemeClr val="accent3">
+                  <a:lumMod val="60000"/>
+                  <a:lumOff val="40000"/>
+                </a:schemeClr>
+              </a:solidFill>
+              <a:latin typeface="Titillium Web" panose="00000500000000000000" pitchFamily="2" charset="0"/>
+              <a:sym typeface="Wingdings" panose="05000000000000000000" pitchFamily="2" charset="2"/>
+            </a:endParaRPr>
+          </a:p>
+          <a:p>
+            <a:pPr lvl="1"/>
+            <a:endParaRPr lang="es-ES" sz="1200" dirty="0">
+              <a:solidFill>
+                <a:schemeClr val="accent3">
+                  <a:lumMod val="60000"/>
+                  <a:lumOff val="40000"/>
+                </a:schemeClr>
+              </a:solidFill>
+              <a:latin typeface="Titillium Web" panose="00000500000000000000" pitchFamily="2" charset="0"/>
+              <a:sym typeface="Wingdings" panose="05000000000000000000" pitchFamily="2" charset="2"/>
+            </a:endParaRPr>
+          </a:p>
+          <a:p>
+            <a:pPr lvl="1"/>
+            <a:endParaRPr lang="es-ES" sz="1200" dirty="0">
+              <a:solidFill>
+                <a:schemeClr val="accent3">
+                  <a:lumMod val="60000"/>
+                  <a:lumOff val="40000"/>
+                </a:schemeClr>
+              </a:solidFill>
+              <a:latin typeface="Titillium Web" panose="00000500000000000000" pitchFamily="2" charset="0"/>
+              <a:sym typeface="Wingdings" panose="05000000000000000000" pitchFamily="2" charset="2"/>
+            </a:endParaRPr>
+          </a:p>
+          <a:p>
+            <a:pPr lvl="1"/>
+            <a:endParaRPr lang="es-ES" sz="1200" dirty="0">
+              <a:solidFill>
+                <a:schemeClr val="accent4">
+                  <a:lumMod val="60000"/>
+                  <a:lumOff val="40000"/>
+                </a:schemeClr>
+              </a:solidFill>
+              <a:latin typeface="Titillium Web" panose="00000500000000000000" pitchFamily="2" charset="0"/>
+            </a:endParaRPr>
+          </a:p>
+          <a:p>
+            <a:pPr lvl="1"/>
+            <a:endParaRPr lang="es-ES" sz="1200" b="0" i="0" dirty="0">
+              <a:solidFill>
+                <a:schemeClr val="accent4">
+                  <a:lumMod val="60000"/>
+                  <a:lumOff val="40000"/>
+                </a:schemeClr>
+              </a:solidFill>
+              <a:effectLst/>
+              <a:latin typeface="Titillium Web" panose="00000500000000000000" pitchFamily="2" charset="0"/>
+            </a:endParaRPr>
+          </a:p>
+          <a:p>
+            <a:pPr lvl="1"/>
+            <a:endParaRPr lang="es-ES" sz="1200" b="0" i="0" dirty="0">
+              <a:solidFill>
+                <a:schemeClr val="accent4">
+                  <a:lumMod val="60000"/>
+                  <a:lumOff val="40000"/>
+                </a:schemeClr>
+              </a:solidFill>
+              <a:effectLst/>
+              <a:latin typeface="Titillium Web" panose="00000500000000000000" pitchFamily="2" charset="0"/>
+            </a:endParaRPr>
+          </a:p>
+        </p:txBody>
+      </p:sp>
+      <p:sp>
+        <p:nvSpPr>
+          <p:cNvPr id="9" name="CuadroTexto 8">
+            <a:extLst>
+              <a:ext uri="{FF2B5EF4-FFF2-40B4-BE49-F238E27FC236}">
+                <a16:creationId xmlns:a16="http://schemas.microsoft.com/office/drawing/2014/main" id="{D644B738-0737-54FD-D865-CE1CBC1311FE}"/>
+              </a:ext>
+            </a:extLst>
+          </p:cNvPr>
+          <p:cNvSpPr txBox="1"/>
+          <p:nvPr/>
+        </p:nvSpPr>
+        <p:spPr>
+          <a:xfrm>
+            <a:off x="8205186" y="254604"/>
+            <a:ext cx="6094520" cy="369332"/>
+          </a:xfrm>
+          <a:prstGeom prst="rect">
+            <a:avLst/>
+          </a:prstGeom>
+          <a:noFill/>
+        </p:spPr>
+        <p:txBody>
+          <a:bodyPr wrap="square">
+            <a:spAutoFit/>
+          </a:bodyPr>
+          <a:lstStyle/>
+          <a:p>
+            <a:pPr lvl="1"/>
+            <a:r>
+              <a:rPr lang="es-ES" sz="1800" dirty="0">
+                <a:latin typeface="Titillium Web" panose="00000500000000000000" pitchFamily="2" charset="0"/>
+                <a:sym typeface="Wingdings" panose="05000000000000000000" pitchFamily="2" charset="2"/>
+              </a:rPr>
+              <a:t>Aplicación 3: </a:t>
+            </a:r>
+            <a:r>
+              <a:rPr lang="es-ES" sz="1800" dirty="0" err="1">
+                <a:latin typeface="Titillium Web" panose="00000500000000000000" pitchFamily="2" charset="0"/>
+                <a:sym typeface="Wingdings" panose="05000000000000000000" pitchFamily="2" charset="2"/>
+              </a:rPr>
+              <a:t>DemoMVCII</a:t>
+            </a:r>
+            <a:endParaRPr lang="es-ES" sz="1800" dirty="0">
+              <a:latin typeface="Titillium Web" panose="00000500000000000000" pitchFamily="2" charset="0"/>
+              <a:sym typeface="Wingdings" panose="05000000000000000000" pitchFamily="2" charset="2"/>
+            </a:endParaRPr>
+          </a:p>
+        </p:txBody>
+      </p:sp>
+      <p:pic>
+        <p:nvPicPr>
+          <p:cNvPr id="7" name="Imagen 6">
+            <a:extLst>
+              <a:ext uri="{FF2B5EF4-FFF2-40B4-BE49-F238E27FC236}">
+                <a16:creationId xmlns:a16="http://schemas.microsoft.com/office/drawing/2014/main" id="{B2112100-0470-4097-846B-F8B234785A47}"/>
+              </a:ext>
+            </a:extLst>
+          </p:cNvPr>
+          <p:cNvPicPr>
+            <a:picLocks noChangeAspect="1"/>
+          </p:cNvPicPr>
+          <p:nvPr/>
+        </p:nvPicPr>
+        <p:blipFill>
+          <a:blip r:embed="rId5"/>
+          <a:stretch>
+            <a:fillRect/>
+          </a:stretch>
+        </p:blipFill>
+        <p:spPr>
+          <a:xfrm>
+            <a:off x="4820880" y="2651176"/>
+            <a:ext cx="3644759" cy="3910462"/>
+          </a:xfrm>
+          <a:prstGeom prst="rect">
+            <a:avLst/>
+          </a:prstGeom>
+        </p:spPr>
+      </p:pic>
+    </p:spTree>
+    <p:extLst>
+      <p:ext uri="{BB962C8B-B14F-4D97-AF65-F5344CB8AC3E}">
+        <p14:creationId xmlns:p14="http://schemas.microsoft.com/office/powerpoint/2010/main" val="499312831"/>
+      </p:ext>
+    </p:extLst>
+  </p:cSld>
+  <p:clrMapOvr>
+    <a:masterClrMapping/>
+  </p:clrMapOvr>
+</p:sld>
+</file>
+
+<file path=ppt/slides/slide23.xml><?xml version="1.0" encoding="utf-8"?>
+<p:sld xmlns:a="http://schemas.openxmlformats.org/drawingml/2006/main" xmlns:r="http://schemas.openxmlformats.org/officeDocument/2006/relationships" xmlns:p="http://schemas.openxmlformats.org/presentationml/2006/main">
+  <p:cSld>
+    <p:spTree>
+      <p:nvGrpSpPr>
+        <p:cNvPr id="1" name=""/>
+        <p:cNvGrpSpPr/>
+        <p:nvPr/>
+      </p:nvGrpSpPr>
+      <p:grpSpPr>
+        <a:xfrm>
+          <a:off x="0" y="0"/>
+          <a:ext cx="0" cy="0"/>
+          <a:chOff x="0" y="0"/>
+          <a:chExt cx="0" cy="0"/>
+        </a:xfrm>
+      </p:grpSpPr>
+      <p:pic>
+        <p:nvPicPr>
+          <p:cNvPr id="1032" name="Picture 8" descr="Nuestro Equipo">
+            <a:extLst>
+              <a:ext uri="{FF2B5EF4-FFF2-40B4-BE49-F238E27FC236}">
+                <a16:creationId xmlns:a16="http://schemas.microsoft.com/office/drawing/2014/main" id="{9948F5C4-A11B-BB63-E587-6CEB747BDDEB}"/>
+              </a:ext>
+            </a:extLst>
+          </p:cNvPr>
+          <p:cNvPicPr>
+            <a:picLocks noChangeAspect="1" noChangeArrowheads="1"/>
+          </p:cNvPicPr>
+          <p:nvPr/>
+        </p:nvPicPr>
+        <p:blipFill>
+          <a:blip r:embed="rId3">
+            <a:extLst>
+              <a:ext uri="{28A0092B-C50C-407E-A947-70E740481C1C}">
+                <a14:useLocalDpi xmlns:a14="http://schemas.microsoft.com/office/drawing/2010/main" val="0"/>
+              </a:ext>
+            </a:extLst>
+          </a:blip>
+          <a:srcRect/>
+          <a:stretch>
+            <a:fillRect/>
+          </a:stretch>
+        </p:blipFill>
+        <p:spPr bwMode="auto">
+          <a:xfrm>
+            <a:off x="11003858" y="6068461"/>
+            <a:ext cx="675692" cy="675692"/>
+          </a:xfrm>
+          <a:prstGeom prst="rect">
+            <a:avLst/>
+          </a:prstGeom>
+          <a:noFill/>
+          <a:extLst>
+            <a:ext uri="{909E8E84-426E-40DD-AFC4-6F175D3DCCD1}">
+              <a14:hiddenFill xmlns:a14="http://schemas.microsoft.com/office/drawing/2010/main">
+                <a:solidFill>
+                  <a:srgbClr val="FFFFFF"/>
+                </a:solidFill>
+              </a14:hiddenFill>
+            </a:ext>
+          </a:extLst>
+        </p:spPr>
+      </p:pic>
+      <p:sp>
+        <p:nvSpPr>
+          <p:cNvPr id="3" name="CuadroTexto 2">
+            <a:extLst>
+              <a:ext uri="{FF2B5EF4-FFF2-40B4-BE49-F238E27FC236}">
+                <a16:creationId xmlns:a16="http://schemas.microsoft.com/office/drawing/2014/main" id="{D1FA320B-398B-F9F1-38EA-BAF5DD083F19}"/>
+              </a:ext>
+            </a:extLst>
+          </p:cNvPr>
+          <p:cNvSpPr txBox="1"/>
+          <p:nvPr/>
+        </p:nvSpPr>
+        <p:spPr>
+          <a:xfrm>
+            <a:off x="1253654" y="873506"/>
+            <a:ext cx="9079954" cy="2031325"/>
+          </a:xfrm>
+          <a:prstGeom prst="rect">
+            <a:avLst/>
+          </a:prstGeom>
+          <a:noFill/>
+        </p:spPr>
+        <p:txBody>
+          <a:bodyPr wrap="square" rtlCol="0">
+            <a:spAutoFit/>
+          </a:bodyPr>
+          <a:lstStyle/>
+          <a:p>
+            <a:r>
+              <a:rPr lang="es-ES" dirty="0"/>
+              <a:t>SPRING FRAMEWORK</a:t>
+            </a:r>
+          </a:p>
+          <a:p>
+            <a:pPr lvl="1"/>
+            <a:endParaRPr lang="es-ES" sz="1200" dirty="0">
+              <a:solidFill>
+                <a:srgbClr val="FF0000"/>
+              </a:solidFill>
+              <a:latin typeface="Titillium Web" panose="00000500000000000000" pitchFamily="2" charset="0"/>
+            </a:endParaRPr>
+          </a:p>
+          <a:p>
+            <a:pPr lvl="1"/>
+            <a:endParaRPr lang="es-ES" sz="1200" dirty="0">
+              <a:solidFill>
+                <a:schemeClr val="accent4">
+                  <a:lumMod val="60000"/>
+                  <a:lumOff val="40000"/>
+                </a:schemeClr>
+              </a:solidFill>
+              <a:latin typeface="Titillium Web" panose="00000500000000000000" pitchFamily="2" charset="0"/>
+            </a:endParaRPr>
+          </a:p>
+          <a:p>
+            <a:pPr lvl="1"/>
+            <a:r>
+              <a:rPr lang="es-ES" sz="1200" dirty="0">
+                <a:solidFill>
+                  <a:schemeClr val="accent4">
+                    <a:lumMod val="60000"/>
+                    <a:lumOff val="40000"/>
+                  </a:schemeClr>
+                </a:solidFill>
+                <a:latin typeface="Titillium Web" panose="00000500000000000000" pitchFamily="2" charset="0"/>
+              </a:rPr>
+              <a:t>CONSTRUYENDO CON THYMELEAF y PLANTILLAS CSS</a:t>
+            </a:r>
+          </a:p>
+          <a:p>
+            <a:pPr lvl="1"/>
+            <a:endParaRPr lang="es-ES" sz="1200" dirty="0">
+              <a:solidFill>
+                <a:schemeClr val="accent4">
+                  <a:lumMod val="60000"/>
+                  <a:lumOff val="40000"/>
+                </a:schemeClr>
+              </a:solidFill>
+              <a:latin typeface="Titillium Web" panose="00000500000000000000" pitchFamily="2" charset="0"/>
+            </a:endParaRPr>
+          </a:p>
+          <a:p>
+            <a:pPr lvl="1"/>
+            <a:endParaRPr lang="es-ES" sz="1200" dirty="0">
+              <a:solidFill>
+                <a:schemeClr val="accent4">
+                  <a:lumMod val="60000"/>
+                  <a:lumOff val="40000"/>
+                </a:schemeClr>
+              </a:solidFill>
+            </a:endParaRPr>
+          </a:p>
+          <a:p>
+            <a:pPr lvl="1"/>
+            <a:br>
+              <a:rPr lang="es-ES" sz="1200" dirty="0">
+                <a:solidFill>
+                  <a:schemeClr val="accent4">
+                    <a:lumMod val="60000"/>
+                    <a:lumOff val="40000"/>
+                  </a:schemeClr>
+                </a:solidFill>
+              </a:rPr>
+            </a:br>
+            <a:endParaRPr lang="es-ES" sz="1200" dirty="0">
+              <a:solidFill>
+                <a:schemeClr val="accent4">
+                  <a:lumMod val="60000"/>
+                  <a:lumOff val="40000"/>
+                </a:schemeClr>
+              </a:solidFill>
+            </a:endParaRPr>
+          </a:p>
+          <a:p>
+            <a:pPr lvl="1"/>
+            <a:endParaRPr lang="es-ES" sz="1200" dirty="0">
+              <a:solidFill>
+                <a:schemeClr val="accent1">
+                  <a:lumMod val="40000"/>
+                  <a:lumOff val="60000"/>
+                </a:schemeClr>
+              </a:solidFill>
+              <a:latin typeface="Titillium Web" panose="00000500000000000000" pitchFamily="2" charset="0"/>
+            </a:endParaRPr>
+          </a:p>
+          <a:p>
+            <a:pPr lvl="1"/>
+            <a:endParaRPr lang="es-ES" sz="1200" b="0" i="0" dirty="0">
+              <a:solidFill>
+                <a:schemeClr val="accent4">
+                  <a:lumMod val="60000"/>
+                  <a:lumOff val="40000"/>
+                </a:schemeClr>
+              </a:solidFill>
+              <a:effectLst/>
+              <a:latin typeface="Titillium Web" panose="00000500000000000000" pitchFamily="2" charset="0"/>
+            </a:endParaRPr>
+          </a:p>
+        </p:txBody>
+      </p:sp>
+      <p:pic>
+        <p:nvPicPr>
+          <p:cNvPr id="5" name="Picture 2" descr="Spring | Home">
+            <a:extLst>
+              <a:ext uri="{FF2B5EF4-FFF2-40B4-BE49-F238E27FC236}">
+                <a16:creationId xmlns:a16="http://schemas.microsoft.com/office/drawing/2014/main" id="{6CBE6F06-F98A-B85B-B6AA-917CBDD1C2C3}"/>
+              </a:ext>
+            </a:extLst>
+          </p:cNvPr>
+          <p:cNvPicPr>
+            <a:picLocks noChangeAspect="1" noChangeArrowheads="1"/>
+          </p:cNvPicPr>
+          <p:nvPr/>
+        </p:nvPicPr>
+        <p:blipFill>
+          <a:blip r:embed="rId4">
+            <a:extLst>
+              <a:ext uri="{28A0092B-C50C-407E-A947-70E740481C1C}">
+                <a14:useLocalDpi xmlns:a14="http://schemas.microsoft.com/office/drawing/2010/main" val="0"/>
+              </a:ext>
+            </a:extLst>
+          </a:blip>
+          <a:srcRect/>
+          <a:stretch>
+            <a:fillRect/>
+          </a:stretch>
+        </p:blipFill>
+        <p:spPr bwMode="auto">
+          <a:xfrm>
+            <a:off x="10666011" y="5262959"/>
+            <a:ext cx="1351386" cy="675693"/>
+          </a:xfrm>
+          <a:prstGeom prst="rect">
+            <a:avLst/>
+          </a:prstGeom>
+          <a:noFill/>
+          <a:extLst>
+            <a:ext uri="{909E8E84-426E-40DD-AFC4-6F175D3DCCD1}">
+              <a14:hiddenFill xmlns:a14="http://schemas.microsoft.com/office/drawing/2010/main">
+                <a:solidFill>
+                  <a:srgbClr val="FFFFFF"/>
+                </a:solidFill>
+              </a14:hiddenFill>
+            </a:ext>
+          </a:extLst>
+        </p:spPr>
+      </p:pic>
+      <p:sp>
+        <p:nvSpPr>
+          <p:cNvPr id="2" name="CuadroTexto 1">
+            <a:extLst>
+              <a:ext uri="{FF2B5EF4-FFF2-40B4-BE49-F238E27FC236}">
+                <a16:creationId xmlns:a16="http://schemas.microsoft.com/office/drawing/2014/main" id="{477BDFD5-86BF-359C-0E77-061F61200E12}"/>
+              </a:ext>
+            </a:extLst>
+          </p:cNvPr>
+          <p:cNvSpPr txBox="1"/>
+          <p:nvPr/>
+        </p:nvSpPr>
+        <p:spPr>
+          <a:xfrm>
+            <a:off x="492224" y="1783668"/>
+            <a:ext cx="9079954" cy="4524315"/>
+          </a:xfrm>
+          <a:prstGeom prst="rect">
+            <a:avLst/>
+          </a:prstGeom>
+          <a:noFill/>
+        </p:spPr>
+        <p:txBody>
+          <a:bodyPr wrap="square" rtlCol="0">
+            <a:spAutoFit/>
+          </a:bodyPr>
+          <a:lstStyle/>
+          <a:p>
+            <a:pPr marL="628650" lvl="1" indent="-171450">
+              <a:buFont typeface="Arial" panose="020B0604020202020204" pitchFamily="34" charset="0"/>
+              <a:buChar char="•"/>
+            </a:pPr>
+            <a:endParaRPr lang="es-ES" sz="1200" dirty="0">
+              <a:latin typeface="Titillium Web" panose="00000500000000000000" pitchFamily="2" charset="0"/>
+              <a:sym typeface="Wingdings" panose="05000000000000000000" pitchFamily="2" charset="2"/>
+            </a:endParaRPr>
+          </a:p>
+          <a:p>
+            <a:pPr lvl="1"/>
+            <a:endParaRPr lang="es-ES" sz="1200" dirty="0">
+              <a:solidFill>
+                <a:schemeClr val="accent3">
+                  <a:lumMod val="60000"/>
+                  <a:lumOff val="40000"/>
+                </a:schemeClr>
+              </a:solidFill>
+              <a:latin typeface="Titillium Web" panose="00000500000000000000" pitchFamily="2" charset="0"/>
+              <a:sym typeface="Wingdings" panose="05000000000000000000" pitchFamily="2" charset="2"/>
+            </a:endParaRPr>
+          </a:p>
+          <a:p>
+            <a:pPr lvl="1"/>
+            <a:r>
+              <a:rPr lang="es-ES" sz="1200" dirty="0">
+                <a:latin typeface="Titillium Web" panose="00000500000000000000" pitchFamily="2" charset="0"/>
+                <a:sym typeface="Wingdings" panose="05000000000000000000" pitchFamily="2" charset="2"/>
+              </a:rPr>
+              <a:t>Representar formatos especiales</a:t>
+            </a:r>
+          </a:p>
+          <a:p>
+            <a:pPr lvl="1"/>
+            <a:endParaRPr lang="es-ES" sz="1200" dirty="0">
+              <a:solidFill>
+                <a:schemeClr val="accent3">
+                  <a:lumMod val="60000"/>
+                  <a:lumOff val="40000"/>
+                </a:schemeClr>
+              </a:solidFill>
+              <a:latin typeface="Titillium Web" panose="00000500000000000000" pitchFamily="2" charset="0"/>
+              <a:sym typeface="Wingdings" panose="05000000000000000000" pitchFamily="2" charset="2"/>
+            </a:endParaRPr>
+          </a:p>
+          <a:p>
+            <a:pPr lvl="1"/>
+            <a:r>
+              <a:rPr lang="es-ES" sz="1200" dirty="0">
+                <a:solidFill>
+                  <a:schemeClr val="accent3">
+                    <a:lumMod val="60000"/>
+                    <a:lumOff val="40000"/>
+                  </a:schemeClr>
+                </a:solidFill>
+                <a:latin typeface="Titillium Web" panose="00000500000000000000" pitchFamily="2" charset="0"/>
+                <a:sym typeface="Wingdings" panose="05000000000000000000" pitchFamily="2" charset="2"/>
+              </a:rPr>
+              <a:t>Calendario</a:t>
+            </a:r>
+          </a:p>
+          <a:p>
+            <a:pPr lvl="1"/>
+            <a:r>
+              <a:rPr lang="es-ES" sz="1200" dirty="0">
+                <a:solidFill>
+                  <a:schemeClr val="accent3">
+                    <a:lumMod val="60000"/>
+                    <a:lumOff val="40000"/>
+                  </a:schemeClr>
+                </a:solidFill>
+                <a:latin typeface="Titillium Web" panose="00000500000000000000" pitchFamily="2" charset="0"/>
+                <a:sym typeface="Wingdings" panose="05000000000000000000" pitchFamily="2" charset="2"/>
+              </a:rPr>
+              <a:t>Similar a Date pero con la librería de </a:t>
+            </a:r>
+            <a:r>
+              <a:rPr lang="es-ES" sz="1200" dirty="0" err="1">
+                <a:solidFill>
+                  <a:schemeClr val="accent3">
+                    <a:lumMod val="60000"/>
+                    <a:lumOff val="40000"/>
+                  </a:schemeClr>
+                </a:solidFill>
+                <a:latin typeface="Titillium Web" panose="00000500000000000000" pitchFamily="2" charset="0"/>
+                <a:sym typeface="Wingdings" panose="05000000000000000000" pitchFamily="2" charset="2"/>
+              </a:rPr>
+              <a:t>java.útil.Calendar</a:t>
+            </a:r>
+            <a:endParaRPr lang="es-ES" sz="1200" dirty="0">
+              <a:solidFill>
+                <a:schemeClr val="accent3">
+                  <a:lumMod val="60000"/>
+                  <a:lumOff val="40000"/>
+                </a:schemeClr>
+              </a:solidFill>
+              <a:latin typeface="Titillium Web" panose="00000500000000000000" pitchFamily="2" charset="0"/>
+              <a:sym typeface="Wingdings" panose="05000000000000000000" pitchFamily="2" charset="2"/>
+            </a:endParaRPr>
+          </a:p>
+          <a:p>
+            <a:pPr lvl="1"/>
+            <a:endParaRPr lang="es-ES" sz="1200" dirty="0">
+              <a:solidFill>
+                <a:schemeClr val="accent3">
+                  <a:lumMod val="60000"/>
+                  <a:lumOff val="40000"/>
+                </a:schemeClr>
+              </a:solidFill>
+              <a:latin typeface="Titillium Web" panose="00000500000000000000" pitchFamily="2" charset="0"/>
+              <a:sym typeface="Wingdings" panose="05000000000000000000" pitchFamily="2" charset="2"/>
+            </a:endParaRPr>
+          </a:p>
+          <a:p>
+            <a:pPr lvl="1"/>
+            <a:endParaRPr lang="es-ES" sz="1200" dirty="0">
+              <a:solidFill>
+                <a:schemeClr val="accent3">
+                  <a:lumMod val="60000"/>
+                  <a:lumOff val="40000"/>
+                </a:schemeClr>
+              </a:solidFill>
+              <a:latin typeface="Titillium Web" panose="00000500000000000000" pitchFamily="2" charset="0"/>
+              <a:sym typeface="Wingdings" panose="05000000000000000000" pitchFamily="2" charset="2"/>
+            </a:endParaRPr>
+          </a:p>
+          <a:p>
+            <a:pPr lvl="1"/>
+            <a:endParaRPr lang="es-ES" sz="1200" dirty="0">
+              <a:solidFill>
+                <a:schemeClr val="accent3">
+                  <a:lumMod val="60000"/>
+                  <a:lumOff val="40000"/>
+                </a:schemeClr>
+              </a:solidFill>
+              <a:latin typeface="Titillium Web" panose="00000500000000000000" pitchFamily="2" charset="0"/>
+              <a:sym typeface="Wingdings" panose="05000000000000000000" pitchFamily="2" charset="2"/>
+            </a:endParaRPr>
+          </a:p>
+          <a:p>
+            <a:pPr lvl="1"/>
+            <a:endParaRPr lang="es-ES" sz="1200" dirty="0">
+              <a:solidFill>
+                <a:schemeClr val="accent3">
+                  <a:lumMod val="60000"/>
+                  <a:lumOff val="40000"/>
+                </a:schemeClr>
+              </a:solidFill>
+              <a:latin typeface="Titillium Web" panose="00000500000000000000" pitchFamily="2" charset="0"/>
+              <a:sym typeface="Wingdings" panose="05000000000000000000" pitchFamily="2" charset="2"/>
+            </a:endParaRPr>
+          </a:p>
+          <a:p>
+            <a:pPr lvl="1"/>
+            <a:endParaRPr lang="es-ES" sz="1200" dirty="0">
+              <a:solidFill>
+                <a:schemeClr val="accent3">
+                  <a:lumMod val="60000"/>
+                  <a:lumOff val="40000"/>
+                </a:schemeClr>
+              </a:solidFill>
+              <a:latin typeface="Titillium Web" panose="00000500000000000000" pitchFamily="2" charset="0"/>
+              <a:sym typeface="Wingdings" panose="05000000000000000000" pitchFamily="2" charset="2"/>
+            </a:endParaRPr>
+          </a:p>
+          <a:p>
+            <a:pPr lvl="1"/>
+            <a:endParaRPr lang="es-ES" sz="1200" dirty="0">
+              <a:solidFill>
+                <a:schemeClr val="accent3">
+                  <a:lumMod val="60000"/>
+                  <a:lumOff val="40000"/>
+                </a:schemeClr>
+              </a:solidFill>
+              <a:latin typeface="Titillium Web" panose="00000500000000000000" pitchFamily="2" charset="0"/>
+              <a:sym typeface="Wingdings" panose="05000000000000000000" pitchFamily="2" charset="2"/>
+            </a:endParaRPr>
+          </a:p>
+          <a:p>
+            <a:pPr lvl="1"/>
+            <a:endParaRPr lang="nb-NO" sz="1200" dirty="0">
+              <a:solidFill>
+                <a:schemeClr val="accent3">
+                  <a:lumMod val="60000"/>
+                  <a:lumOff val="40000"/>
+                </a:schemeClr>
+              </a:solidFill>
+              <a:latin typeface="Titillium Web" panose="00000500000000000000" pitchFamily="2" charset="0"/>
+              <a:sym typeface="Wingdings" panose="05000000000000000000" pitchFamily="2" charset="2"/>
+            </a:endParaRPr>
+          </a:p>
+          <a:p>
+            <a:pPr lvl="1"/>
+            <a:endParaRPr lang="nb-NO" sz="1200" dirty="0">
+              <a:solidFill>
+                <a:schemeClr val="accent3">
+                  <a:lumMod val="60000"/>
+                  <a:lumOff val="40000"/>
+                </a:schemeClr>
+              </a:solidFill>
+              <a:latin typeface="Titillium Web" panose="00000500000000000000" pitchFamily="2" charset="0"/>
+              <a:sym typeface="Wingdings" panose="05000000000000000000" pitchFamily="2" charset="2"/>
+            </a:endParaRPr>
+          </a:p>
+          <a:p>
+            <a:pPr lvl="1"/>
+            <a:endParaRPr lang="nb-NO" sz="1200" dirty="0">
+              <a:solidFill>
+                <a:schemeClr val="accent3">
+                  <a:lumMod val="60000"/>
+                  <a:lumOff val="40000"/>
+                </a:schemeClr>
+              </a:solidFill>
+              <a:latin typeface="Titillium Web" panose="00000500000000000000" pitchFamily="2" charset="0"/>
+              <a:sym typeface="Wingdings" panose="05000000000000000000" pitchFamily="2" charset="2"/>
+            </a:endParaRPr>
+          </a:p>
+          <a:p>
+            <a:pPr lvl="1"/>
+            <a:r>
+              <a:rPr lang="nb-NO" sz="1200" dirty="0">
+                <a:solidFill>
+                  <a:schemeClr val="accent3">
+                    <a:lumMod val="60000"/>
+                    <a:lumOff val="40000"/>
+                  </a:schemeClr>
+                </a:solidFill>
+                <a:latin typeface="Titillium Web" panose="00000500000000000000" pitchFamily="2" charset="0"/>
+                <a:sym typeface="Wingdings" panose="05000000000000000000" pitchFamily="2" charset="2"/>
+              </a:rPr>
+              <a:t>	</a:t>
+            </a:r>
+          </a:p>
+          <a:p>
+            <a:pPr lvl="1"/>
+            <a:endParaRPr lang="nb-NO" sz="1200" dirty="0">
+              <a:solidFill>
+                <a:schemeClr val="accent3">
+                  <a:lumMod val="60000"/>
+                  <a:lumOff val="40000"/>
+                </a:schemeClr>
+              </a:solidFill>
+              <a:latin typeface="Titillium Web" panose="00000500000000000000" pitchFamily="2" charset="0"/>
+              <a:sym typeface="Wingdings" panose="05000000000000000000" pitchFamily="2" charset="2"/>
+            </a:endParaRPr>
+          </a:p>
+          <a:p>
+            <a:pPr lvl="1"/>
+            <a:r>
+              <a:rPr lang="nb-NO" sz="1200" dirty="0">
+                <a:solidFill>
+                  <a:schemeClr val="accent3">
+                    <a:lumMod val="60000"/>
+                    <a:lumOff val="40000"/>
+                  </a:schemeClr>
+                </a:solidFill>
+                <a:latin typeface="Titillium Web" panose="00000500000000000000" pitchFamily="2" charset="0"/>
+                <a:sym typeface="Wingdings" panose="05000000000000000000" pitchFamily="2" charset="2"/>
+              </a:rPr>
+              <a:t>	</a:t>
+            </a:r>
+          </a:p>
+          <a:p>
+            <a:pPr lvl="1"/>
+            <a:r>
+              <a:rPr lang="nb-NO" sz="1200" dirty="0">
+                <a:solidFill>
+                  <a:schemeClr val="accent3">
+                    <a:lumMod val="60000"/>
+                    <a:lumOff val="40000"/>
+                  </a:schemeClr>
+                </a:solidFill>
+                <a:latin typeface="Titillium Web" panose="00000500000000000000" pitchFamily="2" charset="0"/>
+                <a:sym typeface="Wingdings" panose="05000000000000000000" pitchFamily="2" charset="2"/>
+              </a:rPr>
+              <a:t>	</a:t>
+            </a:r>
+            <a:endParaRPr lang="es-ES" sz="1200" dirty="0">
+              <a:solidFill>
+                <a:schemeClr val="accent3">
+                  <a:lumMod val="60000"/>
+                  <a:lumOff val="40000"/>
+                </a:schemeClr>
+              </a:solidFill>
+              <a:latin typeface="Titillium Web" panose="00000500000000000000" pitchFamily="2" charset="0"/>
+              <a:sym typeface="Wingdings" panose="05000000000000000000" pitchFamily="2" charset="2"/>
+            </a:endParaRPr>
+          </a:p>
+          <a:p>
+            <a:pPr lvl="1"/>
+            <a:endParaRPr lang="es-ES" sz="1200" dirty="0">
+              <a:solidFill>
+                <a:schemeClr val="accent3">
+                  <a:lumMod val="60000"/>
+                  <a:lumOff val="40000"/>
+                </a:schemeClr>
+              </a:solidFill>
+              <a:latin typeface="Titillium Web" panose="00000500000000000000" pitchFamily="2" charset="0"/>
+              <a:sym typeface="Wingdings" panose="05000000000000000000" pitchFamily="2" charset="2"/>
+            </a:endParaRPr>
+          </a:p>
+          <a:p>
+            <a:pPr lvl="1"/>
+            <a:endParaRPr lang="es-ES" sz="1200" dirty="0">
+              <a:solidFill>
+                <a:schemeClr val="accent3">
+                  <a:lumMod val="60000"/>
+                  <a:lumOff val="40000"/>
+                </a:schemeClr>
+              </a:solidFill>
+              <a:latin typeface="Titillium Web" panose="00000500000000000000" pitchFamily="2" charset="0"/>
+              <a:sym typeface="Wingdings" panose="05000000000000000000" pitchFamily="2" charset="2"/>
+            </a:endParaRPr>
+          </a:p>
+          <a:p>
+            <a:pPr lvl="1"/>
+            <a:endParaRPr lang="es-ES" sz="1200" dirty="0">
+              <a:solidFill>
+                <a:schemeClr val="accent4">
+                  <a:lumMod val="60000"/>
+                  <a:lumOff val="40000"/>
+                </a:schemeClr>
+              </a:solidFill>
+              <a:latin typeface="Titillium Web" panose="00000500000000000000" pitchFamily="2" charset="0"/>
+            </a:endParaRPr>
+          </a:p>
+          <a:p>
+            <a:pPr lvl="1"/>
+            <a:endParaRPr lang="es-ES" sz="1200" b="0" i="0" dirty="0">
+              <a:solidFill>
+                <a:schemeClr val="accent4">
+                  <a:lumMod val="60000"/>
+                  <a:lumOff val="40000"/>
+                </a:schemeClr>
+              </a:solidFill>
+              <a:effectLst/>
+              <a:latin typeface="Titillium Web" panose="00000500000000000000" pitchFamily="2" charset="0"/>
+            </a:endParaRPr>
+          </a:p>
+          <a:p>
+            <a:pPr lvl="1"/>
+            <a:endParaRPr lang="es-ES" sz="1200" b="0" i="0" dirty="0">
+              <a:solidFill>
+                <a:schemeClr val="accent4">
+                  <a:lumMod val="60000"/>
+                  <a:lumOff val="40000"/>
+                </a:schemeClr>
+              </a:solidFill>
+              <a:effectLst/>
+              <a:latin typeface="Titillium Web" panose="00000500000000000000" pitchFamily="2" charset="0"/>
+            </a:endParaRPr>
+          </a:p>
+        </p:txBody>
+      </p:sp>
+      <p:sp>
+        <p:nvSpPr>
+          <p:cNvPr id="9" name="CuadroTexto 8">
+            <a:extLst>
+              <a:ext uri="{FF2B5EF4-FFF2-40B4-BE49-F238E27FC236}">
+                <a16:creationId xmlns:a16="http://schemas.microsoft.com/office/drawing/2014/main" id="{D644B738-0737-54FD-D865-CE1CBC1311FE}"/>
+              </a:ext>
+            </a:extLst>
+          </p:cNvPr>
+          <p:cNvSpPr txBox="1"/>
+          <p:nvPr/>
+        </p:nvSpPr>
+        <p:spPr>
+          <a:xfrm>
+            <a:off x="8205186" y="254604"/>
+            <a:ext cx="6094520" cy="369332"/>
+          </a:xfrm>
+          <a:prstGeom prst="rect">
+            <a:avLst/>
+          </a:prstGeom>
+          <a:noFill/>
+        </p:spPr>
+        <p:txBody>
+          <a:bodyPr wrap="square">
+            <a:spAutoFit/>
+          </a:bodyPr>
+          <a:lstStyle/>
+          <a:p>
+            <a:pPr lvl="1"/>
+            <a:r>
+              <a:rPr lang="es-ES" sz="1800" dirty="0">
+                <a:latin typeface="Titillium Web" panose="00000500000000000000" pitchFamily="2" charset="0"/>
+                <a:sym typeface="Wingdings" panose="05000000000000000000" pitchFamily="2" charset="2"/>
+              </a:rPr>
+              <a:t>Aplicación 3: </a:t>
+            </a:r>
+            <a:r>
+              <a:rPr lang="es-ES" sz="1800" dirty="0" err="1">
+                <a:latin typeface="Titillium Web" panose="00000500000000000000" pitchFamily="2" charset="0"/>
+                <a:sym typeface="Wingdings" panose="05000000000000000000" pitchFamily="2" charset="2"/>
+              </a:rPr>
+              <a:t>DemoMVCII</a:t>
+            </a:r>
+            <a:endParaRPr lang="es-ES" sz="1800" dirty="0">
+              <a:latin typeface="Titillium Web" panose="00000500000000000000" pitchFamily="2" charset="0"/>
+              <a:sym typeface="Wingdings" panose="05000000000000000000" pitchFamily="2" charset="2"/>
+            </a:endParaRPr>
+          </a:p>
+        </p:txBody>
+      </p:sp>
+      <p:pic>
+        <p:nvPicPr>
+          <p:cNvPr id="6" name="Imagen 5">
+            <a:extLst>
+              <a:ext uri="{FF2B5EF4-FFF2-40B4-BE49-F238E27FC236}">
+                <a16:creationId xmlns:a16="http://schemas.microsoft.com/office/drawing/2014/main" id="{5E2DA94B-2DEC-654A-8A0C-2BEF942B2705}"/>
+              </a:ext>
+            </a:extLst>
+          </p:cNvPr>
+          <p:cNvPicPr>
+            <a:picLocks noChangeAspect="1"/>
+          </p:cNvPicPr>
+          <p:nvPr/>
+        </p:nvPicPr>
+        <p:blipFill>
+          <a:blip r:embed="rId5"/>
+          <a:stretch>
+            <a:fillRect/>
+          </a:stretch>
+        </p:blipFill>
+        <p:spPr>
+          <a:xfrm>
+            <a:off x="5124260" y="2731319"/>
+            <a:ext cx="4110385" cy="3754250"/>
+          </a:xfrm>
+          <a:prstGeom prst="rect">
+            <a:avLst/>
+          </a:prstGeom>
+        </p:spPr>
+      </p:pic>
+    </p:spTree>
+    <p:extLst>
+      <p:ext uri="{BB962C8B-B14F-4D97-AF65-F5344CB8AC3E}">
+        <p14:creationId xmlns:p14="http://schemas.microsoft.com/office/powerpoint/2010/main" val="3867995281"/>
+      </p:ext>
+    </p:extLst>
+  </p:cSld>
+  <p:clrMapOvr>
+    <a:masterClrMapping/>
+  </p:clrMapOvr>
+</p:sld>
+</file>
+
+<file path=ppt/slides/slide24.xml><?xml version="1.0" encoding="utf-8"?>
+<p:sld xmlns:a="http://schemas.openxmlformats.org/drawingml/2006/main" xmlns:r="http://schemas.openxmlformats.org/officeDocument/2006/relationships" xmlns:p="http://schemas.openxmlformats.org/presentationml/2006/main">
+  <p:cSld>
+    <p:spTree>
+      <p:nvGrpSpPr>
+        <p:cNvPr id="1" name=""/>
+        <p:cNvGrpSpPr/>
+        <p:nvPr/>
+      </p:nvGrpSpPr>
+      <p:grpSpPr>
+        <a:xfrm>
+          <a:off x="0" y="0"/>
+          <a:ext cx="0" cy="0"/>
+          <a:chOff x="0" y="0"/>
+          <a:chExt cx="0" cy="0"/>
+        </a:xfrm>
+      </p:grpSpPr>
+      <p:pic>
+        <p:nvPicPr>
+          <p:cNvPr id="1032" name="Picture 8" descr="Nuestro Equipo">
+            <a:extLst>
+              <a:ext uri="{FF2B5EF4-FFF2-40B4-BE49-F238E27FC236}">
+                <a16:creationId xmlns:a16="http://schemas.microsoft.com/office/drawing/2014/main" id="{9948F5C4-A11B-BB63-E587-6CEB747BDDEB}"/>
+              </a:ext>
+            </a:extLst>
+          </p:cNvPr>
+          <p:cNvPicPr>
+            <a:picLocks noChangeAspect="1" noChangeArrowheads="1"/>
+          </p:cNvPicPr>
+          <p:nvPr/>
+        </p:nvPicPr>
+        <p:blipFill>
+          <a:blip r:embed="rId3">
+            <a:extLst>
+              <a:ext uri="{28A0092B-C50C-407E-A947-70E740481C1C}">
+                <a14:useLocalDpi xmlns:a14="http://schemas.microsoft.com/office/drawing/2010/main" val="0"/>
+              </a:ext>
+            </a:extLst>
+          </a:blip>
+          <a:srcRect/>
+          <a:stretch>
+            <a:fillRect/>
+          </a:stretch>
+        </p:blipFill>
+        <p:spPr bwMode="auto">
+          <a:xfrm>
+            <a:off x="11003858" y="6068461"/>
+            <a:ext cx="675692" cy="675692"/>
+          </a:xfrm>
+          <a:prstGeom prst="rect">
+            <a:avLst/>
+          </a:prstGeom>
+          <a:noFill/>
+          <a:extLst>
+            <a:ext uri="{909E8E84-426E-40DD-AFC4-6F175D3DCCD1}">
+              <a14:hiddenFill xmlns:a14="http://schemas.microsoft.com/office/drawing/2010/main">
+                <a:solidFill>
+                  <a:srgbClr val="FFFFFF"/>
+                </a:solidFill>
+              </a14:hiddenFill>
+            </a:ext>
+          </a:extLst>
+        </p:spPr>
+      </p:pic>
+      <p:sp>
+        <p:nvSpPr>
+          <p:cNvPr id="3" name="CuadroTexto 2">
+            <a:extLst>
+              <a:ext uri="{FF2B5EF4-FFF2-40B4-BE49-F238E27FC236}">
+                <a16:creationId xmlns:a16="http://schemas.microsoft.com/office/drawing/2014/main" id="{D1FA320B-398B-F9F1-38EA-BAF5DD083F19}"/>
+              </a:ext>
+            </a:extLst>
+          </p:cNvPr>
+          <p:cNvSpPr txBox="1"/>
+          <p:nvPr/>
+        </p:nvSpPr>
+        <p:spPr>
+          <a:xfrm>
+            <a:off x="1253654" y="873506"/>
+            <a:ext cx="9079954" cy="2031325"/>
+          </a:xfrm>
+          <a:prstGeom prst="rect">
+            <a:avLst/>
+          </a:prstGeom>
+          <a:noFill/>
+        </p:spPr>
+        <p:txBody>
+          <a:bodyPr wrap="square" rtlCol="0">
+            <a:spAutoFit/>
+          </a:bodyPr>
+          <a:lstStyle/>
+          <a:p>
+            <a:r>
+              <a:rPr lang="es-ES" dirty="0"/>
+              <a:t>SPRING FRAMEWORK</a:t>
+            </a:r>
+          </a:p>
+          <a:p>
+            <a:pPr lvl="1"/>
+            <a:endParaRPr lang="es-ES" sz="1200" dirty="0">
+              <a:solidFill>
+                <a:srgbClr val="FF0000"/>
+              </a:solidFill>
+              <a:latin typeface="Titillium Web" panose="00000500000000000000" pitchFamily="2" charset="0"/>
+            </a:endParaRPr>
+          </a:p>
+          <a:p>
+            <a:pPr lvl="1"/>
+            <a:endParaRPr lang="es-ES" sz="1200" dirty="0">
+              <a:solidFill>
+                <a:schemeClr val="accent4">
+                  <a:lumMod val="60000"/>
+                  <a:lumOff val="40000"/>
+                </a:schemeClr>
+              </a:solidFill>
+              <a:latin typeface="Titillium Web" panose="00000500000000000000" pitchFamily="2" charset="0"/>
+            </a:endParaRPr>
+          </a:p>
+          <a:p>
+            <a:pPr lvl="1"/>
+            <a:r>
+              <a:rPr lang="es-ES" sz="1200" dirty="0">
+                <a:solidFill>
+                  <a:schemeClr val="accent4">
+                    <a:lumMod val="60000"/>
+                    <a:lumOff val="40000"/>
+                  </a:schemeClr>
+                </a:solidFill>
+                <a:latin typeface="Titillium Web" panose="00000500000000000000" pitchFamily="2" charset="0"/>
+              </a:rPr>
+              <a:t>CONSTRUYENDO CON THYMELEAF y PLANTILLAS CSS</a:t>
+            </a:r>
+          </a:p>
+          <a:p>
+            <a:pPr lvl="1"/>
+            <a:endParaRPr lang="es-ES" sz="1200" dirty="0">
+              <a:solidFill>
+                <a:schemeClr val="accent4">
+                  <a:lumMod val="60000"/>
+                  <a:lumOff val="40000"/>
+                </a:schemeClr>
+              </a:solidFill>
+              <a:latin typeface="Titillium Web" panose="00000500000000000000" pitchFamily="2" charset="0"/>
+            </a:endParaRPr>
+          </a:p>
+          <a:p>
+            <a:pPr lvl="1"/>
+            <a:endParaRPr lang="es-ES" sz="1200" dirty="0">
+              <a:solidFill>
+                <a:schemeClr val="accent4">
+                  <a:lumMod val="60000"/>
+                  <a:lumOff val="40000"/>
+                </a:schemeClr>
+              </a:solidFill>
+            </a:endParaRPr>
+          </a:p>
+          <a:p>
+            <a:pPr lvl="1"/>
+            <a:br>
+              <a:rPr lang="es-ES" sz="1200" dirty="0">
+                <a:solidFill>
+                  <a:schemeClr val="accent4">
+                    <a:lumMod val="60000"/>
+                    <a:lumOff val="40000"/>
+                  </a:schemeClr>
+                </a:solidFill>
+              </a:rPr>
+            </a:br>
+            <a:endParaRPr lang="es-ES" sz="1200" dirty="0">
+              <a:solidFill>
+                <a:schemeClr val="accent4">
+                  <a:lumMod val="60000"/>
+                  <a:lumOff val="40000"/>
+                </a:schemeClr>
+              </a:solidFill>
+            </a:endParaRPr>
+          </a:p>
+          <a:p>
+            <a:pPr lvl="1"/>
+            <a:endParaRPr lang="es-ES" sz="1200" dirty="0">
+              <a:solidFill>
+                <a:schemeClr val="accent1">
+                  <a:lumMod val="40000"/>
+                  <a:lumOff val="60000"/>
+                </a:schemeClr>
+              </a:solidFill>
+              <a:latin typeface="Titillium Web" panose="00000500000000000000" pitchFamily="2" charset="0"/>
+            </a:endParaRPr>
+          </a:p>
+          <a:p>
+            <a:pPr lvl="1"/>
+            <a:endParaRPr lang="es-ES" sz="1200" b="0" i="0" dirty="0">
+              <a:solidFill>
+                <a:schemeClr val="accent4">
+                  <a:lumMod val="60000"/>
+                  <a:lumOff val="40000"/>
+                </a:schemeClr>
+              </a:solidFill>
+              <a:effectLst/>
+              <a:latin typeface="Titillium Web" panose="00000500000000000000" pitchFamily="2" charset="0"/>
+            </a:endParaRPr>
+          </a:p>
+        </p:txBody>
+      </p:sp>
+      <p:pic>
+        <p:nvPicPr>
+          <p:cNvPr id="5" name="Picture 2" descr="Spring | Home">
+            <a:extLst>
+              <a:ext uri="{FF2B5EF4-FFF2-40B4-BE49-F238E27FC236}">
+                <a16:creationId xmlns:a16="http://schemas.microsoft.com/office/drawing/2014/main" id="{6CBE6F06-F98A-B85B-B6AA-917CBDD1C2C3}"/>
+              </a:ext>
+            </a:extLst>
+          </p:cNvPr>
+          <p:cNvPicPr>
+            <a:picLocks noChangeAspect="1" noChangeArrowheads="1"/>
+          </p:cNvPicPr>
+          <p:nvPr/>
+        </p:nvPicPr>
+        <p:blipFill>
+          <a:blip r:embed="rId4">
+            <a:extLst>
+              <a:ext uri="{28A0092B-C50C-407E-A947-70E740481C1C}">
+                <a14:useLocalDpi xmlns:a14="http://schemas.microsoft.com/office/drawing/2010/main" val="0"/>
+              </a:ext>
+            </a:extLst>
+          </a:blip>
+          <a:srcRect/>
+          <a:stretch>
+            <a:fillRect/>
+          </a:stretch>
+        </p:blipFill>
+        <p:spPr bwMode="auto">
+          <a:xfrm>
+            <a:off x="10666011" y="5262959"/>
+            <a:ext cx="1351386" cy="675693"/>
+          </a:xfrm>
+          <a:prstGeom prst="rect">
+            <a:avLst/>
+          </a:prstGeom>
+          <a:noFill/>
+          <a:extLst>
+            <a:ext uri="{909E8E84-426E-40DD-AFC4-6F175D3DCCD1}">
+              <a14:hiddenFill xmlns:a14="http://schemas.microsoft.com/office/drawing/2010/main">
+                <a:solidFill>
+                  <a:srgbClr val="FFFFFF"/>
+                </a:solidFill>
+              </a14:hiddenFill>
+            </a:ext>
+          </a:extLst>
+        </p:spPr>
+      </p:pic>
+      <p:sp>
+        <p:nvSpPr>
+          <p:cNvPr id="2" name="CuadroTexto 1">
+            <a:extLst>
+              <a:ext uri="{FF2B5EF4-FFF2-40B4-BE49-F238E27FC236}">
+                <a16:creationId xmlns:a16="http://schemas.microsoft.com/office/drawing/2014/main" id="{477BDFD5-86BF-359C-0E77-061F61200E12}"/>
+              </a:ext>
+            </a:extLst>
+          </p:cNvPr>
+          <p:cNvSpPr txBox="1"/>
+          <p:nvPr/>
+        </p:nvSpPr>
+        <p:spPr>
+          <a:xfrm>
+            <a:off x="512450" y="1881992"/>
+            <a:ext cx="9079954" cy="4154984"/>
+          </a:xfrm>
+          <a:prstGeom prst="rect">
+            <a:avLst/>
+          </a:prstGeom>
+          <a:noFill/>
+        </p:spPr>
+        <p:txBody>
+          <a:bodyPr wrap="square" rtlCol="0">
+            <a:spAutoFit/>
+          </a:bodyPr>
+          <a:lstStyle/>
+          <a:p>
+            <a:pPr marL="628650" lvl="1" indent="-171450">
+              <a:buFont typeface="Arial" panose="020B0604020202020204" pitchFamily="34" charset="0"/>
+              <a:buChar char="•"/>
+            </a:pPr>
+            <a:endParaRPr lang="es-ES" sz="1200" dirty="0">
+              <a:latin typeface="Titillium Web" panose="00000500000000000000" pitchFamily="2" charset="0"/>
+              <a:sym typeface="Wingdings" panose="05000000000000000000" pitchFamily="2" charset="2"/>
+            </a:endParaRPr>
+          </a:p>
+          <a:p>
+            <a:pPr lvl="1"/>
+            <a:endParaRPr lang="es-ES" sz="1200" dirty="0">
+              <a:solidFill>
+                <a:schemeClr val="accent3">
+                  <a:lumMod val="60000"/>
+                  <a:lumOff val="40000"/>
+                </a:schemeClr>
+              </a:solidFill>
+              <a:latin typeface="Titillium Web" panose="00000500000000000000" pitchFamily="2" charset="0"/>
+              <a:sym typeface="Wingdings" panose="05000000000000000000" pitchFamily="2" charset="2"/>
+            </a:endParaRPr>
+          </a:p>
+          <a:p>
+            <a:pPr lvl="1"/>
+            <a:r>
+              <a:rPr lang="es-ES" sz="1200" dirty="0">
+                <a:latin typeface="Titillium Web" panose="00000500000000000000" pitchFamily="2" charset="0"/>
+                <a:sym typeface="Wingdings" panose="05000000000000000000" pitchFamily="2" charset="2"/>
+              </a:rPr>
+              <a:t>Representar formatos especiales</a:t>
+            </a:r>
+          </a:p>
+          <a:p>
+            <a:pPr lvl="1"/>
+            <a:endParaRPr lang="es-ES" sz="1200" dirty="0">
+              <a:solidFill>
+                <a:schemeClr val="accent3">
+                  <a:lumMod val="60000"/>
+                  <a:lumOff val="40000"/>
+                </a:schemeClr>
+              </a:solidFill>
+              <a:latin typeface="Titillium Web" panose="00000500000000000000" pitchFamily="2" charset="0"/>
+              <a:sym typeface="Wingdings" panose="05000000000000000000" pitchFamily="2" charset="2"/>
+            </a:endParaRPr>
+          </a:p>
+          <a:p>
+            <a:pPr lvl="1"/>
+            <a:r>
+              <a:rPr lang="es-ES" sz="1200" dirty="0">
+                <a:solidFill>
+                  <a:schemeClr val="accent3">
+                    <a:lumMod val="60000"/>
+                    <a:lumOff val="40000"/>
+                  </a:schemeClr>
+                </a:solidFill>
+                <a:latin typeface="Titillium Web" panose="00000500000000000000" pitchFamily="2" charset="0"/>
+                <a:sym typeface="Wingdings" panose="05000000000000000000" pitchFamily="2" charset="2"/>
+              </a:rPr>
+              <a:t>Números</a:t>
+            </a:r>
+          </a:p>
+          <a:p>
+            <a:pPr lvl="1"/>
+            <a:endParaRPr lang="es-ES" sz="1200" dirty="0">
+              <a:solidFill>
+                <a:schemeClr val="accent3">
+                  <a:lumMod val="60000"/>
+                  <a:lumOff val="40000"/>
+                </a:schemeClr>
+              </a:solidFill>
+              <a:latin typeface="Titillium Web" panose="00000500000000000000" pitchFamily="2" charset="0"/>
+              <a:sym typeface="Wingdings" panose="05000000000000000000" pitchFamily="2" charset="2"/>
+            </a:endParaRPr>
+          </a:p>
+          <a:p>
+            <a:pPr lvl="1"/>
+            <a:endParaRPr lang="es-ES" sz="1200" dirty="0">
+              <a:solidFill>
+                <a:schemeClr val="accent3">
+                  <a:lumMod val="60000"/>
+                  <a:lumOff val="40000"/>
+                </a:schemeClr>
+              </a:solidFill>
+              <a:latin typeface="Titillium Web" panose="00000500000000000000" pitchFamily="2" charset="0"/>
+              <a:sym typeface="Wingdings" panose="05000000000000000000" pitchFamily="2" charset="2"/>
+            </a:endParaRPr>
+          </a:p>
+          <a:p>
+            <a:pPr lvl="1"/>
+            <a:endParaRPr lang="es-ES" sz="1200" dirty="0">
+              <a:solidFill>
+                <a:schemeClr val="accent3">
+                  <a:lumMod val="60000"/>
+                  <a:lumOff val="40000"/>
+                </a:schemeClr>
+              </a:solidFill>
+              <a:latin typeface="Titillium Web" panose="00000500000000000000" pitchFamily="2" charset="0"/>
+              <a:sym typeface="Wingdings" panose="05000000000000000000" pitchFamily="2" charset="2"/>
+            </a:endParaRPr>
+          </a:p>
+          <a:p>
+            <a:pPr lvl="1"/>
+            <a:endParaRPr lang="es-ES" sz="1200" dirty="0">
+              <a:solidFill>
+                <a:schemeClr val="accent3">
+                  <a:lumMod val="60000"/>
+                  <a:lumOff val="40000"/>
+                </a:schemeClr>
+              </a:solidFill>
+              <a:latin typeface="Titillium Web" panose="00000500000000000000" pitchFamily="2" charset="0"/>
+              <a:sym typeface="Wingdings" panose="05000000000000000000" pitchFamily="2" charset="2"/>
+            </a:endParaRPr>
+          </a:p>
+          <a:p>
+            <a:pPr lvl="1"/>
+            <a:endParaRPr lang="es-ES" sz="1200" dirty="0">
+              <a:solidFill>
+                <a:schemeClr val="accent3">
+                  <a:lumMod val="60000"/>
+                  <a:lumOff val="40000"/>
+                </a:schemeClr>
+              </a:solidFill>
+              <a:latin typeface="Titillium Web" panose="00000500000000000000" pitchFamily="2" charset="0"/>
+              <a:sym typeface="Wingdings" panose="05000000000000000000" pitchFamily="2" charset="2"/>
+            </a:endParaRPr>
+          </a:p>
+          <a:p>
+            <a:pPr lvl="1"/>
+            <a:endParaRPr lang="nb-NO" sz="1200" dirty="0">
+              <a:solidFill>
+                <a:schemeClr val="accent3">
+                  <a:lumMod val="60000"/>
+                  <a:lumOff val="40000"/>
+                </a:schemeClr>
+              </a:solidFill>
+              <a:latin typeface="Titillium Web" panose="00000500000000000000" pitchFamily="2" charset="0"/>
+              <a:sym typeface="Wingdings" panose="05000000000000000000" pitchFamily="2" charset="2"/>
+            </a:endParaRPr>
+          </a:p>
+          <a:p>
+            <a:pPr lvl="1"/>
+            <a:endParaRPr lang="nb-NO" sz="1200" dirty="0">
+              <a:solidFill>
+                <a:schemeClr val="accent3">
+                  <a:lumMod val="60000"/>
+                  <a:lumOff val="40000"/>
+                </a:schemeClr>
+              </a:solidFill>
+              <a:latin typeface="Titillium Web" panose="00000500000000000000" pitchFamily="2" charset="0"/>
+              <a:sym typeface="Wingdings" panose="05000000000000000000" pitchFamily="2" charset="2"/>
+            </a:endParaRPr>
+          </a:p>
+          <a:p>
+            <a:pPr lvl="1"/>
+            <a:endParaRPr lang="nb-NO" sz="1200" dirty="0">
+              <a:solidFill>
+                <a:schemeClr val="accent3">
+                  <a:lumMod val="60000"/>
+                  <a:lumOff val="40000"/>
+                </a:schemeClr>
+              </a:solidFill>
+              <a:latin typeface="Titillium Web" panose="00000500000000000000" pitchFamily="2" charset="0"/>
+              <a:sym typeface="Wingdings" panose="05000000000000000000" pitchFamily="2" charset="2"/>
+            </a:endParaRPr>
+          </a:p>
+          <a:p>
+            <a:pPr lvl="1"/>
+            <a:r>
+              <a:rPr lang="nb-NO" sz="1200" dirty="0">
+                <a:solidFill>
+                  <a:schemeClr val="accent3">
+                    <a:lumMod val="60000"/>
+                    <a:lumOff val="40000"/>
+                  </a:schemeClr>
+                </a:solidFill>
+                <a:latin typeface="Titillium Web" panose="00000500000000000000" pitchFamily="2" charset="0"/>
+                <a:sym typeface="Wingdings" panose="05000000000000000000" pitchFamily="2" charset="2"/>
+              </a:rPr>
+              <a:t>	</a:t>
+            </a:r>
+          </a:p>
+          <a:p>
+            <a:pPr lvl="1"/>
+            <a:endParaRPr lang="nb-NO" sz="1200" dirty="0">
+              <a:solidFill>
+                <a:schemeClr val="accent3">
+                  <a:lumMod val="60000"/>
+                  <a:lumOff val="40000"/>
+                </a:schemeClr>
+              </a:solidFill>
+              <a:latin typeface="Titillium Web" panose="00000500000000000000" pitchFamily="2" charset="0"/>
+              <a:sym typeface="Wingdings" panose="05000000000000000000" pitchFamily="2" charset="2"/>
+            </a:endParaRPr>
+          </a:p>
+          <a:p>
+            <a:pPr lvl="1"/>
+            <a:r>
+              <a:rPr lang="nb-NO" sz="1200" dirty="0">
+                <a:solidFill>
+                  <a:schemeClr val="accent3">
+                    <a:lumMod val="60000"/>
+                    <a:lumOff val="40000"/>
+                  </a:schemeClr>
+                </a:solidFill>
+                <a:latin typeface="Titillium Web" panose="00000500000000000000" pitchFamily="2" charset="0"/>
+                <a:sym typeface="Wingdings" panose="05000000000000000000" pitchFamily="2" charset="2"/>
+              </a:rPr>
+              <a:t>	</a:t>
+            </a:r>
+          </a:p>
+          <a:p>
+            <a:pPr lvl="1"/>
+            <a:r>
+              <a:rPr lang="nb-NO" sz="1200" dirty="0">
+                <a:solidFill>
+                  <a:schemeClr val="accent3">
+                    <a:lumMod val="60000"/>
+                    <a:lumOff val="40000"/>
+                  </a:schemeClr>
+                </a:solidFill>
+                <a:latin typeface="Titillium Web" panose="00000500000000000000" pitchFamily="2" charset="0"/>
+                <a:sym typeface="Wingdings" panose="05000000000000000000" pitchFamily="2" charset="2"/>
+              </a:rPr>
+              <a:t>	</a:t>
+            </a:r>
+            <a:endParaRPr lang="es-ES" sz="1200" dirty="0">
+              <a:solidFill>
+                <a:schemeClr val="accent3">
+                  <a:lumMod val="60000"/>
+                  <a:lumOff val="40000"/>
+                </a:schemeClr>
+              </a:solidFill>
+              <a:latin typeface="Titillium Web" panose="00000500000000000000" pitchFamily="2" charset="0"/>
+              <a:sym typeface="Wingdings" panose="05000000000000000000" pitchFamily="2" charset="2"/>
+            </a:endParaRPr>
+          </a:p>
+          <a:p>
+            <a:pPr lvl="1"/>
+            <a:endParaRPr lang="es-ES" sz="1200" dirty="0">
+              <a:solidFill>
+                <a:schemeClr val="accent3">
+                  <a:lumMod val="60000"/>
+                  <a:lumOff val="40000"/>
+                </a:schemeClr>
+              </a:solidFill>
+              <a:latin typeface="Titillium Web" panose="00000500000000000000" pitchFamily="2" charset="0"/>
+              <a:sym typeface="Wingdings" panose="05000000000000000000" pitchFamily="2" charset="2"/>
+            </a:endParaRPr>
+          </a:p>
+          <a:p>
+            <a:pPr lvl="1"/>
+            <a:endParaRPr lang="es-ES" sz="1200" dirty="0">
+              <a:solidFill>
+                <a:schemeClr val="accent3">
+                  <a:lumMod val="60000"/>
+                  <a:lumOff val="40000"/>
+                </a:schemeClr>
+              </a:solidFill>
+              <a:latin typeface="Titillium Web" panose="00000500000000000000" pitchFamily="2" charset="0"/>
+              <a:sym typeface="Wingdings" panose="05000000000000000000" pitchFamily="2" charset="2"/>
+            </a:endParaRPr>
+          </a:p>
+          <a:p>
+            <a:pPr lvl="1"/>
+            <a:endParaRPr lang="es-ES" sz="1200" dirty="0">
+              <a:solidFill>
+                <a:schemeClr val="accent4">
+                  <a:lumMod val="60000"/>
+                  <a:lumOff val="40000"/>
+                </a:schemeClr>
+              </a:solidFill>
+              <a:latin typeface="Titillium Web" panose="00000500000000000000" pitchFamily="2" charset="0"/>
+            </a:endParaRPr>
+          </a:p>
+          <a:p>
+            <a:pPr lvl="1"/>
+            <a:endParaRPr lang="es-ES" sz="1200" b="0" i="0" dirty="0">
+              <a:solidFill>
+                <a:schemeClr val="accent4">
+                  <a:lumMod val="60000"/>
+                  <a:lumOff val="40000"/>
+                </a:schemeClr>
+              </a:solidFill>
+              <a:effectLst/>
+              <a:latin typeface="Titillium Web" panose="00000500000000000000" pitchFamily="2" charset="0"/>
+            </a:endParaRPr>
+          </a:p>
+          <a:p>
+            <a:pPr lvl="1"/>
+            <a:endParaRPr lang="es-ES" sz="1200" b="0" i="0" dirty="0">
+              <a:solidFill>
+                <a:schemeClr val="accent4">
+                  <a:lumMod val="60000"/>
+                  <a:lumOff val="40000"/>
+                </a:schemeClr>
+              </a:solidFill>
+              <a:effectLst/>
+              <a:latin typeface="Titillium Web" panose="00000500000000000000" pitchFamily="2" charset="0"/>
+            </a:endParaRPr>
+          </a:p>
+        </p:txBody>
+      </p:sp>
+      <p:sp>
+        <p:nvSpPr>
+          <p:cNvPr id="9" name="CuadroTexto 8">
+            <a:extLst>
+              <a:ext uri="{FF2B5EF4-FFF2-40B4-BE49-F238E27FC236}">
+                <a16:creationId xmlns:a16="http://schemas.microsoft.com/office/drawing/2014/main" id="{D644B738-0737-54FD-D865-CE1CBC1311FE}"/>
+              </a:ext>
+            </a:extLst>
+          </p:cNvPr>
+          <p:cNvSpPr txBox="1"/>
+          <p:nvPr/>
+        </p:nvSpPr>
+        <p:spPr>
+          <a:xfrm>
+            <a:off x="8205186" y="254604"/>
+            <a:ext cx="6094520" cy="369332"/>
+          </a:xfrm>
+          <a:prstGeom prst="rect">
+            <a:avLst/>
+          </a:prstGeom>
+          <a:noFill/>
+        </p:spPr>
+        <p:txBody>
+          <a:bodyPr wrap="square">
+            <a:spAutoFit/>
+          </a:bodyPr>
+          <a:lstStyle/>
+          <a:p>
+            <a:pPr lvl="1"/>
+            <a:r>
+              <a:rPr lang="es-ES" sz="1800" dirty="0">
+                <a:latin typeface="Titillium Web" panose="00000500000000000000" pitchFamily="2" charset="0"/>
+                <a:sym typeface="Wingdings" panose="05000000000000000000" pitchFamily="2" charset="2"/>
+              </a:rPr>
+              <a:t>Aplicación 3: </a:t>
+            </a:r>
+            <a:r>
+              <a:rPr lang="es-ES" sz="1800" dirty="0" err="1">
+                <a:latin typeface="Titillium Web" panose="00000500000000000000" pitchFamily="2" charset="0"/>
+                <a:sym typeface="Wingdings" panose="05000000000000000000" pitchFamily="2" charset="2"/>
+              </a:rPr>
+              <a:t>DemoMVCII</a:t>
+            </a:r>
+            <a:endParaRPr lang="es-ES" sz="1800" dirty="0">
+              <a:latin typeface="Titillium Web" panose="00000500000000000000" pitchFamily="2" charset="0"/>
+              <a:sym typeface="Wingdings" panose="05000000000000000000" pitchFamily="2" charset="2"/>
+            </a:endParaRPr>
+          </a:p>
+        </p:txBody>
+      </p:sp>
+      <p:pic>
+        <p:nvPicPr>
+          <p:cNvPr id="7" name="Imagen 6">
+            <a:extLst>
+              <a:ext uri="{FF2B5EF4-FFF2-40B4-BE49-F238E27FC236}">
+                <a16:creationId xmlns:a16="http://schemas.microsoft.com/office/drawing/2014/main" id="{8C9031CB-0605-EA55-D5A0-94C27287E26C}"/>
+              </a:ext>
+            </a:extLst>
+          </p:cNvPr>
+          <p:cNvPicPr>
+            <a:picLocks noChangeAspect="1"/>
+          </p:cNvPicPr>
+          <p:nvPr/>
+        </p:nvPicPr>
+        <p:blipFill>
+          <a:blip r:embed="rId5"/>
+          <a:stretch>
+            <a:fillRect/>
+          </a:stretch>
+        </p:blipFill>
+        <p:spPr>
+          <a:xfrm>
+            <a:off x="1048984" y="3024347"/>
+            <a:ext cx="4781447" cy="1777939"/>
+          </a:xfrm>
+          <a:prstGeom prst="rect">
+            <a:avLst/>
+          </a:prstGeom>
+        </p:spPr>
+      </p:pic>
+      <p:pic>
+        <p:nvPicPr>
+          <p:cNvPr id="10" name="Imagen 9">
+            <a:extLst>
+              <a:ext uri="{FF2B5EF4-FFF2-40B4-BE49-F238E27FC236}">
+                <a16:creationId xmlns:a16="http://schemas.microsoft.com/office/drawing/2014/main" id="{1922B01F-79CD-956E-026C-6E9DA873B95D}"/>
+              </a:ext>
+            </a:extLst>
+          </p:cNvPr>
+          <p:cNvPicPr>
+            <a:picLocks noChangeAspect="1"/>
+          </p:cNvPicPr>
+          <p:nvPr/>
+        </p:nvPicPr>
+        <p:blipFill>
+          <a:blip r:embed="rId6"/>
+          <a:stretch>
+            <a:fillRect/>
+          </a:stretch>
+        </p:blipFill>
+        <p:spPr>
+          <a:xfrm>
+            <a:off x="6238192" y="1999152"/>
+            <a:ext cx="4606848" cy="1647834"/>
+          </a:xfrm>
+          <a:prstGeom prst="rect">
+            <a:avLst/>
+          </a:prstGeom>
+        </p:spPr>
+      </p:pic>
+    </p:spTree>
+    <p:extLst>
+      <p:ext uri="{BB962C8B-B14F-4D97-AF65-F5344CB8AC3E}">
+        <p14:creationId xmlns:p14="http://schemas.microsoft.com/office/powerpoint/2010/main" val="1521606146"/>
+      </p:ext>
+    </p:extLst>
+  </p:cSld>
+  <p:clrMapOvr>
+    <a:masterClrMapping/>
+  </p:clrMapOvr>
+</p:sld>
+</file>
+
+<file path=ppt/slides/slide25.xml><?xml version="1.0" encoding="utf-8"?>
+<p:sld xmlns:a="http://schemas.openxmlformats.org/drawingml/2006/main" xmlns:r="http://schemas.openxmlformats.org/officeDocument/2006/relationships" xmlns:p="http://schemas.openxmlformats.org/presentationml/2006/main">
+  <p:cSld>
+    <p:spTree>
+      <p:nvGrpSpPr>
+        <p:cNvPr id="1" name=""/>
+        <p:cNvGrpSpPr/>
+        <p:nvPr/>
+      </p:nvGrpSpPr>
+      <p:grpSpPr>
+        <a:xfrm>
+          <a:off x="0" y="0"/>
+          <a:ext cx="0" cy="0"/>
+          <a:chOff x="0" y="0"/>
+          <a:chExt cx="0" cy="0"/>
+        </a:xfrm>
+      </p:grpSpPr>
+      <p:pic>
+        <p:nvPicPr>
+          <p:cNvPr id="1032" name="Picture 8" descr="Nuestro Equipo">
+            <a:extLst>
+              <a:ext uri="{FF2B5EF4-FFF2-40B4-BE49-F238E27FC236}">
+                <a16:creationId xmlns:a16="http://schemas.microsoft.com/office/drawing/2014/main" id="{9948F5C4-A11B-BB63-E587-6CEB747BDDEB}"/>
+              </a:ext>
+            </a:extLst>
+          </p:cNvPr>
+          <p:cNvPicPr>
+            <a:picLocks noChangeAspect="1" noChangeArrowheads="1"/>
+          </p:cNvPicPr>
+          <p:nvPr/>
+        </p:nvPicPr>
+        <p:blipFill>
+          <a:blip r:embed="rId3">
+            <a:extLst>
+              <a:ext uri="{28A0092B-C50C-407E-A947-70E740481C1C}">
+                <a14:useLocalDpi xmlns:a14="http://schemas.microsoft.com/office/drawing/2010/main" val="0"/>
+              </a:ext>
+            </a:extLst>
+          </a:blip>
+          <a:srcRect/>
+          <a:stretch>
+            <a:fillRect/>
+          </a:stretch>
+        </p:blipFill>
+        <p:spPr bwMode="auto">
+          <a:xfrm>
+            <a:off x="11003858" y="6068461"/>
+            <a:ext cx="675692" cy="675692"/>
+          </a:xfrm>
+          <a:prstGeom prst="rect">
+            <a:avLst/>
+          </a:prstGeom>
+          <a:noFill/>
+          <a:extLst>
+            <a:ext uri="{909E8E84-426E-40DD-AFC4-6F175D3DCCD1}">
+              <a14:hiddenFill xmlns:a14="http://schemas.microsoft.com/office/drawing/2010/main">
+                <a:solidFill>
+                  <a:srgbClr val="FFFFFF"/>
+                </a:solidFill>
+              </a14:hiddenFill>
+            </a:ext>
+          </a:extLst>
+        </p:spPr>
+      </p:pic>
+      <p:sp>
+        <p:nvSpPr>
+          <p:cNvPr id="3" name="CuadroTexto 2">
+            <a:extLst>
+              <a:ext uri="{FF2B5EF4-FFF2-40B4-BE49-F238E27FC236}">
+                <a16:creationId xmlns:a16="http://schemas.microsoft.com/office/drawing/2014/main" id="{D1FA320B-398B-F9F1-38EA-BAF5DD083F19}"/>
+              </a:ext>
+            </a:extLst>
+          </p:cNvPr>
+          <p:cNvSpPr txBox="1"/>
+          <p:nvPr/>
+        </p:nvSpPr>
+        <p:spPr>
+          <a:xfrm>
+            <a:off x="1253654" y="873506"/>
+            <a:ext cx="9079954" cy="2031325"/>
+          </a:xfrm>
+          <a:prstGeom prst="rect">
+            <a:avLst/>
+          </a:prstGeom>
+          <a:noFill/>
+        </p:spPr>
+        <p:txBody>
+          <a:bodyPr wrap="square" rtlCol="0">
+            <a:spAutoFit/>
+          </a:bodyPr>
+          <a:lstStyle/>
+          <a:p>
+            <a:r>
+              <a:rPr lang="es-ES" dirty="0"/>
+              <a:t>SPRING FRAMEWORK</a:t>
+            </a:r>
+          </a:p>
+          <a:p>
+            <a:pPr lvl="1"/>
+            <a:endParaRPr lang="es-ES" sz="1200" dirty="0">
+              <a:solidFill>
+                <a:srgbClr val="FF0000"/>
+              </a:solidFill>
+              <a:latin typeface="Titillium Web" panose="00000500000000000000" pitchFamily="2" charset="0"/>
+            </a:endParaRPr>
+          </a:p>
+          <a:p>
+            <a:pPr lvl="1"/>
+            <a:endParaRPr lang="es-ES" sz="1200" dirty="0">
+              <a:solidFill>
+                <a:schemeClr val="accent4">
+                  <a:lumMod val="60000"/>
+                  <a:lumOff val="40000"/>
+                </a:schemeClr>
+              </a:solidFill>
+              <a:latin typeface="Titillium Web" panose="00000500000000000000" pitchFamily="2" charset="0"/>
+            </a:endParaRPr>
+          </a:p>
+          <a:p>
+            <a:pPr lvl="1"/>
+            <a:r>
+              <a:rPr lang="es-ES" sz="1200" dirty="0">
+                <a:solidFill>
+                  <a:schemeClr val="accent4">
+                    <a:lumMod val="60000"/>
+                    <a:lumOff val="40000"/>
+                  </a:schemeClr>
+                </a:solidFill>
+                <a:latin typeface="Titillium Web" panose="00000500000000000000" pitchFamily="2" charset="0"/>
+              </a:rPr>
+              <a:t>CONSTRUYENDO CON THYMELEAF y PLANTILLAS CSS</a:t>
+            </a:r>
+          </a:p>
+          <a:p>
+            <a:pPr lvl="1"/>
+            <a:endParaRPr lang="es-ES" sz="1200" dirty="0">
+              <a:solidFill>
+                <a:schemeClr val="accent4">
+                  <a:lumMod val="60000"/>
+                  <a:lumOff val="40000"/>
+                </a:schemeClr>
+              </a:solidFill>
+              <a:latin typeface="Titillium Web" panose="00000500000000000000" pitchFamily="2" charset="0"/>
+            </a:endParaRPr>
+          </a:p>
+          <a:p>
+            <a:pPr lvl="1"/>
+            <a:endParaRPr lang="es-ES" sz="1200" dirty="0">
+              <a:solidFill>
+                <a:schemeClr val="accent4">
+                  <a:lumMod val="60000"/>
+                  <a:lumOff val="40000"/>
+                </a:schemeClr>
+              </a:solidFill>
+            </a:endParaRPr>
+          </a:p>
+          <a:p>
+            <a:pPr lvl="1"/>
+            <a:br>
+              <a:rPr lang="es-ES" sz="1200" dirty="0">
+                <a:solidFill>
+                  <a:schemeClr val="accent4">
+                    <a:lumMod val="60000"/>
+                    <a:lumOff val="40000"/>
+                  </a:schemeClr>
+                </a:solidFill>
+              </a:rPr>
+            </a:br>
+            <a:endParaRPr lang="es-ES" sz="1200" dirty="0">
+              <a:solidFill>
+                <a:schemeClr val="accent4">
+                  <a:lumMod val="60000"/>
+                  <a:lumOff val="40000"/>
+                </a:schemeClr>
+              </a:solidFill>
+            </a:endParaRPr>
+          </a:p>
+          <a:p>
+            <a:pPr lvl="1"/>
+            <a:endParaRPr lang="es-ES" sz="1200" dirty="0">
+              <a:solidFill>
+                <a:schemeClr val="accent1">
+                  <a:lumMod val="40000"/>
+                  <a:lumOff val="60000"/>
+                </a:schemeClr>
+              </a:solidFill>
+              <a:latin typeface="Titillium Web" panose="00000500000000000000" pitchFamily="2" charset="0"/>
+            </a:endParaRPr>
+          </a:p>
+          <a:p>
+            <a:pPr lvl="1"/>
+            <a:endParaRPr lang="es-ES" sz="1200" b="0" i="0" dirty="0">
+              <a:solidFill>
+                <a:schemeClr val="accent4">
+                  <a:lumMod val="60000"/>
+                  <a:lumOff val="40000"/>
+                </a:schemeClr>
+              </a:solidFill>
+              <a:effectLst/>
+              <a:latin typeface="Titillium Web" panose="00000500000000000000" pitchFamily="2" charset="0"/>
+            </a:endParaRPr>
+          </a:p>
+        </p:txBody>
+      </p:sp>
+      <p:pic>
+        <p:nvPicPr>
+          <p:cNvPr id="5" name="Picture 2" descr="Spring | Home">
+            <a:extLst>
+              <a:ext uri="{FF2B5EF4-FFF2-40B4-BE49-F238E27FC236}">
+                <a16:creationId xmlns:a16="http://schemas.microsoft.com/office/drawing/2014/main" id="{6CBE6F06-F98A-B85B-B6AA-917CBDD1C2C3}"/>
+              </a:ext>
+            </a:extLst>
+          </p:cNvPr>
+          <p:cNvPicPr>
+            <a:picLocks noChangeAspect="1" noChangeArrowheads="1"/>
+          </p:cNvPicPr>
+          <p:nvPr/>
+        </p:nvPicPr>
+        <p:blipFill>
+          <a:blip r:embed="rId4">
+            <a:extLst>
+              <a:ext uri="{28A0092B-C50C-407E-A947-70E740481C1C}">
+                <a14:useLocalDpi xmlns:a14="http://schemas.microsoft.com/office/drawing/2010/main" val="0"/>
+              </a:ext>
+            </a:extLst>
+          </a:blip>
+          <a:srcRect/>
+          <a:stretch>
+            <a:fillRect/>
+          </a:stretch>
+        </p:blipFill>
+        <p:spPr bwMode="auto">
+          <a:xfrm>
+            <a:off x="10666011" y="5262959"/>
+            <a:ext cx="1351386" cy="675693"/>
+          </a:xfrm>
+          <a:prstGeom prst="rect">
+            <a:avLst/>
+          </a:prstGeom>
+          <a:noFill/>
+          <a:extLst>
+            <a:ext uri="{909E8E84-426E-40DD-AFC4-6F175D3DCCD1}">
+              <a14:hiddenFill xmlns:a14="http://schemas.microsoft.com/office/drawing/2010/main">
+                <a:solidFill>
+                  <a:srgbClr val="FFFFFF"/>
+                </a:solidFill>
+              </a14:hiddenFill>
+            </a:ext>
+          </a:extLst>
+        </p:spPr>
+      </p:pic>
+      <p:sp>
+        <p:nvSpPr>
+          <p:cNvPr id="2" name="CuadroTexto 1">
+            <a:extLst>
+              <a:ext uri="{FF2B5EF4-FFF2-40B4-BE49-F238E27FC236}">
+                <a16:creationId xmlns:a16="http://schemas.microsoft.com/office/drawing/2014/main" id="{477BDFD5-86BF-359C-0E77-061F61200E12}"/>
+              </a:ext>
+            </a:extLst>
+          </p:cNvPr>
+          <p:cNvSpPr txBox="1"/>
+          <p:nvPr/>
+        </p:nvSpPr>
+        <p:spPr>
+          <a:xfrm>
+            <a:off x="512450" y="1881992"/>
+            <a:ext cx="9079954" cy="5447645"/>
+          </a:xfrm>
+          <a:prstGeom prst="rect">
+            <a:avLst/>
+          </a:prstGeom>
+          <a:noFill/>
+        </p:spPr>
+        <p:txBody>
+          <a:bodyPr wrap="square" rtlCol="0">
+            <a:spAutoFit/>
+          </a:bodyPr>
+          <a:lstStyle/>
+          <a:p>
+            <a:pPr marL="628650" lvl="1" indent="-171450">
+              <a:buFont typeface="Arial" panose="020B0604020202020204" pitchFamily="34" charset="0"/>
+              <a:buChar char="•"/>
+            </a:pPr>
+            <a:endParaRPr lang="es-ES" sz="1200" dirty="0">
+              <a:latin typeface="Titillium Web" panose="00000500000000000000" pitchFamily="2" charset="0"/>
+              <a:sym typeface="Wingdings" panose="05000000000000000000" pitchFamily="2" charset="2"/>
+            </a:endParaRPr>
+          </a:p>
+          <a:p>
+            <a:pPr lvl="1"/>
+            <a:endParaRPr lang="es-ES" sz="1200" dirty="0">
+              <a:solidFill>
+                <a:schemeClr val="accent3">
+                  <a:lumMod val="60000"/>
+                  <a:lumOff val="40000"/>
+                </a:schemeClr>
+              </a:solidFill>
+              <a:latin typeface="Titillium Web" panose="00000500000000000000" pitchFamily="2" charset="0"/>
+              <a:sym typeface="Wingdings" panose="05000000000000000000" pitchFamily="2" charset="2"/>
+            </a:endParaRPr>
+          </a:p>
+          <a:p>
+            <a:pPr lvl="1"/>
+            <a:r>
+              <a:rPr lang="es-ES" sz="1200" dirty="0">
+                <a:latin typeface="Titillium Web" panose="00000500000000000000" pitchFamily="2" charset="0"/>
+                <a:sym typeface="Wingdings" panose="05000000000000000000" pitchFamily="2" charset="2"/>
+              </a:rPr>
+              <a:t>Representar formatos especiales</a:t>
+            </a:r>
+          </a:p>
+          <a:p>
+            <a:pPr lvl="1"/>
+            <a:endParaRPr lang="es-ES" sz="1200" dirty="0">
+              <a:solidFill>
+                <a:schemeClr val="accent3">
+                  <a:lumMod val="60000"/>
+                  <a:lumOff val="40000"/>
+                </a:schemeClr>
+              </a:solidFill>
+              <a:latin typeface="Titillium Web" panose="00000500000000000000" pitchFamily="2" charset="0"/>
+              <a:sym typeface="Wingdings" panose="05000000000000000000" pitchFamily="2" charset="2"/>
+            </a:endParaRPr>
+          </a:p>
+          <a:p>
+            <a:pPr lvl="1"/>
+            <a:r>
+              <a:rPr lang="es-ES" sz="1200" dirty="0">
+                <a:solidFill>
+                  <a:schemeClr val="accent3">
+                    <a:lumMod val="60000"/>
+                    <a:lumOff val="40000"/>
+                  </a:schemeClr>
+                </a:solidFill>
+                <a:latin typeface="Titillium Web" panose="00000500000000000000" pitchFamily="2" charset="0"/>
+                <a:sym typeface="Wingdings" panose="05000000000000000000" pitchFamily="2" charset="2"/>
+              </a:rPr>
+              <a:t>En la documentación de </a:t>
+            </a:r>
+            <a:r>
+              <a:rPr lang="es-ES" sz="1200" dirty="0" err="1">
+                <a:solidFill>
+                  <a:schemeClr val="accent3">
+                    <a:lumMod val="60000"/>
+                    <a:lumOff val="40000"/>
+                  </a:schemeClr>
+                </a:solidFill>
+                <a:latin typeface="Titillium Web" panose="00000500000000000000" pitchFamily="2" charset="0"/>
+                <a:sym typeface="Wingdings" panose="05000000000000000000" pitchFamily="2" charset="2"/>
+              </a:rPr>
+              <a:t>Thymeleaf</a:t>
+            </a:r>
+            <a:r>
+              <a:rPr lang="es-ES" sz="1200" dirty="0">
+                <a:solidFill>
+                  <a:schemeClr val="accent3">
+                    <a:lumMod val="60000"/>
+                    <a:lumOff val="40000"/>
+                  </a:schemeClr>
+                </a:solidFill>
+                <a:latin typeface="Titillium Web" panose="00000500000000000000" pitchFamily="2" charset="0"/>
+                <a:sym typeface="Wingdings" panose="05000000000000000000" pitchFamily="2" charset="2"/>
+              </a:rPr>
+              <a:t> tenemos mas información para la conversión o formato de otros objetos:</a:t>
+            </a:r>
+          </a:p>
+          <a:p>
+            <a:pPr lvl="1"/>
+            <a:endParaRPr lang="es-ES" sz="1200" dirty="0">
+              <a:solidFill>
+                <a:schemeClr val="accent3">
+                  <a:lumMod val="60000"/>
+                  <a:lumOff val="40000"/>
+                </a:schemeClr>
+              </a:solidFill>
+              <a:latin typeface="Titillium Web" panose="00000500000000000000" pitchFamily="2" charset="0"/>
+              <a:sym typeface="Wingdings" panose="05000000000000000000" pitchFamily="2" charset="2"/>
+            </a:endParaRPr>
+          </a:p>
+          <a:p>
+            <a:pPr lvl="1"/>
+            <a:r>
+              <a:rPr lang="es-ES" sz="1200" dirty="0">
+                <a:solidFill>
+                  <a:schemeClr val="accent3">
+                    <a:lumMod val="60000"/>
+                    <a:lumOff val="40000"/>
+                  </a:schemeClr>
+                </a:solidFill>
+                <a:latin typeface="Titillium Web" panose="00000500000000000000" pitchFamily="2" charset="0"/>
+                <a:sym typeface="Wingdings" panose="05000000000000000000" pitchFamily="2" charset="2"/>
+                <a:hlinkClick r:id="rId5"/>
+              </a:rPr>
+              <a:t>https://www.thymeleaf.org/doc/tutorials/3.1/usingthymeleaf.html#appendix-b-expression-utility-objects</a:t>
+            </a:r>
+            <a:endParaRPr lang="es-ES" sz="1200" dirty="0">
+              <a:solidFill>
+                <a:schemeClr val="accent3">
+                  <a:lumMod val="60000"/>
+                  <a:lumOff val="40000"/>
+                </a:schemeClr>
+              </a:solidFill>
+              <a:latin typeface="Titillium Web" panose="00000500000000000000" pitchFamily="2" charset="0"/>
+              <a:sym typeface="Wingdings" panose="05000000000000000000" pitchFamily="2" charset="2"/>
+            </a:endParaRPr>
+          </a:p>
+          <a:p>
+            <a:pPr lvl="1"/>
+            <a:endParaRPr lang="es-ES" sz="1200" dirty="0">
+              <a:solidFill>
+                <a:schemeClr val="accent3">
+                  <a:lumMod val="60000"/>
+                  <a:lumOff val="40000"/>
+                </a:schemeClr>
+              </a:solidFill>
+              <a:latin typeface="Titillium Web" panose="00000500000000000000" pitchFamily="2" charset="0"/>
+              <a:sym typeface="Wingdings" panose="05000000000000000000" pitchFamily="2" charset="2"/>
+            </a:endParaRPr>
+          </a:p>
+          <a:p>
+            <a:pPr lvl="1"/>
+            <a:r>
+              <a:rPr lang="es-ES" sz="1200" dirty="0">
+                <a:solidFill>
+                  <a:schemeClr val="accent3">
+                    <a:lumMod val="60000"/>
+                    <a:lumOff val="40000"/>
+                  </a:schemeClr>
+                </a:solidFill>
+                <a:latin typeface="Titillium Web" panose="00000500000000000000" pitchFamily="2" charset="0"/>
+                <a:sym typeface="Wingdings" panose="05000000000000000000" pitchFamily="2" charset="2"/>
+              </a:rPr>
+              <a:t>Donde podremos tanto cambiar el formato o evaluar si un objeto del tipo que sea viene con datos, </a:t>
+            </a:r>
+            <a:r>
+              <a:rPr lang="es-ES" sz="1200" dirty="0" err="1">
+                <a:solidFill>
+                  <a:schemeClr val="accent3">
+                    <a:lumMod val="60000"/>
+                    <a:lumOff val="40000"/>
+                  </a:schemeClr>
+                </a:solidFill>
+                <a:latin typeface="Titillium Web" panose="00000500000000000000" pitchFamily="2" charset="0"/>
+                <a:sym typeface="Wingdings" panose="05000000000000000000" pitchFamily="2" charset="2"/>
+              </a:rPr>
+              <a:t>ordendarlo</a:t>
+            </a:r>
+            <a:r>
+              <a:rPr lang="es-ES" sz="1200" dirty="0">
+                <a:solidFill>
+                  <a:schemeClr val="accent3">
+                    <a:lumMod val="60000"/>
+                    <a:lumOff val="40000"/>
+                  </a:schemeClr>
+                </a:solidFill>
+                <a:latin typeface="Titillium Web" panose="00000500000000000000" pitchFamily="2" charset="0"/>
+                <a:sym typeface="Wingdings" panose="05000000000000000000" pitchFamily="2" charset="2"/>
+              </a:rPr>
+              <a:t> y revisar directamente desde la vista todas estas opciones. </a:t>
+            </a:r>
+          </a:p>
+          <a:p>
+            <a:pPr lvl="1"/>
+            <a:endParaRPr lang="es-ES" sz="1200" dirty="0">
+              <a:solidFill>
+                <a:schemeClr val="accent3">
+                  <a:lumMod val="60000"/>
+                  <a:lumOff val="40000"/>
+                </a:schemeClr>
+              </a:solidFill>
+              <a:latin typeface="Titillium Web" panose="00000500000000000000" pitchFamily="2" charset="0"/>
+              <a:sym typeface="Wingdings" panose="05000000000000000000" pitchFamily="2" charset="2"/>
+            </a:endParaRPr>
+          </a:p>
+          <a:p>
+            <a:pPr lvl="1"/>
+            <a:endParaRPr lang="es-ES" sz="1200" dirty="0">
+              <a:solidFill>
+                <a:schemeClr val="accent3">
+                  <a:lumMod val="60000"/>
+                  <a:lumOff val="40000"/>
+                </a:schemeClr>
+              </a:solidFill>
+              <a:latin typeface="Titillium Web" panose="00000500000000000000" pitchFamily="2" charset="0"/>
+              <a:sym typeface="Wingdings" panose="05000000000000000000" pitchFamily="2" charset="2"/>
+            </a:endParaRPr>
+          </a:p>
+          <a:p>
+            <a:pPr lvl="1"/>
+            <a:endParaRPr lang="es-ES" sz="1200" dirty="0">
+              <a:solidFill>
+                <a:schemeClr val="accent3">
+                  <a:lumMod val="60000"/>
+                  <a:lumOff val="40000"/>
+                </a:schemeClr>
+              </a:solidFill>
+              <a:latin typeface="Titillium Web" panose="00000500000000000000" pitchFamily="2" charset="0"/>
+              <a:sym typeface="Wingdings" panose="05000000000000000000" pitchFamily="2" charset="2"/>
+            </a:endParaRPr>
+          </a:p>
+          <a:p>
+            <a:pPr lvl="1"/>
+            <a:endParaRPr lang="es-ES" sz="1200" dirty="0">
+              <a:solidFill>
+                <a:schemeClr val="accent3">
+                  <a:lumMod val="60000"/>
+                  <a:lumOff val="40000"/>
+                </a:schemeClr>
+              </a:solidFill>
+              <a:latin typeface="Titillium Web" panose="00000500000000000000" pitchFamily="2" charset="0"/>
+              <a:sym typeface="Wingdings" panose="05000000000000000000" pitchFamily="2" charset="2"/>
+            </a:endParaRPr>
+          </a:p>
+          <a:p>
+            <a:pPr lvl="1"/>
+            <a:endParaRPr lang="es-ES" sz="1200" dirty="0">
+              <a:solidFill>
+                <a:schemeClr val="accent3">
+                  <a:lumMod val="60000"/>
+                  <a:lumOff val="40000"/>
+                </a:schemeClr>
+              </a:solidFill>
+              <a:latin typeface="Titillium Web" panose="00000500000000000000" pitchFamily="2" charset="0"/>
+              <a:sym typeface="Wingdings" panose="05000000000000000000" pitchFamily="2" charset="2"/>
+            </a:endParaRPr>
+          </a:p>
+          <a:p>
+            <a:pPr lvl="1"/>
+            <a:endParaRPr lang="es-ES" sz="1200" dirty="0">
+              <a:solidFill>
+                <a:schemeClr val="accent3">
+                  <a:lumMod val="60000"/>
+                  <a:lumOff val="40000"/>
+                </a:schemeClr>
+              </a:solidFill>
+              <a:latin typeface="Titillium Web" panose="00000500000000000000" pitchFamily="2" charset="0"/>
+              <a:sym typeface="Wingdings" panose="05000000000000000000" pitchFamily="2" charset="2"/>
+            </a:endParaRPr>
+          </a:p>
+          <a:p>
+            <a:pPr lvl="1"/>
+            <a:endParaRPr lang="es-ES" sz="1200" dirty="0">
+              <a:solidFill>
+                <a:schemeClr val="accent3">
+                  <a:lumMod val="60000"/>
+                  <a:lumOff val="40000"/>
+                </a:schemeClr>
+              </a:solidFill>
+              <a:latin typeface="Titillium Web" panose="00000500000000000000" pitchFamily="2" charset="0"/>
+              <a:sym typeface="Wingdings" panose="05000000000000000000" pitchFamily="2" charset="2"/>
+            </a:endParaRPr>
+          </a:p>
+          <a:p>
+            <a:pPr lvl="1"/>
+            <a:endParaRPr lang="nb-NO" sz="1200" dirty="0">
+              <a:solidFill>
+                <a:schemeClr val="accent3">
+                  <a:lumMod val="60000"/>
+                  <a:lumOff val="40000"/>
+                </a:schemeClr>
+              </a:solidFill>
+              <a:latin typeface="Titillium Web" panose="00000500000000000000" pitchFamily="2" charset="0"/>
+              <a:sym typeface="Wingdings" panose="05000000000000000000" pitchFamily="2" charset="2"/>
+            </a:endParaRPr>
+          </a:p>
+          <a:p>
+            <a:pPr lvl="1"/>
+            <a:endParaRPr lang="nb-NO" sz="1200" dirty="0">
+              <a:solidFill>
+                <a:schemeClr val="accent3">
+                  <a:lumMod val="60000"/>
+                  <a:lumOff val="40000"/>
+                </a:schemeClr>
+              </a:solidFill>
+              <a:latin typeface="Titillium Web" panose="00000500000000000000" pitchFamily="2" charset="0"/>
+              <a:sym typeface="Wingdings" panose="05000000000000000000" pitchFamily="2" charset="2"/>
+            </a:endParaRPr>
+          </a:p>
+          <a:p>
+            <a:pPr lvl="1"/>
+            <a:endParaRPr lang="nb-NO" sz="1200" dirty="0">
+              <a:solidFill>
+                <a:schemeClr val="accent3">
+                  <a:lumMod val="60000"/>
+                  <a:lumOff val="40000"/>
+                </a:schemeClr>
+              </a:solidFill>
+              <a:latin typeface="Titillium Web" panose="00000500000000000000" pitchFamily="2" charset="0"/>
+              <a:sym typeface="Wingdings" panose="05000000000000000000" pitchFamily="2" charset="2"/>
+            </a:endParaRPr>
+          </a:p>
+          <a:p>
+            <a:pPr lvl="1"/>
+            <a:r>
+              <a:rPr lang="nb-NO" sz="1200" dirty="0">
+                <a:solidFill>
+                  <a:schemeClr val="accent3">
+                    <a:lumMod val="60000"/>
+                    <a:lumOff val="40000"/>
+                  </a:schemeClr>
+                </a:solidFill>
+                <a:latin typeface="Titillium Web" panose="00000500000000000000" pitchFamily="2" charset="0"/>
+                <a:sym typeface="Wingdings" panose="05000000000000000000" pitchFamily="2" charset="2"/>
+              </a:rPr>
+              <a:t>	</a:t>
+            </a:r>
+          </a:p>
+          <a:p>
+            <a:pPr lvl="1"/>
+            <a:endParaRPr lang="nb-NO" sz="1200" dirty="0">
+              <a:solidFill>
+                <a:schemeClr val="accent3">
+                  <a:lumMod val="60000"/>
+                  <a:lumOff val="40000"/>
+                </a:schemeClr>
+              </a:solidFill>
+              <a:latin typeface="Titillium Web" panose="00000500000000000000" pitchFamily="2" charset="0"/>
+              <a:sym typeface="Wingdings" panose="05000000000000000000" pitchFamily="2" charset="2"/>
+            </a:endParaRPr>
+          </a:p>
+          <a:p>
+            <a:pPr lvl="1"/>
+            <a:r>
+              <a:rPr lang="nb-NO" sz="1200" dirty="0">
+                <a:solidFill>
+                  <a:schemeClr val="accent3">
+                    <a:lumMod val="60000"/>
+                    <a:lumOff val="40000"/>
+                  </a:schemeClr>
+                </a:solidFill>
+                <a:latin typeface="Titillium Web" panose="00000500000000000000" pitchFamily="2" charset="0"/>
+                <a:sym typeface="Wingdings" panose="05000000000000000000" pitchFamily="2" charset="2"/>
+              </a:rPr>
+              <a:t>	</a:t>
+            </a:r>
+          </a:p>
+          <a:p>
+            <a:pPr lvl="1"/>
+            <a:r>
+              <a:rPr lang="nb-NO" sz="1200" dirty="0">
+                <a:solidFill>
+                  <a:schemeClr val="accent3">
+                    <a:lumMod val="60000"/>
+                    <a:lumOff val="40000"/>
+                  </a:schemeClr>
+                </a:solidFill>
+                <a:latin typeface="Titillium Web" panose="00000500000000000000" pitchFamily="2" charset="0"/>
+                <a:sym typeface="Wingdings" panose="05000000000000000000" pitchFamily="2" charset="2"/>
+              </a:rPr>
+              <a:t>	</a:t>
+            </a:r>
+            <a:endParaRPr lang="es-ES" sz="1200" dirty="0">
+              <a:solidFill>
+                <a:schemeClr val="accent3">
+                  <a:lumMod val="60000"/>
+                  <a:lumOff val="40000"/>
+                </a:schemeClr>
+              </a:solidFill>
+              <a:latin typeface="Titillium Web" panose="00000500000000000000" pitchFamily="2" charset="0"/>
+              <a:sym typeface="Wingdings" panose="05000000000000000000" pitchFamily="2" charset="2"/>
+            </a:endParaRPr>
+          </a:p>
+          <a:p>
+            <a:pPr lvl="1"/>
+            <a:endParaRPr lang="es-ES" sz="1200" dirty="0">
+              <a:solidFill>
+                <a:schemeClr val="accent3">
+                  <a:lumMod val="60000"/>
+                  <a:lumOff val="40000"/>
+                </a:schemeClr>
+              </a:solidFill>
+              <a:latin typeface="Titillium Web" panose="00000500000000000000" pitchFamily="2" charset="0"/>
+              <a:sym typeface="Wingdings" panose="05000000000000000000" pitchFamily="2" charset="2"/>
+            </a:endParaRPr>
+          </a:p>
+          <a:p>
+            <a:pPr lvl="1"/>
+            <a:endParaRPr lang="es-ES" sz="1200" dirty="0">
+              <a:solidFill>
+                <a:schemeClr val="accent3">
+                  <a:lumMod val="60000"/>
+                  <a:lumOff val="40000"/>
+                </a:schemeClr>
+              </a:solidFill>
+              <a:latin typeface="Titillium Web" panose="00000500000000000000" pitchFamily="2" charset="0"/>
+              <a:sym typeface="Wingdings" panose="05000000000000000000" pitchFamily="2" charset="2"/>
+            </a:endParaRPr>
+          </a:p>
+          <a:p>
+            <a:pPr lvl="1"/>
+            <a:endParaRPr lang="es-ES" sz="1200" dirty="0">
+              <a:solidFill>
+                <a:schemeClr val="accent4">
+                  <a:lumMod val="60000"/>
+                  <a:lumOff val="40000"/>
+                </a:schemeClr>
+              </a:solidFill>
+              <a:latin typeface="Titillium Web" panose="00000500000000000000" pitchFamily="2" charset="0"/>
+            </a:endParaRPr>
+          </a:p>
+          <a:p>
+            <a:pPr lvl="1"/>
+            <a:endParaRPr lang="es-ES" sz="1200" b="0" i="0" dirty="0">
+              <a:solidFill>
+                <a:schemeClr val="accent4">
+                  <a:lumMod val="60000"/>
+                  <a:lumOff val="40000"/>
+                </a:schemeClr>
+              </a:solidFill>
+              <a:effectLst/>
+              <a:latin typeface="Titillium Web" panose="00000500000000000000" pitchFamily="2" charset="0"/>
+            </a:endParaRPr>
+          </a:p>
+          <a:p>
+            <a:pPr lvl="1"/>
+            <a:endParaRPr lang="es-ES" sz="1200" b="0" i="0" dirty="0">
+              <a:solidFill>
+                <a:schemeClr val="accent4">
+                  <a:lumMod val="60000"/>
+                  <a:lumOff val="40000"/>
+                </a:schemeClr>
+              </a:solidFill>
+              <a:effectLst/>
+              <a:latin typeface="Titillium Web" panose="00000500000000000000" pitchFamily="2" charset="0"/>
+            </a:endParaRPr>
+          </a:p>
+        </p:txBody>
+      </p:sp>
+      <p:sp>
+        <p:nvSpPr>
+          <p:cNvPr id="9" name="CuadroTexto 8">
+            <a:extLst>
+              <a:ext uri="{FF2B5EF4-FFF2-40B4-BE49-F238E27FC236}">
+                <a16:creationId xmlns:a16="http://schemas.microsoft.com/office/drawing/2014/main" id="{D644B738-0737-54FD-D865-CE1CBC1311FE}"/>
+              </a:ext>
+            </a:extLst>
+          </p:cNvPr>
+          <p:cNvSpPr txBox="1"/>
+          <p:nvPr/>
+        </p:nvSpPr>
+        <p:spPr>
+          <a:xfrm>
+            <a:off x="8205186" y="254604"/>
+            <a:ext cx="6094520" cy="369332"/>
+          </a:xfrm>
+          <a:prstGeom prst="rect">
+            <a:avLst/>
+          </a:prstGeom>
+          <a:noFill/>
+        </p:spPr>
+        <p:txBody>
+          <a:bodyPr wrap="square">
+            <a:spAutoFit/>
+          </a:bodyPr>
+          <a:lstStyle/>
+          <a:p>
+            <a:pPr lvl="1"/>
+            <a:r>
+              <a:rPr lang="es-ES" sz="1800" dirty="0">
+                <a:latin typeface="Titillium Web" panose="00000500000000000000" pitchFamily="2" charset="0"/>
+                <a:sym typeface="Wingdings" panose="05000000000000000000" pitchFamily="2" charset="2"/>
+              </a:rPr>
+              <a:t>Aplicación 3: </a:t>
+            </a:r>
+            <a:r>
+              <a:rPr lang="es-ES" sz="1800" dirty="0" err="1">
+                <a:latin typeface="Titillium Web" panose="00000500000000000000" pitchFamily="2" charset="0"/>
+                <a:sym typeface="Wingdings" panose="05000000000000000000" pitchFamily="2" charset="2"/>
+              </a:rPr>
+              <a:t>DemoMVCII</a:t>
+            </a:r>
+            <a:endParaRPr lang="es-ES" sz="1800" dirty="0">
+              <a:latin typeface="Titillium Web" panose="00000500000000000000" pitchFamily="2" charset="0"/>
+              <a:sym typeface="Wingdings" panose="05000000000000000000" pitchFamily="2" charset="2"/>
+            </a:endParaRPr>
+          </a:p>
+        </p:txBody>
+      </p:sp>
+      <p:pic>
+        <p:nvPicPr>
+          <p:cNvPr id="6" name="Imagen 5">
+            <a:extLst>
+              <a:ext uri="{FF2B5EF4-FFF2-40B4-BE49-F238E27FC236}">
+                <a16:creationId xmlns:a16="http://schemas.microsoft.com/office/drawing/2014/main" id="{24D9DE83-A5F9-A996-2AF0-B1A957886A16}"/>
+              </a:ext>
+            </a:extLst>
+          </p:cNvPr>
+          <p:cNvPicPr>
+            <a:picLocks noChangeAspect="1"/>
+          </p:cNvPicPr>
+          <p:nvPr/>
+        </p:nvPicPr>
+        <p:blipFill>
+          <a:blip r:embed="rId6"/>
+          <a:stretch>
+            <a:fillRect/>
+          </a:stretch>
+        </p:blipFill>
+        <p:spPr>
+          <a:xfrm>
+            <a:off x="1104523" y="3913317"/>
+            <a:ext cx="2798976" cy="2481975"/>
+          </a:xfrm>
+          <a:prstGeom prst="rect">
+            <a:avLst/>
+          </a:prstGeom>
+        </p:spPr>
+      </p:pic>
+    </p:spTree>
+    <p:extLst>
+      <p:ext uri="{BB962C8B-B14F-4D97-AF65-F5344CB8AC3E}">
+        <p14:creationId xmlns:p14="http://schemas.microsoft.com/office/powerpoint/2010/main" val="2207208270"/>
       </p:ext>
     </p:extLst>
   </p:cSld>
@@ -17791,31 +24462,8 @@
                 <a:latin typeface="Titillium Web" panose="00000500000000000000" pitchFamily="2" charset="0"/>
                 <a:sym typeface="Wingdings" panose="05000000000000000000" pitchFamily="2" charset="2"/>
               </a:rPr>
-              <a:t>Añadir una sección de listado de usuarios, dentro del propio </a:t>
-            </a:r>
-            <a:r>
-              <a:rPr lang="es-ES" sz="1200" dirty="0" err="1">
-                <a:solidFill>
-                  <a:schemeClr val="accent3">
-                    <a:lumMod val="60000"/>
-                    <a:lumOff val="40000"/>
-                  </a:schemeClr>
-                </a:solidFill>
-                <a:latin typeface="Titillium Web" panose="00000500000000000000" pitchFamily="2" charset="0"/>
-                <a:sym typeface="Wingdings" panose="05000000000000000000" pitchFamily="2" charset="2"/>
-              </a:rPr>
-              <a:t>Menu</a:t>
-            </a:r>
-            <a:endParaRPr lang="es-ES" sz="1200" dirty="0">
-              <a:solidFill>
-                <a:schemeClr val="accent3">
-                  <a:lumMod val="60000"/>
-                  <a:lumOff val="40000"/>
-                </a:schemeClr>
-              </a:solidFill>
-              <a:latin typeface="Titillium Web" panose="00000500000000000000" pitchFamily="2" charset="0"/>
-              <a:sym typeface="Wingdings" panose="05000000000000000000" pitchFamily="2" charset="2"/>
-            </a:endParaRPr>
+              <a:t>Añadir una sección de listado de usuarios, dentro del propio Menú</a:t>
+            </a:r>
           </a:p>
           <a:p>
             <a:pPr marL="1085850" lvl="2" indent="-171450">
